--- a/WebRTC File Transfer - Marco Rodrigues.pptx
+++ b/WebRTC File Transfer - Marco Rodrigues.pptx
@@ -14,6 +14,7 @@
     <p:sldId id="262" r:id="rId8"/>
     <p:sldId id="263" r:id="rId9"/>
     <p:sldId id="264" r:id="rId10"/>
+    <p:sldId id="265" r:id="rId11"/>
   </p:sldIdLst>
   <p:sldSz cx="12192000" cy="6858000"/>
   <p:notesSz cx="6858000" cy="9144000"/>
@@ -112,6 +113,11 @@
       </a:defRPr>
     </a:lvl9pPr>
   </p:defaultTextStyle>
+  <p:extLst>
+    <p:ext uri="{EFAFB233-063F-42B5-8137-9DF3F51BA10A}">
+      <p15:sldGuideLst xmlns:p15="http://schemas.microsoft.com/office/powerpoint/2012/main"/>
+    </p:ext>
+  </p:extLst>
 </p:presentation>
 </file>
 
@@ -341,7 +347,7 @@
           <a:p>
             <a:fld id="{AA74C416-EC00-489D-B5CE-5AA9CB955FC3}" type="datetimeFigureOut">
               <a:rPr lang="pt-PT" smtClean="0"/>
-              <a:t>11/02/2017</a:t>
+              <a:t>13/02/2017</a:t>
             </a:fld>
             <a:endParaRPr lang="pt-PT"/>
           </a:p>
@@ -549,7 +555,7 @@
           <a:p>
             <a:fld id="{AA74C416-EC00-489D-B5CE-5AA9CB955FC3}" type="datetimeFigureOut">
               <a:rPr lang="pt-PT" smtClean="0"/>
-              <a:t>11/02/2017</a:t>
+              <a:t>13/02/2017</a:t>
             </a:fld>
             <a:endParaRPr lang="pt-PT"/>
           </a:p>
@@ -805,7 +811,7 @@
           <a:p>
             <a:fld id="{AA74C416-EC00-489D-B5CE-5AA9CB955FC3}" type="datetimeFigureOut">
               <a:rPr lang="pt-PT" smtClean="0"/>
-              <a:t>11/02/2017</a:t>
+              <a:t>13/02/2017</a:t>
             </a:fld>
             <a:endParaRPr lang="pt-PT"/>
           </a:p>
@@ -979,7 +985,7 @@
           <a:p>
             <a:fld id="{AA74C416-EC00-489D-B5CE-5AA9CB955FC3}" type="datetimeFigureOut">
               <a:rPr lang="pt-PT" smtClean="0"/>
-              <a:t>11/02/2017</a:t>
+              <a:t>13/02/2017</a:t>
             </a:fld>
             <a:endParaRPr lang="pt-PT"/>
           </a:p>
@@ -1322,7 +1328,7 @@
           <a:p>
             <a:fld id="{AA74C416-EC00-489D-B5CE-5AA9CB955FC3}" type="datetimeFigureOut">
               <a:rPr lang="pt-PT" smtClean="0"/>
-              <a:t>11/02/2017</a:t>
+              <a:t>13/02/2017</a:t>
             </a:fld>
             <a:endParaRPr lang="pt-PT"/>
           </a:p>
@@ -1597,7 +1603,7 @@
           <a:p>
             <a:fld id="{AA74C416-EC00-489D-B5CE-5AA9CB955FC3}" type="datetimeFigureOut">
               <a:rPr lang="pt-PT" smtClean="0"/>
-              <a:t>11/02/2017</a:t>
+              <a:t>13/02/2017</a:t>
             </a:fld>
             <a:endParaRPr lang="pt-PT"/>
           </a:p>
@@ -1976,7 +1982,7 @@
           <a:p>
             <a:fld id="{AA74C416-EC00-489D-B5CE-5AA9CB955FC3}" type="datetimeFigureOut">
               <a:rPr lang="pt-PT" smtClean="0"/>
-              <a:t>11/02/2017</a:t>
+              <a:t>13/02/2017</a:t>
             </a:fld>
             <a:endParaRPr lang="pt-PT"/>
           </a:p>
@@ -2094,7 +2100,7 @@
           <a:p>
             <a:fld id="{AA74C416-EC00-489D-B5CE-5AA9CB955FC3}" type="datetimeFigureOut">
               <a:rPr lang="pt-PT" smtClean="0"/>
-              <a:t>11/02/2017</a:t>
+              <a:t>13/02/2017</a:t>
             </a:fld>
             <a:endParaRPr lang="pt-PT"/>
           </a:p>
@@ -2265,7 +2271,7 @@
           <a:p>
             <a:fld id="{AA74C416-EC00-489D-B5CE-5AA9CB955FC3}" type="datetimeFigureOut">
               <a:rPr lang="pt-PT" smtClean="0"/>
-              <a:t>11/02/2017</a:t>
+              <a:t>13/02/2017</a:t>
             </a:fld>
             <a:endParaRPr lang="pt-PT"/>
           </a:p>
@@ -2619,7 +2625,7 @@
           <a:p>
             <a:fld id="{AA74C416-EC00-489D-B5CE-5AA9CB955FC3}" type="datetimeFigureOut">
               <a:rPr lang="pt-PT" smtClean="0"/>
-              <a:t>11/02/2017</a:t>
+              <a:t>13/02/2017</a:t>
             </a:fld>
             <a:endParaRPr lang="pt-PT"/>
           </a:p>
@@ -3001,7 +3007,7 @@
           <a:p>
             <a:fld id="{AA74C416-EC00-489D-B5CE-5AA9CB955FC3}" type="datetimeFigureOut">
               <a:rPr lang="pt-PT" smtClean="0"/>
-              <a:t>11/02/2017</a:t>
+              <a:t>13/02/2017</a:t>
             </a:fld>
             <a:endParaRPr lang="pt-PT"/>
           </a:p>
@@ -3288,7 +3294,7 @@
           <a:p>
             <a:fld id="{AA74C416-EC00-489D-B5CE-5AA9CB955FC3}" type="datetimeFigureOut">
               <a:rPr lang="pt-PT" smtClean="0"/>
-              <a:t>11/02/2017</a:t>
+              <a:t>13/02/2017</a:t>
             </a:fld>
             <a:endParaRPr lang="pt-PT"/>
           </a:p>
@@ -3989,6 +3995,106 @@
 </p:sld>
 </file>
 
+<file path=ppt/slides/slide10.xml><?xml version="1.0" encoding="utf-8"?>
+<p:sld xmlns:a="http://schemas.openxmlformats.org/drawingml/2006/main" xmlns:r="http://schemas.openxmlformats.org/officeDocument/2006/relationships" xmlns:p="http://schemas.openxmlformats.org/presentationml/2006/main">
+  <p:cSld>
+    <p:spTree>
+      <p:nvGrpSpPr>
+        <p:cNvPr id="1" name=""/>
+        <p:cNvGrpSpPr/>
+        <p:nvPr/>
+      </p:nvGrpSpPr>
+      <p:grpSpPr>
+        <a:xfrm>
+          <a:off x="0" y="0"/>
+          <a:ext cx="0" cy="0"/>
+          <a:chOff x="0" y="0"/>
+          <a:chExt cx="0" cy="0"/>
+        </a:xfrm>
+      </p:grpSpPr>
+      <p:sp>
+        <p:nvSpPr>
+          <p:cNvPr id="7" name="TextBox 6"/>
+          <p:cNvSpPr txBox="1"/>
+          <p:nvPr/>
+        </p:nvSpPr>
+        <p:spPr>
+          <a:xfrm>
+            <a:off x="406101" y="581553"/>
+            <a:ext cx="11364685" cy="1938992"/>
+          </a:xfrm>
+          <a:prstGeom prst="rect">
+            <a:avLst/>
+          </a:prstGeom>
+          <a:noFill/>
+        </p:spPr>
+        <p:txBody>
+          <a:bodyPr wrap="square" rtlCol="0">
+            <a:spAutoFit/>
+          </a:bodyPr>
+          <a:lstStyle/>
+          <a:p>
+            <a:r>
+              <a:rPr lang="pt-PT" sz="2400" dirty="0" smtClean="0"/>
+              <a:t>WebRTC – Transferência de Ficheiros</a:t>
+            </a:r>
+          </a:p>
+          <a:p>
+            <a:pPr marL="342900" indent="-342900">
+              <a:buFontTx/>
+              <a:buChar char="-"/>
+            </a:pPr>
+            <a:r>
+              <a:rPr lang="pt-PT" sz="2400" dirty="0" smtClean="0"/>
+              <a:t>Via canais de informação</a:t>
+            </a:r>
+          </a:p>
+          <a:p>
+            <a:pPr marL="342900" indent="-342900">
+              <a:buFontTx/>
+              <a:buChar char="-"/>
+            </a:pPr>
+            <a:r>
+              <a:rPr lang="pt-PT" sz="2400" dirty="0" smtClean="0"/>
+              <a:t>O ficheiro é dividido em pedaços que são enviados pelo canal</a:t>
+            </a:r>
+          </a:p>
+          <a:p>
+            <a:pPr marL="342900" indent="-342900">
+              <a:buFontTx/>
+              <a:buChar char="-"/>
+            </a:pPr>
+            <a:r>
+              <a:rPr lang="pt-PT" sz="2400" dirty="0" smtClean="0"/>
+              <a:t>Envio e progresso é monitorizado através de elementos de progresso de HTML5</a:t>
+            </a:r>
+          </a:p>
+          <a:p>
+            <a:pPr marL="342900" indent="-342900">
+              <a:buFontTx/>
+              <a:buChar char="-"/>
+            </a:pPr>
+            <a:r>
+              <a:rPr lang="pt-PT" sz="2400" dirty="0" smtClean="0"/>
+              <a:t>No destino o ficheiro é montado através da Blob API e fica disponível para download</a:t>
+            </a:r>
+            <a:endParaRPr lang="pt-PT" sz="2400" dirty="0" smtClean="0"/>
+          </a:p>
+        </p:txBody>
+      </p:sp>
+    </p:spTree>
+    <p:extLst>
+      <p:ext uri="{BB962C8B-B14F-4D97-AF65-F5344CB8AC3E}">
+        <p14:creationId xmlns:p14="http://schemas.microsoft.com/office/powerpoint/2010/main" val="117996747"/>
+      </p:ext>
+    </p:extLst>
+  </p:cSld>
+  <p:clrMapOvr>
+    <a:masterClrMapping/>
+  </p:clrMapOvr>
+</p:sld>
+</file>
+
 <file path=ppt/slides/slide2.xml><?xml version="1.0" encoding="utf-8"?>
 <p:sld xmlns:a="http://schemas.openxmlformats.org/drawingml/2006/main" xmlns:r="http://schemas.openxmlformats.org/officeDocument/2006/relationships" xmlns:p="http://schemas.openxmlformats.org/presentationml/2006/main">
   <p:cSld>
@@ -4847,11 +4953,7 @@
             </a:pPr>
             <a:r>
               <a:rPr lang="pt-PT" sz="2400"/>
-              <a:t>Sharefest (https</a:t>
-            </a:r>
-            <a:r>
-              <a:rPr lang="pt-PT" sz="2400"/>
-              <a:t>://</a:t>
+              <a:t>Sharefest (https://</a:t>
             </a:r>
             <a:r>
               <a:rPr lang="pt-PT" sz="2400" smtClean="0"/>

--- a/WebRTC File Transfer - Marco Rodrigues.pptx
+++ b/WebRTC File Transfer - Marco Rodrigues.pptx
@@ -8,12 +8,12 @@
     <p:sldId id="256" r:id="rId2"/>
     <p:sldId id="257" r:id="rId3"/>
     <p:sldId id="258" r:id="rId4"/>
-    <p:sldId id="259" r:id="rId5"/>
-    <p:sldId id="260" r:id="rId6"/>
-    <p:sldId id="261" r:id="rId7"/>
-    <p:sldId id="262" r:id="rId8"/>
-    <p:sldId id="263" r:id="rId9"/>
-    <p:sldId id="264" r:id="rId10"/>
+    <p:sldId id="267" r:id="rId5"/>
+    <p:sldId id="259" r:id="rId6"/>
+    <p:sldId id="260" r:id="rId7"/>
+    <p:sldId id="268" r:id="rId8"/>
+    <p:sldId id="261" r:id="rId9"/>
+    <p:sldId id="263" r:id="rId10"/>
     <p:sldId id="265" r:id="rId11"/>
   </p:sldIdLst>
   <p:sldSz cx="12192000" cy="6858000"/>
@@ -347,7 +347,7 @@
           <a:p>
             <a:fld id="{AA74C416-EC00-489D-B5CE-5AA9CB955FC3}" type="datetimeFigureOut">
               <a:rPr lang="pt-PT" smtClean="0"/>
-              <a:t>13/02/2017</a:t>
+              <a:t>14/02/2017</a:t>
             </a:fld>
             <a:endParaRPr lang="pt-PT"/>
           </a:p>
@@ -389,7 +389,7 @@
           <a:p>
             <a:fld id="{422D536B-584E-486B-9435-086987A3D916}" type="slidenum">
               <a:rPr lang="pt-PT" smtClean="0"/>
-              <a:t>‹#›</a:t>
+              <a:t>‹nº›</a:t>
             </a:fld>
             <a:endParaRPr lang="pt-PT"/>
           </a:p>
@@ -555,7 +555,7 @@
           <a:p>
             <a:fld id="{AA74C416-EC00-489D-B5CE-5AA9CB955FC3}" type="datetimeFigureOut">
               <a:rPr lang="pt-PT" smtClean="0"/>
-              <a:t>13/02/2017</a:t>
+              <a:t>14/02/2017</a:t>
             </a:fld>
             <a:endParaRPr lang="pt-PT"/>
           </a:p>
@@ -597,7 +597,7 @@
           <a:p>
             <a:fld id="{422D536B-584E-486B-9435-086987A3D916}" type="slidenum">
               <a:rPr lang="pt-PT" smtClean="0"/>
-              <a:t>‹#›</a:t>
+              <a:t>‹nº›</a:t>
             </a:fld>
             <a:endParaRPr lang="pt-PT"/>
           </a:p>
@@ -811,7 +811,7 @@
           <a:p>
             <a:fld id="{AA74C416-EC00-489D-B5CE-5AA9CB955FC3}" type="datetimeFigureOut">
               <a:rPr lang="pt-PT" smtClean="0"/>
-              <a:t>13/02/2017</a:t>
+              <a:t>14/02/2017</a:t>
             </a:fld>
             <a:endParaRPr lang="pt-PT"/>
           </a:p>
@@ -853,7 +853,7 @@
           <a:p>
             <a:fld id="{422D536B-584E-486B-9435-086987A3D916}" type="slidenum">
               <a:rPr lang="pt-PT" smtClean="0"/>
-              <a:t>‹#›</a:t>
+              <a:t>‹nº›</a:t>
             </a:fld>
             <a:endParaRPr lang="pt-PT"/>
           </a:p>
@@ -985,7 +985,7 @@
           <a:p>
             <a:fld id="{AA74C416-EC00-489D-B5CE-5AA9CB955FC3}" type="datetimeFigureOut">
               <a:rPr lang="pt-PT" smtClean="0"/>
-              <a:t>13/02/2017</a:t>
+              <a:t>14/02/2017</a:t>
             </a:fld>
             <a:endParaRPr lang="pt-PT"/>
           </a:p>
@@ -1027,7 +1027,7 @@
           <a:p>
             <a:fld id="{422D536B-584E-486B-9435-086987A3D916}" type="slidenum">
               <a:rPr lang="pt-PT" smtClean="0"/>
-              <a:t>‹#›</a:t>
+              <a:t>‹nº›</a:t>
             </a:fld>
             <a:endParaRPr lang="pt-PT"/>
           </a:p>
@@ -1328,7 +1328,7 @@
           <a:p>
             <a:fld id="{AA74C416-EC00-489D-B5CE-5AA9CB955FC3}" type="datetimeFigureOut">
               <a:rPr lang="pt-PT" smtClean="0"/>
-              <a:t>13/02/2017</a:t>
+              <a:t>14/02/2017</a:t>
             </a:fld>
             <a:endParaRPr lang="pt-PT"/>
           </a:p>
@@ -1370,7 +1370,7 @@
           <a:p>
             <a:fld id="{422D536B-584E-486B-9435-086987A3D916}" type="slidenum">
               <a:rPr lang="pt-PT" smtClean="0"/>
-              <a:t>‹#›</a:t>
+              <a:t>‹nº›</a:t>
             </a:fld>
             <a:endParaRPr lang="pt-PT"/>
           </a:p>
@@ -1603,7 +1603,7 @@
           <a:p>
             <a:fld id="{AA74C416-EC00-489D-B5CE-5AA9CB955FC3}" type="datetimeFigureOut">
               <a:rPr lang="pt-PT" smtClean="0"/>
-              <a:t>13/02/2017</a:t>
+              <a:t>14/02/2017</a:t>
             </a:fld>
             <a:endParaRPr lang="pt-PT"/>
           </a:p>
@@ -1645,7 +1645,7 @@
           <a:p>
             <a:fld id="{422D536B-584E-486B-9435-086987A3D916}" type="slidenum">
               <a:rPr lang="pt-PT" smtClean="0"/>
-              <a:t>‹#›</a:t>
+              <a:t>‹nº›</a:t>
             </a:fld>
             <a:endParaRPr lang="pt-PT"/>
           </a:p>
@@ -1982,7 +1982,7 @@
           <a:p>
             <a:fld id="{AA74C416-EC00-489D-B5CE-5AA9CB955FC3}" type="datetimeFigureOut">
               <a:rPr lang="pt-PT" smtClean="0"/>
-              <a:t>13/02/2017</a:t>
+              <a:t>14/02/2017</a:t>
             </a:fld>
             <a:endParaRPr lang="pt-PT"/>
           </a:p>
@@ -2024,7 +2024,7 @@
           <a:p>
             <a:fld id="{422D536B-584E-486B-9435-086987A3D916}" type="slidenum">
               <a:rPr lang="pt-PT" smtClean="0"/>
-              <a:t>‹#›</a:t>
+              <a:t>‹nº›</a:t>
             </a:fld>
             <a:endParaRPr lang="pt-PT"/>
           </a:p>
@@ -2100,7 +2100,7 @@
           <a:p>
             <a:fld id="{AA74C416-EC00-489D-B5CE-5AA9CB955FC3}" type="datetimeFigureOut">
               <a:rPr lang="pt-PT" smtClean="0"/>
-              <a:t>13/02/2017</a:t>
+              <a:t>14/02/2017</a:t>
             </a:fld>
             <a:endParaRPr lang="pt-PT"/>
           </a:p>
@@ -2142,7 +2142,7 @@
           <a:p>
             <a:fld id="{422D536B-584E-486B-9435-086987A3D916}" type="slidenum">
               <a:rPr lang="pt-PT" smtClean="0"/>
-              <a:t>‹#›</a:t>
+              <a:t>‹nº›</a:t>
             </a:fld>
             <a:endParaRPr lang="pt-PT"/>
           </a:p>
@@ -2271,7 +2271,7 @@
           <a:p>
             <a:fld id="{AA74C416-EC00-489D-B5CE-5AA9CB955FC3}" type="datetimeFigureOut">
               <a:rPr lang="pt-PT" smtClean="0"/>
-              <a:t>13/02/2017</a:t>
+              <a:t>14/02/2017</a:t>
             </a:fld>
             <a:endParaRPr lang="pt-PT"/>
           </a:p>
@@ -2321,7 +2321,7 @@
           <a:p>
             <a:fld id="{422D536B-584E-486B-9435-086987A3D916}" type="slidenum">
               <a:rPr lang="pt-PT" smtClean="0"/>
-              <a:t>‹#›</a:t>
+              <a:t>‹nº›</a:t>
             </a:fld>
             <a:endParaRPr lang="pt-PT"/>
           </a:p>
@@ -2625,7 +2625,7 @@
           <a:p>
             <a:fld id="{AA74C416-EC00-489D-B5CE-5AA9CB955FC3}" type="datetimeFigureOut">
               <a:rPr lang="pt-PT" smtClean="0"/>
-              <a:t>13/02/2017</a:t>
+              <a:t>14/02/2017</a:t>
             </a:fld>
             <a:endParaRPr lang="pt-PT"/>
           </a:p>
@@ -2688,7 +2688,7 @@
           <a:p>
             <a:fld id="{422D536B-584E-486B-9435-086987A3D916}" type="slidenum">
               <a:rPr lang="pt-PT" smtClean="0"/>
-              <a:t>‹#›</a:t>
+              <a:t>‹nº›</a:t>
             </a:fld>
             <a:endParaRPr lang="pt-PT"/>
           </a:p>
@@ -3007,7 +3007,7 @@
           <a:p>
             <a:fld id="{AA74C416-EC00-489D-B5CE-5AA9CB955FC3}" type="datetimeFigureOut">
               <a:rPr lang="pt-PT" smtClean="0"/>
-              <a:t>13/02/2017</a:t>
+              <a:t>14/02/2017</a:t>
             </a:fld>
             <a:endParaRPr lang="pt-PT"/>
           </a:p>
@@ -3049,7 +3049,7 @@
           <a:p>
             <a:fld id="{422D536B-584E-486B-9435-086987A3D916}" type="slidenum">
               <a:rPr lang="pt-PT" smtClean="0"/>
-              <a:t>‹#›</a:t>
+              <a:t>‹nº›</a:t>
             </a:fld>
             <a:endParaRPr lang="pt-PT"/>
           </a:p>
@@ -3294,7 +3294,7 @@
           <a:p>
             <a:fld id="{AA74C416-EC00-489D-B5CE-5AA9CB955FC3}" type="datetimeFigureOut">
               <a:rPr lang="pt-PT" smtClean="0"/>
-              <a:t>13/02/2017</a:t>
+              <a:t>14/02/2017</a:t>
             </a:fld>
             <a:endParaRPr lang="pt-PT"/>
           </a:p>
@@ -3368,7 +3368,7 @@
           <a:p>
             <a:fld id="{422D536B-584E-486B-9435-086987A3D916}" type="slidenum">
               <a:rPr lang="pt-PT" smtClean="0"/>
-              <a:t>‹#›</a:t>
+              <a:t>‹nº›</a:t>
             </a:fld>
             <a:endParaRPr lang="pt-PT"/>
           </a:p>
@@ -3919,7 +3919,7 @@
         </p:spPr>
         <p:txBody>
           <a:bodyPr vert="horz" lIns="91440" tIns="45720" rIns="91440" bIns="45720" rtlCol="0" anchor="b">
-            <a:normAutofit/>
+            <a:normAutofit lnSpcReduction="10000"/>
           </a:bodyPr>
           <a:lstStyle>
             <a:lvl1pPr algn="l" defTabSz="914400" rtl="0" eaLnBrk="1" latinLnBrk="0" hangingPunct="1">
@@ -3946,7 +3946,27 @@
           <a:p>
             <a:r>
               <a:rPr lang="pt-PT" sz="5400" dirty="0" smtClean="0"/>
-              <a:t>Peer To Peer – File Transfer</a:t>
+              <a:t>Peer To Peer – </a:t>
+            </a:r>
+            <a:r>
+              <a:rPr lang="pt-PT" sz="5400" dirty="0" err="1" smtClean="0"/>
+              <a:t>Message</a:t>
+            </a:r>
+            <a:r>
+              <a:rPr lang="pt-PT" sz="5400" dirty="0" smtClean="0"/>
+              <a:t> </a:t>
+            </a:r>
+            <a:r>
+              <a:rPr lang="pt-PT" sz="5400" dirty="0" err="1" smtClean="0"/>
+              <a:t>and</a:t>
+            </a:r>
+            <a:r>
+              <a:rPr lang="pt-PT" sz="5400" dirty="0" smtClean="0"/>
+              <a:t> File </a:t>
+            </a:r>
+            <a:r>
+              <a:rPr lang="pt-PT" sz="5400" dirty="0" smtClean="0"/>
+              <a:t>Transfer</a:t>
             </a:r>
             <a:endParaRPr lang="pt-PT" sz="5400" dirty="0"/>
           </a:p>
@@ -4036,8 +4056,17 @@
           <a:p>
             <a:r>
               <a:rPr lang="pt-PT" sz="2400" dirty="0" smtClean="0"/>
-              <a:t>WebRTC – Transferência de Ficheiros</a:t>
-            </a:r>
+              <a:t>WebRTC – </a:t>
+            </a:r>
+            <a:r>
+              <a:rPr lang="pt-PT" sz="2400" dirty="0" smtClean="0"/>
+              <a:t>File </a:t>
+            </a:r>
+            <a:r>
+              <a:rPr lang="pt-PT" sz="2400" dirty="0" err="1" smtClean="0"/>
+              <a:t>Transfer</a:t>
+            </a:r>
+            <a:endParaRPr lang="pt-PT" sz="2400" dirty="0" smtClean="0"/>
           </a:p>
           <a:p>
             <a:pPr marL="342900" indent="-342900">
@@ -4078,7 +4107,6 @@
               <a:rPr lang="pt-PT" sz="2400" dirty="0" smtClean="0"/>
               <a:t>No destino o ficheiro é montado através da Blob API e fica disponível para download</a:t>
             </a:r>
-            <a:endParaRPr lang="pt-PT" sz="2400" dirty="0" smtClean="0"/>
           </a:p>
         </p:txBody>
       </p:sp>
@@ -4214,6 +4242,36 @@
           </a:p>
         </p:txBody>
       </p:sp>
+      <p:pic>
+        <p:nvPicPr>
+          <p:cNvPr id="3" name="Picture 4"/>
+          <p:cNvPicPr>
+            <a:picLocks noChangeAspect="1"/>
+          </p:cNvPicPr>
+          <p:nvPr/>
+        </p:nvPicPr>
+        <p:blipFill>
+          <a:blip r:embed="rId2">
+            <a:extLst>
+              <a:ext uri="{28A0092B-C50C-407E-A947-70E740481C1C}">
+                <a14:useLocalDpi xmlns:a14="http://schemas.microsoft.com/office/drawing/2010/main" val="0"/>
+              </a:ext>
+            </a:extLst>
+          </a:blip>
+          <a:stretch>
+            <a:fillRect/>
+          </a:stretch>
+        </p:blipFill>
+        <p:spPr>
+          <a:xfrm>
+            <a:off x="10156258" y="224964"/>
+            <a:ext cx="1661273" cy="1987013"/>
+          </a:xfrm>
+          <a:prstGeom prst="rect">
+            <a:avLst/>
+          </a:prstGeom>
+        </p:spPr>
+      </p:pic>
     </p:spTree>
     <p:extLst>
       <p:ext uri="{BB962C8B-B14F-4D97-AF65-F5344CB8AC3E}">
@@ -4252,8 +4310,8 @@
         </p:nvSpPr>
         <p:spPr>
           <a:xfrm>
-            <a:off x="365760" y="1105988"/>
-            <a:ext cx="11364685" cy="3785652"/>
+            <a:off x="437479" y="541212"/>
+            <a:ext cx="9854004" cy="5201424"/>
           </a:xfrm>
           <a:prstGeom prst="rect">
             <a:avLst/>
@@ -4267,7 +4325,7 @@
           <a:lstStyle/>
           <a:p>
             <a:r>
-              <a:rPr lang="pt-PT" sz="2400" dirty="0" smtClean="0"/>
+              <a:rPr lang="pt-PT" sz="3200" b="1" dirty="0" smtClean="0"/>
               <a:t>Visão:</a:t>
             </a:r>
           </a:p>
@@ -4276,10 +4334,7 @@
               <a:buFont typeface="Arial" panose="020B0604020202020204" pitchFamily="34" charset="0"/>
               <a:buChar char="•"/>
             </a:pPr>
-            <a:r>
-              <a:rPr lang="pt-PT" sz="2400" dirty="0" smtClean="0"/>
-              <a:t>Telefone, TV e computadores a comunicar numa plataforma comum</a:t>
-            </a:r>
+            <a:endParaRPr lang="pt-PT" sz="2400" dirty="0" smtClean="0"/>
           </a:p>
           <a:p>
             <a:pPr marL="342900" indent="-342900">
@@ -4288,7 +4343,11 @@
             </a:pPr>
             <a:r>
               <a:rPr lang="pt-PT" sz="2400" dirty="0" smtClean="0"/>
-              <a:t>Adicionar chat de vídeo e partilhar dados de forma fácil numa aplicação web</a:t>
+              <a:t>Telefone</a:t>
+            </a:r>
+            <a:r>
+              <a:rPr lang="pt-PT" sz="2400" dirty="0" smtClean="0"/>
+              <a:t>, TV e computadores a comunicar numa plataforma comum</a:t>
             </a:r>
           </a:p>
           <a:p>
@@ -4303,7 +4362,22 @@
               <a:buFont typeface="Arial" panose="020B0604020202020204" pitchFamily="34" charset="0"/>
               <a:buChar char="•"/>
             </a:pPr>
-            <a:endParaRPr lang="pt-PT" sz="2400" dirty="0"/>
+            <a:r>
+              <a:rPr lang="pt-PT" sz="2400" dirty="0" smtClean="0"/>
+              <a:t>Adicionar </a:t>
+            </a:r>
+            <a:r>
+              <a:rPr lang="pt-PT" sz="2400" dirty="0" smtClean="0"/>
+              <a:t>chat de vídeo e partilhar dados de forma </a:t>
+            </a:r>
+            <a:r>
+              <a:rPr lang="pt-PT" sz="2400" dirty="0" smtClean="0"/>
+              <a:t>fácil e rápida </a:t>
+            </a:r>
+            <a:r>
+              <a:rPr lang="pt-PT" sz="2400" dirty="0" smtClean="0"/>
+              <a:t>numa aplicação web</a:t>
+            </a:r>
           </a:p>
           <a:p>
             <a:pPr marL="342900" indent="-342900">
@@ -4317,6 +4391,15 @@
               <a:buFont typeface="Arial" panose="020B0604020202020204" pitchFamily="34" charset="0"/>
               <a:buChar char="•"/>
             </a:pPr>
+            <a:endParaRPr lang="pt-PT" sz="2400" dirty="0"/>
+          </a:p>
+          <a:p>
+            <a:r>
+              <a:rPr lang="pt-PT" sz="3200" b="1" dirty="0" smtClean="0"/>
+              <a:t>Atualidade:</a:t>
+            </a:r>
+          </a:p>
+          <a:p>
             <a:endParaRPr lang="pt-PT" sz="2400" dirty="0" smtClean="0"/>
           </a:p>
           <a:p>
@@ -4343,12 +4426,46 @@
             </a:pPr>
             <a:r>
               <a:rPr lang="pt-PT" sz="2400" dirty="0" smtClean="0"/>
-              <a:t>Está disponível no Google Chrome, Firefox, Edge e Opera</a:t>
+              <a:t>Está disponível </a:t>
+            </a:r>
+            <a:r>
+              <a:rPr lang="pt-PT" sz="2400" dirty="0" smtClean="0"/>
+              <a:t>nos browsers modernos</a:t>
             </a:r>
             <a:endParaRPr lang="pt-PT" sz="2400" dirty="0"/>
           </a:p>
         </p:txBody>
       </p:sp>
+      <p:pic>
+        <p:nvPicPr>
+          <p:cNvPr id="3" name="Picture 4"/>
+          <p:cNvPicPr>
+            <a:picLocks noChangeAspect="1"/>
+          </p:cNvPicPr>
+          <p:nvPr/>
+        </p:nvPicPr>
+        <p:blipFill>
+          <a:blip r:embed="rId2">
+            <a:extLst>
+              <a:ext uri="{28A0092B-C50C-407E-A947-70E740481C1C}">
+                <a14:useLocalDpi xmlns:a14="http://schemas.microsoft.com/office/drawing/2010/main" val="0"/>
+              </a:ext>
+            </a:extLst>
+          </a:blip>
+          <a:stretch>
+            <a:fillRect/>
+          </a:stretch>
+        </p:blipFill>
+        <p:spPr>
+          <a:xfrm>
+            <a:off x="10156258" y="224964"/>
+            <a:ext cx="1661273" cy="1987013"/>
+          </a:xfrm>
+          <a:prstGeom prst="rect">
+            <a:avLst/>
+          </a:prstGeom>
+        </p:spPr>
+      </p:pic>
     </p:spTree>
     <p:extLst>
       <p:ext uri="{BB962C8B-B14F-4D97-AF65-F5344CB8AC3E}">
@@ -4388,7 +4505,7 @@
         <p:spPr>
           <a:xfrm>
             <a:off x="406101" y="581553"/>
-            <a:ext cx="11364685" cy="1569660"/>
+            <a:ext cx="11364685" cy="2308324"/>
           </a:xfrm>
           <a:prstGeom prst="rect">
             <a:avLst/>
@@ -4403,8 +4520,11 @@
           <a:p>
             <a:r>
               <a:rPr lang="pt-PT" sz="2400" dirty="0" smtClean="0"/>
-              <a:t>Três tarefas principais:</a:t>
-            </a:r>
+              <a:t>É usado em várias aplicações da atualidade:</a:t>
+            </a:r>
+          </a:p>
+          <a:p>
+            <a:endParaRPr lang="pt-PT" sz="2400" dirty="0" smtClean="0"/>
           </a:p>
           <a:p>
             <a:pPr marL="342900" indent="-342900">
@@ -4412,9 +4532,10 @@
               <a:buChar char="•"/>
             </a:pPr>
             <a:r>
-              <a:rPr lang="pt-PT" sz="2400" dirty="0" smtClean="0"/>
-              <a:t>Adquirir áudio e vídeo</a:t>
-            </a:r>
+              <a:rPr lang="pt-PT" sz="2400" dirty="0" err="1" smtClean="0"/>
+              <a:t>Whatsapp</a:t>
+            </a:r>
+            <a:endParaRPr lang="pt-PT" sz="2400" dirty="0" smtClean="0"/>
           </a:p>
           <a:p>
             <a:pPr marL="342900" indent="-342900">
@@ -4422,9 +4543,14 @@
               <a:buChar char="•"/>
             </a:pPr>
             <a:r>
+              <a:rPr lang="pt-PT" sz="2400" dirty="0" err="1" smtClean="0"/>
+              <a:t>Facebook</a:t>
+            </a:r>
+            <a:r>
               <a:rPr lang="pt-PT" sz="2400" dirty="0" smtClean="0"/>
-              <a:t>Comunicar áudio e vídeo</a:t>
-            </a:r>
+              <a:t> Messenger</a:t>
+            </a:r>
+            <a:endParaRPr lang="pt-PT" sz="2400" dirty="0" smtClean="0"/>
           </a:p>
           <a:p>
             <a:pPr marL="342900" indent="-342900">
@@ -4432,77 +4558,61 @@
               <a:buChar char="•"/>
             </a:pPr>
             <a:r>
+              <a:rPr lang="pt-PT" sz="2400" dirty="0" err="1" smtClean="0"/>
+              <a:t>Appear</a:t>
+            </a:r>
+            <a:r>
               <a:rPr lang="pt-PT" sz="2400" dirty="0" smtClean="0"/>
-              <a:t>Comunicar dados arbitrários</a:t>
+              <a:t>-in</a:t>
+            </a:r>
+          </a:p>
+          <a:p>
+            <a:pPr marL="342900" indent="-342900">
+              <a:buFont typeface="Arial" panose="020B0604020202020204" pitchFamily="34" charset="0"/>
+              <a:buChar char="•"/>
+            </a:pPr>
+            <a:r>
+              <a:rPr lang="pt-PT" sz="2400" dirty="0" err="1" smtClean="0"/>
+              <a:t>TokBox</a:t>
             </a:r>
             <a:endParaRPr lang="pt-PT" sz="2400" dirty="0"/>
           </a:p>
         </p:txBody>
       </p:sp>
-      <p:sp>
-        <p:nvSpPr>
-          <p:cNvPr id="3" name="TextBox 2"/>
-          <p:cNvSpPr txBox="1"/>
+      <p:pic>
+        <p:nvPicPr>
+          <p:cNvPr id="4" name="Picture 4"/>
+          <p:cNvPicPr>
+            <a:picLocks noChangeAspect="1"/>
+          </p:cNvPicPr>
           <p:nvPr/>
-        </p:nvSpPr>
-        <p:spPr>
-          <a:xfrm>
-            <a:off x="406100" y="2912377"/>
-            <a:ext cx="11364685" cy="1569660"/>
+        </p:nvPicPr>
+        <p:blipFill>
+          <a:blip r:embed="rId2">
+            <a:extLst>
+              <a:ext uri="{28A0092B-C50C-407E-A947-70E740481C1C}">
+                <a14:useLocalDpi xmlns:a14="http://schemas.microsoft.com/office/drawing/2010/main" val="0"/>
+              </a:ext>
+            </a:extLst>
+          </a:blip>
+          <a:stretch>
+            <a:fillRect/>
+          </a:stretch>
+        </p:blipFill>
+        <p:spPr>
+          <a:xfrm>
+            <a:off x="10156258" y="224964"/>
+            <a:ext cx="1661273" cy="1987013"/>
           </a:xfrm>
           <a:prstGeom prst="rect">
             <a:avLst/>
           </a:prstGeom>
-          <a:noFill/>
-        </p:spPr>
-        <p:txBody>
-          <a:bodyPr wrap="square" rtlCol="0">
-            <a:spAutoFit/>
-          </a:bodyPr>
-          <a:lstStyle/>
-          <a:p>
-            <a:r>
-              <a:rPr lang="pt-PT" sz="2400" dirty="0" smtClean="0"/>
-              <a:t>Três APIs javascript principais:</a:t>
-            </a:r>
-          </a:p>
-          <a:p>
-            <a:pPr marL="342900" indent="-342900">
-              <a:buFont typeface="Arial" panose="020B0604020202020204" pitchFamily="34" charset="0"/>
-              <a:buChar char="•"/>
-            </a:pPr>
-            <a:r>
-              <a:rPr lang="pt-PT" sz="2400" dirty="0" smtClean="0"/>
-              <a:t>MediaStream (ou getUserMedia)</a:t>
-            </a:r>
-          </a:p>
-          <a:p>
-            <a:pPr marL="342900" indent="-342900">
-              <a:buFont typeface="Arial" panose="020B0604020202020204" pitchFamily="34" charset="0"/>
-              <a:buChar char="•"/>
-            </a:pPr>
-            <a:r>
-              <a:rPr lang="pt-PT" sz="2400" dirty="0" smtClean="0"/>
-              <a:t>RTCPeerConnection</a:t>
-            </a:r>
-          </a:p>
-          <a:p>
-            <a:pPr marL="342900" indent="-342900">
-              <a:buFont typeface="Arial" panose="020B0604020202020204" pitchFamily="34" charset="0"/>
-              <a:buChar char="•"/>
-            </a:pPr>
-            <a:r>
-              <a:rPr lang="pt-PT" sz="2400" dirty="0" smtClean="0"/>
-              <a:t>RTCDataChannel</a:t>
-            </a:r>
-            <a:endParaRPr lang="pt-PT" sz="2400" dirty="0"/>
-          </a:p>
-        </p:txBody>
-      </p:sp>
+        </p:spPr>
+      </p:pic>
     </p:spTree>
     <p:extLst>
       <p:ext uri="{BB962C8B-B14F-4D97-AF65-F5344CB8AC3E}">
-        <p14:creationId xmlns:p14="http://schemas.microsoft.com/office/powerpoint/2010/main" val="1667653310"/>
+        <p14:creationId xmlns:p14="http://schemas.microsoft.com/office/powerpoint/2010/main" val="1112922108"/>
       </p:ext>
     </p:extLst>
   </p:cSld>
@@ -4538,7 +4648,7 @@
         <p:spPr>
           <a:xfrm>
             <a:off x="406101" y="581553"/>
-            <a:ext cx="11364685" cy="2677656"/>
+            <a:ext cx="11364685" cy="1938992"/>
           </a:xfrm>
           <a:prstGeom prst="rect">
             <a:avLst/>
@@ -4553,15 +4663,25 @@
           <a:p>
             <a:r>
               <a:rPr lang="pt-PT" sz="2400" dirty="0" smtClean="0"/>
-              <a:t>RTCPeerConnection</a:t>
-            </a:r>
+              <a:t>Três tarefas principais</a:t>
+            </a:r>
+            <a:r>
+              <a:rPr lang="pt-PT" sz="2400" dirty="0" smtClean="0"/>
+              <a:t>:</a:t>
+            </a:r>
+          </a:p>
+          <a:p>
+            <a:endParaRPr lang="pt-PT" sz="2400" dirty="0" smtClean="0"/>
           </a:p>
           <a:p>
             <a:pPr marL="342900" indent="-342900">
               <a:buFont typeface="Arial" panose="020B0604020202020204" pitchFamily="34" charset="0"/>
               <a:buChar char="•"/>
             </a:pPr>
-            <a:endParaRPr lang="pt-PT" sz="2400" dirty="0" smtClean="0"/>
+            <a:r>
+              <a:rPr lang="pt-PT" sz="2400" dirty="0" smtClean="0"/>
+              <a:t>Adquirir áudio e vídeo</a:t>
+            </a:r>
           </a:p>
           <a:p>
             <a:pPr marL="342900" indent="-342900">
@@ -4570,7 +4690,7 @@
             </a:pPr>
             <a:r>
               <a:rPr lang="pt-PT" sz="2400" dirty="0" smtClean="0"/>
-              <a:t>Processamento de sinal</a:t>
+              <a:t>Comunicar áudio e vídeo</a:t>
             </a:r>
           </a:p>
           <a:p>
@@ -4580,8 +4700,45 @@
             </a:pPr>
             <a:r>
               <a:rPr lang="pt-PT" sz="2400" dirty="0" smtClean="0"/>
-              <a:t>Tratamento de codecs</a:t>
-            </a:r>
+              <a:t>Comunicar dados arbitrários</a:t>
+            </a:r>
+            <a:endParaRPr lang="pt-PT" sz="2400" dirty="0"/>
+          </a:p>
+        </p:txBody>
+      </p:sp>
+      <p:sp>
+        <p:nvSpPr>
+          <p:cNvPr id="3" name="TextBox 2"/>
+          <p:cNvSpPr txBox="1"/>
+          <p:nvPr/>
+        </p:nvSpPr>
+        <p:spPr>
+          <a:xfrm>
+            <a:off x="406101" y="3154424"/>
+            <a:ext cx="11364685" cy="1938992"/>
+          </a:xfrm>
+          <a:prstGeom prst="rect">
+            <a:avLst/>
+          </a:prstGeom>
+          <a:noFill/>
+        </p:spPr>
+        <p:txBody>
+          <a:bodyPr wrap="square" rtlCol="0">
+            <a:spAutoFit/>
+          </a:bodyPr>
+          <a:lstStyle/>
+          <a:p>
+            <a:r>
+              <a:rPr lang="pt-PT" sz="2400" dirty="0" smtClean="0"/>
+              <a:t>Três APIs javascript principais</a:t>
+            </a:r>
+            <a:r>
+              <a:rPr lang="pt-PT" sz="2400" dirty="0" smtClean="0"/>
+              <a:t>:</a:t>
+            </a:r>
+          </a:p>
+          <a:p>
+            <a:endParaRPr lang="pt-PT" sz="2400" dirty="0" smtClean="0"/>
           </a:p>
           <a:p>
             <a:pPr marL="342900" indent="-342900">
@@ -4590,7 +4747,7 @@
             </a:pPr>
             <a:r>
               <a:rPr lang="pt-PT" sz="2400" dirty="0" smtClean="0"/>
-              <a:t>Comunicação peer to peer</a:t>
+              <a:t>MediaStream (ou getUserMedia)</a:t>
             </a:r>
           </a:p>
           <a:p>
@@ -4600,7 +4757,7 @@
             </a:pPr>
             <a:r>
               <a:rPr lang="pt-PT" sz="2400" dirty="0" smtClean="0"/>
-              <a:t>Segurança</a:t>
+              <a:t>RTCPeerConnection</a:t>
             </a:r>
           </a:p>
           <a:p>
@@ -4610,12 +4767,227 @@
             </a:pPr>
             <a:r>
               <a:rPr lang="pt-PT" sz="2400" dirty="0" smtClean="0"/>
-              <a:t>Gestão de largura de banda</a:t>
+              <a:t>RTCDataChannel</a:t>
             </a:r>
             <a:endParaRPr lang="pt-PT" sz="2400" dirty="0"/>
           </a:p>
         </p:txBody>
       </p:sp>
+      <p:pic>
+        <p:nvPicPr>
+          <p:cNvPr id="4" name="Picture 4"/>
+          <p:cNvPicPr>
+            <a:picLocks noChangeAspect="1"/>
+          </p:cNvPicPr>
+          <p:nvPr/>
+        </p:nvPicPr>
+        <p:blipFill>
+          <a:blip r:embed="rId2">
+            <a:extLst>
+              <a:ext uri="{28A0092B-C50C-407E-A947-70E740481C1C}">
+                <a14:useLocalDpi xmlns:a14="http://schemas.microsoft.com/office/drawing/2010/main" val="0"/>
+              </a:ext>
+            </a:extLst>
+          </a:blip>
+          <a:stretch>
+            <a:fillRect/>
+          </a:stretch>
+        </p:blipFill>
+        <p:spPr>
+          <a:xfrm>
+            <a:off x="10156258" y="224964"/>
+            <a:ext cx="1661273" cy="1987013"/>
+          </a:xfrm>
+          <a:prstGeom prst="rect">
+            <a:avLst/>
+          </a:prstGeom>
+        </p:spPr>
+      </p:pic>
+    </p:spTree>
+    <p:extLst>
+      <p:ext uri="{BB962C8B-B14F-4D97-AF65-F5344CB8AC3E}">
+        <p14:creationId xmlns:p14="http://schemas.microsoft.com/office/powerpoint/2010/main" val="1667653310"/>
+      </p:ext>
+    </p:extLst>
+  </p:cSld>
+  <p:clrMapOvr>
+    <a:masterClrMapping/>
+  </p:clrMapOvr>
+</p:sld>
+</file>
+
+<file path=ppt/slides/slide6.xml><?xml version="1.0" encoding="utf-8"?>
+<p:sld xmlns:a="http://schemas.openxmlformats.org/drawingml/2006/main" xmlns:r="http://schemas.openxmlformats.org/officeDocument/2006/relationships" xmlns:p="http://schemas.openxmlformats.org/presentationml/2006/main">
+  <p:cSld>
+    <p:spTree>
+      <p:nvGrpSpPr>
+        <p:cNvPr id="1" name=""/>
+        <p:cNvGrpSpPr/>
+        <p:nvPr/>
+      </p:nvGrpSpPr>
+      <p:grpSpPr>
+        <a:xfrm>
+          <a:off x="0" y="0"/>
+          <a:ext cx="0" cy="0"/>
+          <a:chOff x="0" y="0"/>
+          <a:chExt cx="0" cy="0"/>
+        </a:xfrm>
+      </p:grpSpPr>
+      <p:sp>
+        <p:nvSpPr>
+          <p:cNvPr id="7" name="TextBox 6"/>
+          <p:cNvSpPr txBox="1"/>
+          <p:nvPr/>
+        </p:nvSpPr>
+        <p:spPr>
+          <a:xfrm>
+            <a:off x="406101" y="581553"/>
+            <a:ext cx="9750157" cy="3539430"/>
+          </a:xfrm>
+          <a:prstGeom prst="rect">
+            <a:avLst/>
+          </a:prstGeom>
+          <a:noFill/>
+        </p:spPr>
+        <p:txBody>
+          <a:bodyPr wrap="square" rtlCol="0">
+            <a:spAutoFit/>
+          </a:bodyPr>
+          <a:lstStyle/>
+          <a:p>
+            <a:r>
+              <a:rPr lang="pt-PT" sz="3200" b="1" dirty="0" smtClean="0"/>
+              <a:t>RTCPeerConnection</a:t>
+            </a:r>
+          </a:p>
+          <a:p>
+            <a:pPr marL="342900" indent="-342900">
+              <a:buFont typeface="Arial" panose="020B0604020202020204" pitchFamily="34" charset="0"/>
+              <a:buChar char="•"/>
+            </a:pPr>
+            <a:endParaRPr lang="pt-PT" sz="2400" dirty="0" smtClean="0"/>
+          </a:p>
+          <a:p>
+            <a:pPr marL="342900" indent="-342900">
+              <a:buFont typeface="Arial" panose="020B0604020202020204" pitchFamily="34" charset="0"/>
+              <a:buChar char="•"/>
+            </a:pPr>
+            <a:r>
+              <a:rPr lang="pt-PT" sz="2400" dirty="0" smtClean="0"/>
+              <a:t>Representa a conexão </a:t>
+            </a:r>
+            <a:r>
+              <a:rPr lang="pt-PT" sz="2400" dirty="0" err="1" smtClean="0"/>
+              <a:t>WebRTC</a:t>
+            </a:r>
+            <a:r>
+              <a:rPr lang="pt-PT" sz="2400" dirty="0" smtClean="0"/>
+              <a:t> entre o computador local e o </a:t>
+            </a:r>
+            <a:r>
+              <a:rPr lang="pt-PT" sz="2400" dirty="0" err="1" smtClean="0"/>
+              <a:t>peer</a:t>
+            </a:r>
+            <a:r>
+              <a:rPr lang="pt-PT" sz="2400" dirty="0" smtClean="0"/>
+              <a:t> remoto</a:t>
+            </a:r>
+          </a:p>
+          <a:p>
+            <a:pPr marL="342900" indent="-342900">
+              <a:buFont typeface="Arial" panose="020B0604020202020204" pitchFamily="34" charset="0"/>
+              <a:buChar char="•"/>
+            </a:pPr>
+            <a:endParaRPr lang="pt-PT" sz="2400" dirty="0" smtClean="0"/>
+          </a:p>
+          <a:p>
+            <a:pPr marL="342900" indent="-342900">
+              <a:buFont typeface="Arial" panose="020B0604020202020204" pitchFamily="34" charset="0"/>
+              <a:buChar char="•"/>
+            </a:pPr>
+            <a:r>
+              <a:rPr lang="pt-PT" sz="2400" dirty="0" smtClean="0"/>
+              <a:t>Fornece métodos para:</a:t>
+            </a:r>
+          </a:p>
+          <a:p>
+            <a:pPr marL="800100" lvl="1" indent="-342900">
+              <a:buFont typeface="Arial" panose="020B0604020202020204" pitchFamily="34" charset="0"/>
+              <a:buChar char="•"/>
+            </a:pPr>
+            <a:r>
+              <a:rPr lang="pt-PT" sz="2400" dirty="0" smtClean="0"/>
+              <a:t>Conectar ao </a:t>
+            </a:r>
+            <a:r>
+              <a:rPr lang="pt-PT" sz="2400" dirty="0" err="1" smtClean="0"/>
+              <a:t>peer</a:t>
+            </a:r>
+            <a:endParaRPr lang="pt-PT" sz="2400" dirty="0"/>
+          </a:p>
+          <a:p>
+            <a:pPr marL="800100" lvl="1" indent="-342900">
+              <a:buFont typeface="Arial" panose="020B0604020202020204" pitchFamily="34" charset="0"/>
+              <a:buChar char="•"/>
+            </a:pPr>
+            <a:r>
+              <a:rPr lang="pt-PT" sz="2400" dirty="0" smtClean="0"/>
+              <a:t>Manter conexão</a:t>
+            </a:r>
+          </a:p>
+          <a:p>
+            <a:pPr marL="800100" lvl="1" indent="-342900">
+              <a:buFont typeface="Arial" panose="020B0604020202020204" pitchFamily="34" charset="0"/>
+              <a:buChar char="•"/>
+            </a:pPr>
+            <a:r>
+              <a:rPr lang="pt-PT" sz="2400" dirty="0" smtClean="0"/>
+              <a:t>Monitorizar conexão</a:t>
+            </a:r>
+          </a:p>
+          <a:p>
+            <a:pPr marL="800100" lvl="1" indent="-342900">
+              <a:buFont typeface="Arial" panose="020B0604020202020204" pitchFamily="34" charset="0"/>
+              <a:buChar char="•"/>
+            </a:pPr>
+            <a:r>
+              <a:rPr lang="pt-PT" sz="2400" dirty="0" smtClean="0"/>
+              <a:t>Fechar conexão</a:t>
+            </a:r>
+            <a:endParaRPr lang="pt-PT" sz="2400" dirty="0"/>
+          </a:p>
+        </p:txBody>
+      </p:sp>
+      <p:pic>
+        <p:nvPicPr>
+          <p:cNvPr id="3" name="Picture 4"/>
+          <p:cNvPicPr>
+            <a:picLocks noChangeAspect="1"/>
+          </p:cNvPicPr>
+          <p:nvPr/>
+        </p:nvPicPr>
+        <p:blipFill>
+          <a:blip r:embed="rId2">
+            <a:extLst>
+              <a:ext uri="{28A0092B-C50C-407E-A947-70E740481C1C}">
+                <a14:useLocalDpi xmlns:a14="http://schemas.microsoft.com/office/drawing/2010/main" val="0"/>
+              </a:ext>
+            </a:extLst>
+          </a:blip>
+          <a:stretch>
+            <a:fillRect/>
+          </a:stretch>
+        </p:blipFill>
+        <p:spPr>
+          <a:xfrm>
+            <a:off x="10156258" y="224964"/>
+            <a:ext cx="1661273" cy="1987013"/>
+          </a:xfrm>
+          <a:prstGeom prst="rect">
+            <a:avLst/>
+          </a:prstGeom>
+        </p:spPr>
+      </p:pic>
     </p:spTree>
     <p:extLst>
       <p:ext uri="{BB962C8B-B14F-4D97-AF65-F5344CB8AC3E}">
@@ -4629,7 +5001,245 @@
 </p:sld>
 </file>
 
-<file path=ppt/slides/slide6.xml><?xml version="1.0" encoding="utf-8"?>
+<file path=ppt/slides/slide7.xml><?xml version="1.0" encoding="utf-8"?>
+<p:sld xmlns:a="http://schemas.openxmlformats.org/drawingml/2006/main" xmlns:r="http://schemas.openxmlformats.org/officeDocument/2006/relationships" xmlns:p="http://schemas.openxmlformats.org/presentationml/2006/main">
+  <p:cSld>
+    <p:spTree>
+      <p:nvGrpSpPr>
+        <p:cNvPr id="1" name=""/>
+        <p:cNvGrpSpPr/>
+        <p:nvPr/>
+      </p:nvGrpSpPr>
+      <p:grpSpPr>
+        <a:xfrm>
+          <a:off x="0" y="0"/>
+          <a:ext cx="0" cy="0"/>
+          <a:chOff x="0" y="0"/>
+          <a:chExt cx="0" cy="0"/>
+        </a:xfrm>
+      </p:grpSpPr>
+      <p:sp>
+        <p:nvSpPr>
+          <p:cNvPr id="7" name="TextBox 6"/>
+          <p:cNvSpPr txBox="1"/>
+          <p:nvPr/>
+        </p:nvSpPr>
+        <p:spPr>
+          <a:xfrm>
+            <a:off x="406101" y="581553"/>
+            <a:ext cx="9750157" cy="6124754"/>
+          </a:xfrm>
+          <a:prstGeom prst="rect">
+            <a:avLst/>
+          </a:prstGeom>
+          <a:noFill/>
+        </p:spPr>
+        <p:txBody>
+          <a:bodyPr wrap="square" rtlCol="0">
+            <a:spAutoFit/>
+          </a:bodyPr>
+          <a:lstStyle/>
+          <a:p>
+            <a:r>
+              <a:rPr lang="pt-PT" sz="3200" b="1" dirty="0" err="1" smtClean="0"/>
+              <a:t>RTCDataChannel</a:t>
+            </a:r>
+            <a:endParaRPr lang="pt-PT" sz="3200" b="1" dirty="0" smtClean="0"/>
+          </a:p>
+          <a:p>
+            <a:pPr marL="342900" indent="-342900">
+              <a:buFont typeface="Arial" panose="020B0604020202020204" pitchFamily="34" charset="0"/>
+              <a:buChar char="•"/>
+            </a:pPr>
+            <a:endParaRPr lang="pt-PT" sz="2400" dirty="0" smtClean="0"/>
+          </a:p>
+          <a:p>
+            <a:pPr marL="342900" indent="-342900">
+              <a:buFont typeface="Arial" panose="020B0604020202020204" pitchFamily="34" charset="0"/>
+              <a:buChar char="•"/>
+            </a:pPr>
+            <a:r>
+              <a:rPr lang="pt-PT" sz="2400" dirty="0" smtClean="0"/>
+              <a:t>Representa o canal de rede</a:t>
+            </a:r>
+          </a:p>
+          <a:p>
+            <a:pPr marL="342900" indent="-342900">
+              <a:buFont typeface="Arial" panose="020B0604020202020204" pitchFamily="34" charset="0"/>
+              <a:buChar char="•"/>
+            </a:pPr>
+            <a:endParaRPr lang="pt-PT" sz="2400" dirty="0" smtClean="0"/>
+          </a:p>
+          <a:p>
+            <a:pPr marL="342900" indent="-342900">
+              <a:buFont typeface="Arial" panose="020B0604020202020204" pitchFamily="34" charset="0"/>
+              <a:buChar char="•"/>
+            </a:pPr>
+            <a:r>
+              <a:rPr lang="pt-PT" sz="2400" dirty="0" smtClean="0"/>
+              <a:t>Pode ser utilizado para transferência de dados </a:t>
+            </a:r>
+            <a:r>
+              <a:rPr lang="pt-PT" sz="2400" dirty="0" err="1" smtClean="0"/>
+              <a:t>peer</a:t>
+            </a:r>
+            <a:r>
+              <a:rPr lang="pt-PT" sz="2400" dirty="0" smtClean="0"/>
+              <a:t>-to-</a:t>
+            </a:r>
+            <a:r>
+              <a:rPr lang="pt-PT" sz="2400" dirty="0" err="1" smtClean="0"/>
+              <a:t>peer</a:t>
+            </a:r>
+            <a:r>
+              <a:rPr lang="pt-PT" sz="2400" dirty="0" smtClean="0"/>
+              <a:t> de forma bidirecional</a:t>
+            </a:r>
+          </a:p>
+          <a:p>
+            <a:pPr marL="342900" indent="-342900">
+              <a:buFont typeface="Arial" panose="020B0604020202020204" pitchFamily="34" charset="0"/>
+              <a:buChar char="•"/>
+            </a:pPr>
+            <a:endParaRPr lang="pt-PT" sz="2400" dirty="0" smtClean="0"/>
+          </a:p>
+          <a:p>
+            <a:pPr marL="342900" indent="-342900">
+              <a:buFont typeface="Arial" panose="020B0604020202020204" pitchFamily="34" charset="0"/>
+              <a:buChar char="•"/>
+            </a:pPr>
+            <a:r>
+              <a:rPr lang="pt-PT" sz="2400" dirty="0" smtClean="0"/>
+              <a:t>Cada canal está associado a uma </a:t>
+            </a:r>
+            <a:r>
+              <a:rPr lang="pt-PT" sz="2400" dirty="0" err="1" smtClean="0"/>
+              <a:t>RTCPeer</a:t>
+            </a:r>
+            <a:r>
+              <a:rPr lang="pt-PT" sz="2400" dirty="0" err="1" smtClean="0"/>
+              <a:t>Connection</a:t>
+            </a:r>
+            <a:endParaRPr lang="pt-PT" sz="2400" dirty="0" smtClean="0"/>
+          </a:p>
+          <a:p>
+            <a:pPr marL="342900" indent="-342900">
+              <a:buFont typeface="Arial" panose="020B0604020202020204" pitchFamily="34" charset="0"/>
+              <a:buChar char="•"/>
+            </a:pPr>
+            <a:endParaRPr lang="pt-PT" sz="2400" dirty="0"/>
+          </a:p>
+          <a:p>
+            <a:pPr marL="342900" indent="-342900">
+              <a:buFont typeface="Arial" panose="020B0604020202020204" pitchFamily="34" charset="0"/>
+              <a:buChar char="•"/>
+            </a:pPr>
+            <a:r>
+              <a:rPr lang="pt-PT" sz="2400" dirty="0" smtClean="0"/>
+              <a:t>Casos de Uso:</a:t>
+            </a:r>
+          </a:p>
+          <a:p>
+            <a:pPr marL="800100" lvl="1" indent="-342900">
+              <a:buFont typeface="Arial" panose="020B0604020202020204" pitchFamily="34" charset="0"/>
+              <a:buChar char="•"/>
+            </a:pPr>
+            <a:r>
+              <a:rPr lang="pt-PT" sz="2400" dirty="0" err="1" smtClean="0"/>
+              <a:t>Gaming</a:t>
+            </a:r>
+            <a:endParaRPr lang="pt-PT" sz="2400" dirty="0" smtClean="0"/>
+          </a:p>
+          <a:p>
+            <a:pPr marL="800100" lvl="1" indent="-342900">
+              <a:buFont typeface="Arial" panose="020B0604020202020204" pitchFamily="34" charset="0"/>
+              <a:buChar char="•"/>
+            </a:pPr>
+            <a:r>
+              <a:rPr lang="pt-PT" sz="2400" dirty="0" smtClean="0"/>
+              <a:t>Aplicações desktop remotas</a:t>
+            </a:r>
+          </a:p>
+          <a:p>
+            <a:pPr marL="800100" lvl="1" indent="-342900">
+              <a:buFont typeface="Arial" panose="020B0604020202020204" pitchFamily="34" charset="0"/>
+              <a:buChar char="•"/>
+            </a:pPr>
+            <a:r>
+              <a:rPr lang="pt-PT" sz="2400" dirty="0" smtClean="0"/>
+              <a:t>Chat de texto em tempo real</a:t>
+            </a:r>
+          </a:p>
+          <a:p>
+            <a:pPr marL="800100" lvl="1" indent="-342900">
+              <a:buFont typeface="Arial" panose="020B0604020202020204" pitchFamily="34" charset="0"/>
+              <a:buChar char="•"/>
+            </a:pPr>
+            <a:r>
+              <a:rPr lang="pt-PT" sz="2400" dirty="0" smtClean="0"/>
+              <a:t>Transferência de ficheiros</a:t>
+            </a:r>
+          </a:p>
+          <a:p>
+            <a:pPr marL="800100" lvl="1" indent="-342900">
+              <a:buFont typeface="Arial" panose="020B0604020202020204" pitchFamily="34" charset="0"/>
+              <a:buChar char="•"/>
+            </a:pPr>
+            <a:endParaRPr lang="pt-PT" sz="2400" dirty="0" smtClean="0"/>
+          </a:p>
+          <a:p>
+            <a:pPr marL="342900" indent="-342900">
+              <a:buFont typeface="Arial" panose="020B0604020202020204" pitchFamily="34" charset="0"/>
+              <a:buChar char="•"/>
+            </a:pPr>
+            <a:endParaRPr lang="pt-PT" sz="2400" dirty="0" smtClean="0"/>
+          </a:p>
+        </p:txBody>
+      </p:sp>
+      <p:pic>
+        <p:nvPicPr>
+          <p:cNvPr id="3" name="Picture 4"/>
+          <p:cNvPicPr>
+            <a:picLocks noChangeAspect="1"/>
+          </p:cNvPicPr>
+          <p:nvPr/>
+        </p:nvPicPr>
+        <p:blipFill>
+          <a:blip r:embed="rId2">
+            <a:extLst>
+              <a:ext uri="{28A0092B-C50C-407E-A947-70E740481C1C}">
+                <a14:useLocalDpi xmlns:a14="http://schemas.microsoft.com/office/drawing/2010/main" val="0"/>
+              </a:ext>
+            </a:extLst>
+          </a:blip>
+          <a:stretch>
+            <a:fillRect/>
+          </a:stretch>
+        </p:blipFill>
+        <p:spPr>
+          <a:xfrm>
+            <a:off x="10156258" y="224964"/>
+            <a:ext cx="1661273" cy="1987013"/>
+          </a:xfrm>
+          <a:prstGeom prst="rect">
+            <a:avLst/>
+          </a:prstGeom>
+        </p:spPr>
+      </p:pic>
+    </p:spTree>
+    <p:extLst>
+      <p:ext uri="{BB962C8B-B14F-4D97-AF65-F5344CB8AC3E}">
+        <p14:creationId xmlns:p14="http://schemas.microsoft.com/office/powerpoint/2010/main" val="4704748"/>
+      </p:ext>
+    </p:extLst>
+  </p:cSld>
+  <p:clrMapOvr>
+    <a:masterClrMapping/>
+  </p:clrMapOvr>
+</p:sld>
+</file>
+
+<file path=ppt/slides/slide8.xml><?xml version="1.0" encoding="utf-8"?>
 <p:sld xmlns:a="http://schemas.openxmlformats.org/drawingml/2006/main" xmlns:r="http://schemas.openxmlformats.org/officeDocument/2006/relationships" xmlns:p="http://schemas.openxmlformats.org/presentationml/2006/main">
   <p:cSld>
     <p:spTree>
@@ -4668,7 +5278,7 @@
         </p:blipFill>
         <p:spPr>
           <a:xfrm>
-            <a:off x="1888045" y="146772"/>
+            <a:off x="1780468" y="128842"/>
             <a:ext cx="8829561" cy="5917852"/>
           </a:xfrm>
           <a:prstGeom prst="rect">
@@ -4680,198 +5290,6 @@
     <p:extLst>
       <p:ext uri="{BB962C8B-B14F-4D97-AF65-F5344CB8AC3E}">
         <p14:creationId xmlns:p14="http://schemas.microsoft.com/office/powerpoint/2010/main" val="2720289117"/>
-      </p:ext>
-    </p:extLst>
-  </p:cSld>
-  <p:clrMapOvr>
-    <a:masterClrMapping/>
-  </p:clrMapOvr>
-</p:sld>
-</file>
-
-<file path=ppt/slides/slide7.xml><?xml version="1.0" encoding="utf-8"?>
-<p:sld xmlns:a="http://schemas.openxmlformats.org/drawingml/2006/main" xmlns:r="http://schemas.openxmlformats.org/officeDocument/2006/relationships" xmlns:p="http://schemas.openxmlformats.org/presentationml/2006/main">
-  <p:cSld>
-    <p:spTree>
-      <p:nvGrpSpPr>
-        <p:cNvPr id="1" name=""/>
-        <p:cNvGrpSpPr/>
-        <p:nvPr/>
-      </p:nvGrpSpPr>
-      <p:grpSpPr>
-        <a:xfrm>
-          <a:off x="0" y="0"/>
-          <a:ext cx="0" cy="0"/>
-          <a:chOff x="0" y="0"/>
-          <a:chExt cx="0" cy="0"/>
-        </a:xfrm>
-      </p:grpSpPr>
-      <p:sp>
-        <p:nvSpPr>
-          <p:cNvPr id="7" name="TextBox 6"/>
-          <p:cNvSpPr txBox="1"/>
-          <p:nvPr/>
-        </p:nvSpPr>
-        <p:spPr>
-          <a:xfrm>
-            <a:off x="406101" y="581553"/>
-            <a:ext cx="11364685" cy="1938992"/>
-          </a:xfrm>
-          <a:prstGeom prst="rect">
-            <a:avLst/>
-          </a:prstGeom>
-          <a:noFill/>
-        </p:spPr>
-        <p:txBody>
-          <a:bodyPr wrap="square" rtlCol="0">
-            <a:spAutoFit/>
-          </a:bodyPr>
-          <a:lstStyle/>
-          <a:p>
-            <a:r>
-              <a:rPr lang="pt-PT" sz="2400" dirty="0" smtClean="0"/>
-              <a:t>RTCDataChannel</a:t>
-            </a:r>
-          </a:p>
-          <a:p>
-            <a:pPr marL="342900" indent="-342900">
-              <a:buFont typeface="Arial" panose="020B0604020202020204" pitchFamily="34" charset="0"/>
-              <a:buChar char="•"/>
-            </a:pPr>
-            <a:endParaRPr lang="pt-PT" sz="2400" dirty="0" smtClean="0"/>
-          </a:p>
-          <a:p>
-            <a:pPr marL="342900" indent="-342900">
-              <a:buFont typeface="Arial" panose="020B0604020202020204" pitchFamily="34" charset="0"/>
-              <a:buChar char="•"/>
-            </a:pPr>
-            <a:r>
-              <a:rPr lang="pt-PT" sz="2400" dirty="0" smtClean="0"/>
-              <a:t>Mesma API que os WebSockets</a:t>
-            </a:r>
-          </a:p>
-          <a:p>
-            <a:pPr marL="342900" indent="-342900">
-              <a:buFont typeface="Arial" panose="020B0604020202020204" pitchFamily="34" charset="0"/>
-              <a:buChar char="•"/>
-            </a:pPr>
-            <a:r>
-              <a:rPr lang="pt-PT" sz="2400" dirty="0" smtClean="0"/>
-              <a:t>Latência muito baixa</a:t>
-            </a:r>
-          </a:p>
-          <a:p>
-            <a:pPr marL="342900" indent="-342900">
-              <a:buFont typeface="Arial" panose="020B0604020202020204" pitchFamily="34" charset="0"/>
-              <a:buChar char="•"/>
-            </a:pPr>
-            <a:r>
-              <a:rPr lang="pt-PT" sz="2400" dirty="0" smtClean="0"/>
-              <a:t>Seguro</a:t>
-            </a:r>
-          </a:p>
-        </p:txBody>
-      </p:sp>
-    </p:spTree>
-    <p:extLst>
-      <p:ext uri="{BB962C8B-B14F-4D97-AF65-F5344CB8AC3E}">
-        <p14:creationId xmlns:p14="http://schemas.microsoft.com/office/powerpoint/2010/main" val="3981495727"/>
-      </p:ext>
-    </p:extLst>
-  </p:cSld>
-  <p:clrMapOvr>
-    <a:masterClrMapping/>
-  </p:clrMapOvr>
-</p:sld>
-</file>
-
-<file path=ppt/slides/slide8.xml><?xml version="1.0" encoding="utf-8"?>
-<p:sld xmlns:a="http://schemas.openxmlformats.org/drawingml/2006/main" xmlns:r="http://schemas.openxmlformats.org/officeDocument/2006/relationships" xmlns:p="http://schemas.openxmlformats.org/presentationml/2006/main">
-  <p:cSld>
-    <p:spTree>
-      <p:nvGrpSpPr>
-        <p:cNvPr id="1" name=""/>
-        <p:cNvGrpSpPr/>
-        <p:nvPr/>
-      </p:nvGrpSpPr>
-      <p:grpSpPr>
-        <a:xfrm>
-          <a:off x="0" y="0"/>
-          <a:ext cx="0" cy="0"/>
-          <a:chOff x="0" y="0"/>
-          <a:chExt cx="0" cy="0"/>
-        </a:xfrm>
-      </p:grpSpPr>
-      <p:sp>
-        <p:nvSpPr>
-          <p:cNvPr id="7" name="TextBox 6"/>
-          <p:cNvSpPr txBox="1"/>
-          <p:nvPr/>
-        </p:nvSpPr>
-        <p:spPr>
-          <a:xfrm>
-            <a:off x="406101" y="581553"/>
-            <a:ext cx="11364685" cy="1938992"/>
-          </a:xfrm>
-          <a:prstGeom prst="rect">
-            <a:avLst/>
-          </a:prstGeom>
-          <a:noFill/>
-        </p:spPr>
-        <p:txBody>
-          <a:bodyPr wrap="square" rtlCol="0">
-            <a:spAutoFit/>
-          </a:bodyPr>
-          <a:lstStyle/>
-          <a:p>
-            <a:r>
-              <a:rPr lang="pt-PT" sz="2400" dirty="0" smtClean="0"/>
-              <a:t>Adapter.js</a:t>
-            </a:r>
-          </a:p>
-          <a:p>
-            <a:pPr marL="342900" indent="-342900">
-              <a:buFont typeface="Arial" panose="020B0604020202020204" pitchFamily="34" charset="0"/>
-              <a:buChar char="•"/>
-            </a:pPr>
-            <a:endParaRPr lang="pt-PT" sz="2400" dirty="0" smtClean="0"/>
-          </a:p>
-          <a:p>
-            <a:pPr marL="342900" indent="-342900">
-              <a:buFont typeface="Arial" panose="020B0604020202020204" pitchFamily="34" charset="0"/>
-              <a:buChar char="•"/>
-            </a:pPr>
-            <a:r>
-              <a:rPr lang="pt-PT" sz="2400" dirty="0" smtClean="0"/>
-              <a:t>Permite usar o mesmo código em todos os browsers</a:t>
-            </a:r>
-          </a:p>
-          <a:p>
-            <a:pPr marL="342900" indent="-342900">
-              <a:buFont typeface="Arial" panose="020B0604020202020204" pitchFamily="34" charset="0"/>
-              <a:buChar char="•"/>
-            </a:pPr>
-            <a:r>
-              <a:rPr lang="pt-PT" sz="2400" dirty="0" smtClean="0"/>
-              <a:t>Remove prefixos personalizados dos browsers</a:t>
-            </a:r>
-          </a:p>
-          <a:p>
-            <a:pPr marL="342900" indent="-342900">
-              <a:buFont typeface="Arial" panose="020B0604020202020204" pitchFamily="34" charset="0"/>
-              <a:buChar char="•"/>
-            </a:pPr>
-            <a:r>
-              <a:rPr lang="pt-PT" sz="2400" dirty="0" smtClean="0"/>
-              <a:t>Abstrai diferenças</a:t>
-            </a:r>
-          </a:p>
-        </p:txBody>
-      </p:sp>
-    </p:spTree>
-    <p:extLst>
-      <p:ext uri="{BB962C8B-B14F-4D97-AF65-F5344CB8AC3E}">
-        <p14:creationId xmlns:p14="http://schemas.microsoft.com/office/powerpoint/2010/main" val="646556806"/>
       </p:ext>
     </p:extLst>
   </p:cSld>
@@ -4907,7 +5325,7 @@
         <p:spPr>
           <a:xfrm>
             <a:off x="406101" y="581553"/>
-            <a:ext cx="11364685" cy="1569660"/>
+            <a:ext cx="11364685" cy="2123658"/>
           </a:xfrm>
           <a:prstGeom prst="rect">
             <a:avLst/>
@@ -4921,9 +5339,18 @@
           <a:lstStyle/>
           <a:p>
             <a:r>
-              <a:rPr lang="pt-PT" sz="2400" dirty="0" smtClean="0"/>
-              <a:t>Frameworks Javascript:</a:t>
-            </a:r>
+              <a:rPr lang="pt-PT" sz="3200" b="1" dirty="0" smtClean="0"/>
+              <a:t>Adapter.js (adaptador </a:t>
+            </a:r>
+            <a:r>
+              <a:rPr lang="pt-PT" sz="3200" b="1" dirty="0" err="1" smtClean="0"/>
+              <a:t>javascript</a:t>
+            </a:r>
+            <a:r>
+              <a:rPr lang="pt-PT" sz="3200" b="1" dirty="0" smtClean="0"/>
+              <a:t>)</a:t>
+            </a:r>
+            <a:endParaRPr lang="pt-PT" sz="3200" b="1" dirty="0" smtClean="0"/>
           </a:p>
           <a:p>
             <a:pPr marL="342900" indent="-342900">
@@ -4938,12 +5365,8 @@
               <a:buChar char="•"/>
             </a:pPr>
             <a:r>
-              <a:rPr lang="pt-PT" sz="2400" dirty="0"/>
-              <a:t>PeerJS (http://peerjs.com</a:t>
-            </a:r>
-            <a:r>
               <a:rPr lang="pt-PT" sz="2400" dirty="0" smtClean="0"/>
-              <a:t>/)</a:t>
+              <a:t>Permite usar o mesmo código em todos os browsers</a:t>
             </a:r>
           </a:p>
           <a:p>
@@ -4952,21 +5375,119 @@
               <a:buChar char="•"/>
             </a:pPr>
             <a:r>
-              <a:rPr lang="pt-PT" sz="2400"/>
-              <a:t>Sharefest (https://</a:t>
-            </a:r>
-            <a:r>
-              <a:rPr lang="pt-PT" sz="2400" smtClean="0"/>
-              <a:t>github.com/peer5/sharefest)</a:t>
-            </a:r>
+              <a:rPr lang="pt-PT" sz="2400" dirty="0" smtClean="0"/>
+              <a:t>Remove prefixos personalizados dos browsers</a:t>
+            </a:r>
+          </a:p>
+          <a:p>
+            <a:pPr marL="342900" indent="-342900">
+              <a:buFont typeface="Arial" panose="020B0604020202020204" pitchFamily="34" charset="0"/>
+              <a:buChar char="•"/>
+            </a:pPr>
+            <a:r>
+              <a:rPr lang="pt-PT" sz="2400" dirty="0" smtClean="0"/>
+              <a:t>Abstrai diferenças</a:t>
+            </a:r>
+          </a:p>
+        </p:txBody>
+      </p:sp>
+      <p:sp>
+        <p:nvSpPr>
+          <p:cNvPr id="3" name="TextBox 6"/>
+          <p:cNvSpPr txBox="1"/>
+          <p:nvPr/>
+        </p:nvSpPr>
+        <p:spPr>
+          <a:xfrm>
+            <a:off x="406100" y="3028918"/>
+            <a:ext cx="11364685" cy="1692771"/>
+          </a:xfrm>
+          <a:prstGeom prst="rect">
+            <a:avLst/>
+          </a:prstGeom>
+          <a:noFill/>
+        </p:spPr>
+        <p:txBody>
+          <a:bodyPr wrap="square" rtlCol="0">
+            <a:spAutoFit/>
+          </a:bodyPr>
+          <a:lstStyle/>
+          <a:p>
+            <a:r>
+              <a:rPr lang="pt-PT" sz="3200" b="1" dirty="0" err="1" smtClean="0"/>
+              <a:t>Frameworks</a:t>
+            </a:r>
+            <a:r>
+              <a:rPr lang="pt-PT" sz="3200" b="1" dirty="0" smtClean="0"/>
+              <a:t> </a:t>
+            </a:r>
+            <a:r>
+              <a:rPr lang="pt-PT" sz="3200" b="1" dirty="0" err="1" smtClean="0"/>
+              <a:t>Javascript</a:t>
+            </a:r>
+            <a:r>
+              <a:rPr lang="pt-PT" sz="3200" b="1" dirty="0" smtClean="0"/>
+              <a:t> (</a:t>
+            </a:r>
+            <a:r>
+              <a:rPr lang="pt-PT" sz="3200" b="1" dirty="0" err="1" smtClean="0"/>
+              <a:t>peer</a:t>
+            </a:r>
+            <a:r>
+              <a:rPr lang="pt-PT" sz="3200" b="1" dirty="0" smtClean="0"/>
+              <a:t>-to-</a:t>
+            </a:r>
+            <a:r>
+              <a:rPr lang="pt-PT" sz="3200" b="1" dirty="0" err="1" smtClean="0"/>
+              <a:t>peer</a:t>
+            </a:r>
+            <a:r>
+              <a:rPr lang="pt-PT" sz="3200" b="1" dirty="0" smtClean="0"/>
+              <a:t>)</a:t>
+            </a:r>
+            <a:endParaRPr lang="pt-PT" sz="3200" b="1" dirty="0" smtClean="0"/>
+          </a:p>
+          <a:p>
+            <a:pPr marL="342900" indent="-342900">
+              <a:buFont typeface="Arial" panose="020B0604020202020204" pitchFamily="34" charset="0"/>
+              <a:buChar char="•"/>
+            </a:pPr>
             <a:endParaRPr lang="pt-PT" sz="2400" dirty="0" smtClean="0"/>
+          </a:p>
+          <a:p>
+            <a:pPr marL="342900" indent="-342900">
+              <a:buFont typeface="Arial" panose="020B0604020202020204" pitchFamily="34" charset="0"/>
+              <a:buChar char="•"/>
+            </a:pPr>
+            <a:r>
+              <a:rPr lang="pt-PT" sz="2400" dirty="0" err="1"/>
+              <a:t>PeerJS</a:t>
+            </a:r>
+            <a:r>
+              <a:rPr lang="pt-PT" sz="2400" dirty="0"/>
+              <a:t> (http://peerjs.com/)</a:t>
+            </a:r>
+          </a:p>
+          <a:p>
+            <a:pPr marL="342900" indent="-342900">
+              <a:buFont typeface="Arial" panose="020B0604020202020204" pitchFamily="34" charset="0"/>
+              <a:buChar char="•"/>
+            </a:pPr>
+            <a:r>
+              <a:rPr lang="pt-PT" sz="2400" dirty="0" err="1"/>
+              <a:t>Sharefest</a:t>
+            </a:r>
+            <a:r>
+              <a:rPr lang="pt-PT" sz="2400" dirty="0"/>
+              <a:t> (https://github.com/peer5/sharefest)</a:t>
+            </a:r>
           </a:p>
         </p:txBody>
       </p:sp>
     </p:spTree>
     <p:extLst>
       <p:ext uri="{BB962C8B-B14F-4D97-AF65-F5344CB8AC3E}">
-        <p14:creationId xmlns:p14="http://schemas.microsoft.com/office/powerpoint/2010/main" val="343770381"/>
+        <p14:creationId xmlns:p14="http://schemas.microsoft.com/office/powerpoint/2010/main" val="646556806"/>
       </p:ext>
     </p:extLst>
   </p:cSld>

--- a/WebRTC File Transfer - Marco Rodrigues.pptx
+++ b/WebRTC File Transfer - Marco Rodrigues.pptx
@@ -347,7 +347,7 @@
           <a:p>
             <a:fld id="{AA74C416-EC00-489D-B5CE-5AA9CB955FC3}" type="datetimeFigureOut">
               <a:rPr lang="pt-PT" smtClean="0"/>
-              <a:t>14/02/2017</a:t>
+              <a:t>15/02/2017</a:t>
             </a:fld>
             <a:endParaRPr lang="pt-PT"/>
           </a:p>
@@ -389,7 +389,7 @@
           <a:p>
             <a:fld id="{422D536B-584E-486B-9435-086987A3D916}" type="slidenum">
               <a:rPr lang="pt-PT" smtClean="0"/>
-              <a:t>‹nº›</a:t>
+              <a:t>‹#›</a:t>
             </a:fld>
             <a:endParaRPr lang="pt-PT"/>
           </a:p>
@@ -555,7 +555,7 @@
           <a:p>
             <a:fld id="{AA74C416-EC00-489D-B5CE-5AA9CB955FC3}" type="datetimeFigureOut">
               <a:rPr lang="pt-PT" smtClean="0"/>
-              <a:t>14/02/2017</a:t>
+              <a:t>15/02/2017</a:t>
             </a:fld>
             <a:endParaRPr lang="pt-PT"/>
           </a:p>
@@ -597,7 +597,7 @@
           <a:p>
             <a:fld id="{422D536B-584E-486B-9435-086987A3D916}" type="slidenum">
               <a:rPr lang="pt-PT" smtClean="0"/>
-              <a:t>‹nº›</a:t>
+              <a:t>‹#›</a:t>
             </a:fld>
             <a:endParaRPr lang="pt-PT"/>
           </a:p>
@@ -811,7 +811,7 @@
           <a:p>
             <a:fld id="{AA74C416-EC00-489D-B5CE-5AA9CB955FC3}" type="datetimeFigureOut">
               <a:rPr lang="pt-PT" smtClean="0"/>
-              <a:t>14/02/2017</a:t>
+              <a:t>15/02/2017</a:t>
             </a:fld>
             <a:endParaRPr lang="pt-PT"/>
           </a:p>
@@ -853,7 +853,7 @@
           <a:p>
             <a:fld id="{422D536B-584E-486B-9435-086987A3D916}" type="slidenum">
               <a:rPr lang="pt-PT" smtClean="0"/>
-              <a:t>‹nº›</a:t>
+              <a:t>‹#›</a:t>
             </a:fld>
             <a:endParaRPr lang="pt-PT"/>
           </a:p>
@@ -985,7 +985,7 @@
           <a:p>
             <a:fld id="{AA74C416-EC00-489D-B5CE-5AA9CB955FC3}" type="datetimeFigureOut">
               <a:rPr lang="pt-PT" smtClean="0"/>
-              <a:t>14/02/2017</a:t>
+              <a:t>15/02/2017</a:t>
             </a:fld>
             <a:endParaRPr lang="pt-PT"/>
           </a:p>
@@ -1027,7 +1027,7 @@
           <a:p>
             <a:fld id="{422D536B-584E-486B-9435-086987A3D916}" type="slidenum">
               <a:rPr lang="pt-PT" smtClean="0"/>
-              <a:t>‹nº›</a:t>
+              <a:t>‹#›</a:t>
             </a:fld>
             <a:endParaRPr lang="pt-PT"/>
           </a:p>
@@ -1328,7 +1328,7 @@
           <a:p>
             <a:fld id="{AA74C416-EC00-489D-B5CE-5AA9CB955FC3}" type="datetimeFigureOut">
               <a:rPr lang="pt-PT" smtClean="0"/>
-              <a:t>14/02/2017</a:t>
+              <a:t>15/02/2017</a:t>
             </a:fld>
             <a:endParaRPr lang="pt-PT"/>
           </a:p>
@@ -1370,7 +1370,7 @@
           <a:p>
             <a:fld id="{422D536B-584E-486B-9435-086987A3D916}" type="slidenum">
               <a:rPr lang="pt-PT" smtClean="0"/>
-              <a:t>‹nº›</a:t>
+              <a:t>‹#›</a:t>
             </a:fld>
             <a:endParaRPr lang="pt-PT"/>
           </a:p>
@@ -1603,7 +1603,7 @@
           <a:p>
             <a:fld id="{AA74C416-EC00-489D-B5CE-5AA9CB955FC3}" type="datetimeFigureOut">
               <a:rPr lang="pt-PT" smtClean="0"/>
-              <a:t>14/02/2017</a:t>
+              <a:t>15/02/2017</a:t>
             </a:fld>
             <a:endParaRPr lang="pt-PT"/>
           </a:p>
@@ -1645,7 +1645,7 @@
           <a:p>
             <a:fld id="{422D536B-584E-486B-9435-086987A3D916}" type="slidenum">
               <a:rPr lang="pt-PT" smtClean="0"/>
-              <a:t>‹nº›</a:t>
+              <a:t>‹#›</a:t>
             </a:fld>
             <a:endParaRPr lang="pt-PT"/>
           </a:p>
@@ -1982,7 +1982,7 @@
           <a:p>
             <a:fld id="{AA74C416-EC00-489D-B5CE-5AA9CB955FC3}" type="datetimeFigureOut">
               <a:rPr lang="pt-PT" smtClean="0"/>
-              <a:t>14/02/2017</a:t>
+              <a:t>15/02/2017</a:t>
             </a:fld>
             <a:endParaRPr lang="pt-PT"/>
           </a:p>
@@ -2024,7 +2024,7 @@
           <a:p>
             <a:fld id="{422D536B-584E-486B-9435-086987A3D916}" type="slidenum">
               <a:rPr lang="pt-PT" smtClean="0"/>
-              <a:t>‹nº›</a:t>
+              <a:t>‹#›</a:t>
             </a:fld>
             <a:endParaRPr lang="pt-PT"/>
           </a:p>
@@ -2100,7 +2100,7 @@
           <a:p>
             <a:fld id="{AA74C416-EC00-489D-B5CE-5AA9CB955FC3}" type="datetimeFigureOut">
               <a:rPr lang="pt-PT" smtClean="0"/>
-              <a:t>14/02/2017</a:t>
+              <a:t>15/02/2017</a:t>
             </a:fld>
             <a:endParaRPr lang="pt-PT"/>
           </a:p>
@@ -2142,7 +2142,7 @@
           <a:p>
             <a:fld id="{422D536B-584E-486B-9435-086987A3D916}" type="slidenum">
               <a:rPr lang="pt-PT" smtClean="0"/>
-              <a:t>‹nº›</a:t>
+              <a:t>‹#›</a:t>
             </a:fld>
             <a:endParaRPr lang="pt-PT"/>
           </a:p>
@@ -2271,7 +2271,7 @@
           <a:p>
             <a:fld id="{AA74C416-EC00-489D-B5CE-5AA9CB955FC3}" type="datetimeFigureOut">
               <a:rPr lang="pt-PT" smtClean="0"/>
-              <a:t>14/02/2017</a:t>
+              <a:t>15/02/2017</a:t>
             </a:fld>
             <a:endParaRPr lang="pt-PT"/>
           </a:p>
@@ -2321,7 +2321,7 @@
           <a:p>
             <a:fld id="{422D536B-584E-486B-9435-086987A3D916}" type="slidenum">
               <a:rPr lang="pt-PT" smtClean="0"/>
-              <a:t>‹nº›</a:t>
+              <a:t>‹#›</a:t>
             </a:fld>
             <a:endParaRPr lang="pt-PT"/>
           </a:p>
@@ -2625,7 +2625,7 @@
           <a:p>
             <a:fld id="{AA74C416-EC00-489D-B5CE-5AA9CB955FC3}" type="datetimeFigureOut">
               <a:rPr lang="pt-PT" smtClean="0"/>
-              <a:t>14/02/2017</a:t>
+              <a:t>15/02/2017</a:t>
             </a:fld>
             <a:endParaRPr lang="pt-PT"/>
           </a:p>
@@ -2688,7 +2688,7 @@
           <a:p>
             <a:fld id="{422D536B-584E-486B-9435-086987A3D916}" type="slidenum">
               <a:rPr lang="pt-PT" smtClean="0"/>
-              <a:t>‹nº›</a:t>
+              <a:t>‹#›</a:t>
             </a:fld>
             <a:endParaRPr lang="pt-PT"/>
           </a:p>
@@ -3007,7 +3007,7 @@
           <a:p>
             <a:fld id="{AA74C416-EC00-489D-B5CE-5AA9CB955FC3}" type="datetimeFigureOut">
               <a:rPr lang="pt-PT" smtClean="0"/>
-              <a:t>14/02/2017</a:t>
+              <a:t>15/02/2017</a:t>
             </a:fld>
             <a:endParaRPr lang="pt-PT"/>
           </a:p>
@@ -3049,7 +3049,7 @@
           <a:p>
             <a:fld id="{422D536B-584E-486B-9435-086987A3D916}" type="slidenum">
               <a:rPr lang="pt-PT" smtClean="0"/>
-              <a:t>‹nº›</a:t>
+              <a:t>‹#›</a:t>
             </a:fld>
             <a:endParaRPr lang="pt-PT"/>
           </a:p>
@@ -3294,7 +3294,7 @@
           <a:p>
             <a:fld id="{AA74C416-EC00-489D-B5CE-5AA9CB955FC3}" type="datetimeFigureOut">
               <a:rPr lang="pt-PT" smtClean="0"/>
-              <a:t>14/02/2017</a:t>
+              <a:t>15/02/2017</a:t>
             </a:fld>
             <a:endParaRPr lang="pt-PT"/>
           </a:p>
@@ -3368,7 +3368,7 @@
           <a:p>
             <a:fld id="{422D536B-584E-486B-9435-086987A3D916}" type="slidenum">
               <a:rPr lang="pt-PT" smtClean="0"/>
-              <a:t>‹nº›</a:t>
+              <a:t>‹#›</a:t>
             </a:fld>
             <a:endParaRPr lang="pt-PT"/>
           </a:p>
@@ -3962,11 +3962,7 @@
             </a:r>
             <a:r>
               <a:rPr lang="pt-PT" sz="5400" dirty="0" smtClean="0"/>
-              <a:t> File </a:t>
-            </a:r>
-            <a:r>
-              <a:rPr lang="pt-PT" sz="5400" dirty="0" smtClean="0"/>
-              <a:t>Transfer</a:t>
+              <a:t> File Transfer</a:t>
             </a:r>
             <a:endParaRPr lang="pt-PT" sz="5400" dirty="0"/>
           </a:p>
@@ -4056,11 +4052,7 @@
           <a:p>
             <a:r>
               <a:rPr lang="pt-PT" sz="2400" dirty="0" smtClean="0"/>
-              <a:t>WebRTC – </a:t>
-            </a:r>
-            <a:r>
-              <a:rPr lang="pt-PT" sz="2400" dirty="0" smtClean="0"/>
-              <a:t>File </a:t>
+              <a:t>WebRTC – File </a:t>
             </a:r>
             <a:r>
               <a:rPr lang="pt-PT" sz="2400" dirty="0" err="1" smtClean="0"/>
@@ -4343,11 +4335,7 @@
             </a:pPr>
             <a:r>
               <a:rPr lang="pt-PT" sz="2400" dirty="0" smtClean="0"/>
-              <a:t>Telefone</a:t>
-            </a:r>
-            <a:r>
-              <a:rPr lang="pt-PT" sz="2400" dirty="0" smtClean="0"/>
-              <a:t>, TV e computadores a comunicar numa plataforma comum</a:t>
+              <a:t>Telefone, TV e computadores a comunicar numa plataforma comum</a:t>
             </a:r>
           </a:p>
           <a:p>
@@ -4364,19 +4352,7 @@
             </a:pPr>
             <a:r>
               <a:rPr lang="pt-PT" sz="2400" dirty="0" smtClean="0"/>
-              <a:t>Adicionar </a:t>
-            </a:r>
-            <a:r>
-              <a:rPr lang="pt-PT" sz="2400" dirty="0" smtClean="0"/>
-              <a:t>chat de vídeo e partilhar dados de forma </a:t>
-            </a:r>
-            <a:r>
-              <a:rPr lang="pt-PT" sz="2400" dirty="0" smtClean="0"/>
-              <a:t>fácil e rápida </a:t>
-            </a:r>
-            <a:r>
-              <a:rPr lang="pt-PT" sz="2400" dirty="0" smtClean="0"/>
-              <a:t>numa aplicação web</a:t>
+              <a:t>Adicionar chat de vídeo e partilhar dados de forma fácil e rápida numa aplicação web</a:t>
             </a:r>
           </a:p>
           <a:p>
@@ -4426,11 +4402,11 @@
             </a:pPr>
             <a:r>
               <a:rPr lang="pt-PT" sz="2400" dirty="0" smtClean="0"/>
-              <a:t>Está disponível </a:t>
+              <a:t>Está disponível nos browsers </a:t>
             </a:r>
             <a:r>
               <a:rPr lang="pt-PT" sz="2400" dirty="0" smtClean="0"/>
-              <a:t>nos browsers modernos</a:t>
+              <a:t>modernos (exceto Safari)</a:t>
             </a:r>
             <a:endParaRPr lang="pt-PT" sz="2400" dirty="0"/>
           </a:p>
@@ -4550,7 +4526,6 @@
               <a:rPr lang="pt-PT" sz="2400" dirty="0" smtClean="0"/>
               <a:t> Messenger</a:t>
             </a:r>
-            <a:endParaRPr lang="pt-PT" sz="2400" dirty="0" smtClean="0"/>
           </a:p>
           <a:p>
             <a:pPr marL="342900" indent="-342900">
@@ -4663,11 +4638,7 @@
           <a:p>
             <a:r>
               <a:rPr lang="pt-PT" sz="2400" dirty="0" smtClean="0"/>
-              <a:t>Três tarefas principais</a:t>
-            </a:r>
-            <a:r>
-              <a:rPr lang="pt-PT" sz="2400" dirty="0" smtClean="0"/>
-              <a:t>:</a:t>
+              <a:t>Três tarefas principais:</a:t>
             </a:r>
           </a:p>
           <a:p>
@@ -4730,11 +4701,7 @@
           <a:p>
             <a:r>
               <a:rPr lang="pt-PT" sz="2400" dirty="0" smtClean="0"/>
-              <a:t>Três APIs javascript principais</a:t>
-            </a:r>
-            <a:r>
-              <a:rPr lang="pt-PT" sz="2400" dirty="0" smtClean="0"/>
-              <a:t>:</a:t>
+              <a:t>Três APIs javascript principais:</a:t>
             </a:r>
           </a:p>
           <a:p>
@@ -5114,11 +5081,7 @@
             </a:r>
             <a:r>
               <a:rPr lang="pt-PT" sz="2400" dirty="0" err="1" smtClean="0"/>
-              <a:t>RTCPeer</a:t>
-            </a:r>
-            <a:r>
-              <a:rPr lang="pt-PT" sz="2400" dirty="0" err="1" smtClean="0"/>
-              <a:t>Connection</a:t>
+              <a:t>RTCPeerConnection</a:t>
             </a:r>
             <a:endParaRPr lang="pt-PT" sz="2400" dirty="0" smtClean="0"/>
           </a:p>
@@ -5350,7 +5313,6 @@
               <a:rPr lang="pt-PT" sz="3200" b="1" dirty="0" smtClean="0"/>
               <a:t>)</a:t>
             </a:r>
-            <a:endParaRPr lang="pt-PT" sz="3200" b="1" dirty="0" smtClean="0"/>
           </a:p>
           <a:p>
             <a:pPr marL="342900" indent="-342900">
@@ -5445,7 +5407,6 @@
               <a:rPr lang="pt-PT" sz="3200" b="1" dirty="0" smtClean="0"/>
               <a:t>)</a:t>
             </a:r>
-            <a:endParaRPr lang="pt-PT" sz="3200" b="1" dirty="0" smtClean="0"/>
           </a:p>
           <a:p>
             <a:pPr marL="342900" indent="-342900">

--- a/WebRTC File Transfer - Marco Rodrigues.pptx
+++ b/WebRTC File Transfer - Marco Rodrigues.pptx
@@ -8,13 +8,15 @@
     <p:sldId id="256" r:id="rId2"/>
     <p:sldId id="257" r:id="rId3"/>
     <p:sldId id="258" r:id="rId4"/>
-    <p:sldId id="267" r:id="rId5"/>
-    <p:sldId id="259" r:id="rId6"/>
-    <p:sldId id="260" r:id="rId7"/>
-    <p:sldId id="268" r:id="rId8"/>
-    <p:sldId id="261" r:id="rId9"/>
-    <p:sldId id="263" r:id="rId10"/>
+    <p:sldId id="269" r:id="rId5"/>
+    <p:sldId id="270" r:id="rId6"/>
+    <p:sldId id="267" r:id="rId7"/>
+    <p:sldId id="259" r:id="rId8"/>
+    <p:sldId id="260" r:id="rId9"/>
+    <p:sldId id="268" r:id="rId10"/>
     <p:sldId id="265" r:id="rId11"/>
+    <p:sldId id="261" r:id="rId12"/>
+    <p:sldId id="263" r:id="rId13"/>
   </p:sldIdLst>
   <p:sldSz cx="12192000" cy="6858000"/>
   <p:notesSz cx="6858000" cy="9144000"/>
@@ -347,7 +349,7 @@
           <a:p>
             <a:fld id="{AA74C416-EC00-489D-B5CE-5AA9CB955FC3}" type="datetimeFigureOut">
               <a:rPr lang="pt-PT" smtClean="0"/>
-              <a:t>15/02/2017</a:t>
+              <a:t>16/02/2017</a:t>
             </a:fld>
             <a:endParaRPr lang="pt-PT"/>
           </a:p>
@@ -389,7 +391,7 @@
           <a:p>
             <a:fld id="{422D536B-584E-486B-9435-086987A3D916}" type="slidenum">
               <a:rPr lang="pt-PT" smtClean="0"/>
-              <a:t>‹#›</a:t>
+              <a:t>‹nº›</a:t>
             </a:fld>
             <a:endParaRPr lang="pt-PT"/>
           </a:p>
@@ -555,7 +557,7 @@
           <a:p>
             <a:fld id="{AA74C416-EC00-489D-B5CE-5AA9CB955FC3}" type="datetimeFigureOut">
               <a:rPr lang="pt-PT" smtClean="0"/>
-              <a:t>15/02/2017</a:t>
+              <a:t>16/02/2017</a:t>
             </a:fld>
             <a:endParaRPr lang="pt-PT"/>
           </a:p>
@@ -597,7 +599,7 @@
           <a:p>
             <a:fld id="{422D536B-584E-486B-9435-086987A3D916}" type="slidenum">
               <a:rPr lang="pt-PT" smtClean="0"/>
-              <a:t>‹#›</a:t>
+              <a:t>‹nº›</a:t>
             </a:fld>
             <a:endParaRPr lang="pt-PT"/>
           </a:p>
@@ -811,7 +813,7 @@
           <a:p>
             <a:fld id="{AA74C416-EC00-489D-B5CE-5AA9CB955FC3}" type="datetimeFigureOut">
               <a:rPr lang="pt-PT" smtClean="0"/>
-              <a:t>15/02/2017</a:t>
+              <a:t>16/02/2017</a:t>
             </a:fld>
             <a:endParaRPr lang="pt-PT"/>
           </a:p>
@@ -853,7 +855,7 @@
           <a:p>
             <a:fld id="{422D536B-584E-486B-9435-086987A3D916}" type="slidenum">
               <a:rPr lang="pt-PT" smtClean="0"/>
-              <a:t>‹#›</a:t>
+              <a:t>‹nº›</a:t>
             </a:fld>
             <a:endParaRPr lang="pt-PT"/>
           </a:p>
@@ -985,7 +987,7 @@
           <a:p>
             <a:fld id="{AA74C416-EC00-489D-B5CE-5AA9CB955FC3}" type="datetimeFigureOut">
               <a:rPr lang="pt-PT" smtClean="0"/>
-              <a:t>15/02/2017</a:t>
+              <a:t>16/02/2017</a:t>
             </a:fld>
             <a:endParaRPr lang="pt-PT"/>
           </a:p>
@@ -1027,7 +1029,7 @@
           <a:p>
             <a:fld id="{422D536B-584E-486B-9435-086987A3D916}" type="slidenum">
               <a:rPr lang="pt-PT" smtClean="0"/>
-              <a:t>‹#›</a:t>
+              <a:t>‹nº›</a:t>
             </a:fld>
             <a:endParaRPr lang="pt-PT"/>
           </a:p>
@@ -1328,7 +1330,7 @@
           <a:p>
             <a:fld id="{AA74C416-EC00-489D-B5CE-5AA9CB955FC3}" type="datetimeFigureOut">
               <a:rPr lang="pt-PT" smtClean="0"/>
-              <a:t>15/02/2017</a:t>
+              <a:t>16/02/2017</a:t>
             </a:fld>
             <a:endParaRPr lang="pt-PT"/>
           </a:p>
@@ -1370,7 +1372,7 @@
           <a:p>
             <a:fld id="{422D536B-584E-486B-9435-086987A3D916}" type="slidenum">
               <a:rPr lang="pt-PT" smtClean="0"/>
-              <a:t>‹#›</a:t>
+              <a:t>‹nº›</a:t>
             </a:fld>
             <a:endParaRPr lang="pt-PT"/>
           </a:p>
@@ -1603,7 +1605,7 @@
           <a:p>
             <a:fld id="{AA74C416-EC00-489D-B5CE-5AA9CB955FC3}" type="datetimeFigureOut">
               <a:rPr lang="pt-PT" smtClean="0"/>
-              <a:t>15/02/2017</a:t>
+              <a:t>16/02/2017</a:t>
             </a:fld>
             <a:endParaRPr lang="pt-PT"/>
           </a:p>
@@ -1645,7 +1647,7 @@
           <a:p>
             <a:fld id="{422D536B-584E-486B-9435-086987A3D916}" type="slidenum">
               <a:rPr lang="pt-PT" smtClean="0"/>
-              <a:t>‹#›</a:t>
+              <a:t>‹nº›</a:t>
             </a:fld>
             <a:endParaRPr lang="pt-PT"/>
           </a:p>
@@ -1982,7 +1984,7 @@
           <a:p>
             <a:fld id="{AA74C416-EC00-489D-B5CE-5AA9CB955FC3}" type="datetimeFigureOut">
               <a:rPr lang="pt-PT" smtClean="0"/>
-              <a:t>15/02/2017</a:t>
+              <a:t>16/02/2017</a:t>
             </a:fld>
             <a:endParaRPr lang="pt-PT"/>
           </a:p>
@@ -2024,7 +2026,7 @@
           <a:p>
             <a:fld id="{422D536B-584E-486B-9435-086987A3D916}" type="slidenum">
               <a:rPr lang="pt-PT" smtClean="0"/>
-              <a:t>‹#›</a:t>
+              <a:t>‹nº›</a:t>
             </a:fld>
             <a:endParaRPr lang="pt-PT"/>
           </a:p>
@@ -2100,7 +2102,7 @@
           <a:p>
             <a:fld id="{AA74C416-EC00-489D-B5CE-5AA9CB955FC3}" type="datetimeFigureOut">
               <a:rPr lang="pt-PT" smtClean="0"/>
-              <a:t>15/02/2017</a:t>
+              <a:t>16/02/2017</a:t>
             </a:fld>
             <a:endParaRPr lang="pt-PT"/>
           </a:p>
@@ -2142,7 +2144,7 @@
           <a:p>
             <a:fld id="{422D536B-584E-486B-9435-086987A3D916}" type="slidenum">
               <a:rPr lang="pt-PT" smtClean="0"/>
-              <a:t>‹#›</a:t>
+              <a:t>‹nº›</a:t>
             </a:fld>
             <a:endParaRPr lang="pt-PT"/>
           </a:p>
@@ -2271,7 +2273,7 @@
           <a:p>
             <a:fld id="{AA74C416-EC00-489D-B5CE-5AA9CB955FC3}" type="datetimeFigureOut">
               <a:rPr lang="pt-PT" smtClean="0"/>
-              <a:t>15/02/2017</a:t>
+              <a:t>16/02/2017</a:t>
             </a:fld>
             <a:endParaRPr lang="pt-PT"/>
           </a:p>
@@ -2321,7 +2323,7 @@
           <a:p>
             <a:fld id="{422D536B-584E-486B-9435-086987A3D916}" type="slidenum">
               <a:rPr lang="pt-PT" smtClean="0"/>
-              <a:t>‹#›</a:t>
+              <a:t>‹nº›</a:t>
             </a:fld>
             <a:endParaRPr lang="pt-PT"/>
           </a:p>
@@ -2625,7 +2627,7 @@
           <a:p>
             <a:fld id="{AA74C416-EC00-489D-B5CE-5AA9CB955FC3}" type="datetimeFigureOut">
               <a:rPr lang="pt-PT" smtClean="0"/>
-              <a:t>15/02/2017</a:t>
+              <a:t>16/02/2017</a:t>
             </a:fld>
             <a:endParaRPr lang="pt-PT"/>
           </a:p>
@@ -2688,7 +2690,7 @@
           <a:p>
             <a:fld id="{422D536B-584E-486B-9435-086987A3D916}" type="slidenum">
               <a:rPr lang="pt-PT" smtClean="0"/>
-              <a:t>‹#›</a:t>
+              <a:t>‹nº›</a:t>
             </a:fld>
             <a:endParaRPr lang="pt-PT"/>
           </a:p>
@@ -3007,7 +3009,7 @@
           <a:p>
             <a:fld id="{AA74C416-EC00-489D-B5CE-5AA9CB955FC3}" type="datetimeFigureOut">
               <a:rPr lang="pt-PT" smtClean="0"/>
-              <a:t>15/02/2017</a:t>
+              <a:t>16/02/2017</a:t>
             </a:fld>
             <a:endParaRPr lang="pt-PT"/>
           </a:p>
@@ -3049,7 +3051,7 @@
           <a:p>
             <a:fld id="{422D536B-584E-486B-9435-086987A3D916}" type="slidenum">
               <a:rPr lang="pt-PT" smtClean="0"/>
-              <a:t>‹#›</a:t>
+              <a:t>‹nº›</a:t>
             </a:fld>
             <a:endParaRPr lang="pt-PT"/>
           </a:p>
@@ -3294,7 +3296,7 @@
           <a:p>
             <a:fld id="{AA74C416-EC00-489D-B5CE-5AA9CB955FC3}" type="datetimeFigureOut">
               <a:rPr lang="pt-PT" smtClean="0"/>
-              <a:t>15/02/2017</a:t>
+              <a:t>16/02/2017</a:t>
             </a:fld>
             <a:endParaRPr lang="pt-PT"/>
           </a:p>
@@ -3368,7 +3370,7 @@
           <a:p>
             <a:fld id="{422D536B-584E-486B-9435-086987A3D916}" type="slidenum">
               <a:rPr lang="pt-PT" smtClean="0"/>
-              <a:t>‹#›</a:t>
+              <a:t>‹nº›</a:t>
             </a:fld>
             <a:endParaRPr lang="pt-PT"/>
           </a:p>
@@ -3858,8 +3860,8 @@
         </p:nvSpPr>
         <p:spPr>
           <a:xfrm>
-            <a:off x="1100051" y="4455620"/>
-            <a:ext cx="10058400" cy="1788426"/>
+            <a:off x="1097280" y="4141855"/>
+            <a:ext cx="10058400" cy="2124474"/>
           </a:xfrm>
         </p:spPr>
         <p:txBody>
@@ -3889,8 +3891,22 @@
             </a:r>
             <a:r>
               <a:rPr lang="pt-PT" dirty="0"/>
-              <a:t>rodrigues nº4652</a:t>
-            </a:r>
+              <a:t>rodrigues </a:t>
+            </a:r>
+            <a:r>
+              <a:rPr lang="pt-PT" dirty="0" smtClean="0"/>
+              <a:t>nº4652</a:t>
+            </a:r>
+          </a:p>
+          <a:p>
+            <a:r>
+              <a:rPr lang="pt-PT" dirty="0" smtClean="0"/>
+              <a:t>marcorlsrodrigues@gmail.com</a:t>
+            </a:r>
+            <a:endParaRPr lang="pt-PT" dirty="0" smtClean="0"/>
+          </a:p>
+          <a:p>
+            <a:endParaRPr lang="pt-PT" dirty="0"/>
           </a:p>
           <a:p>
             <a:endParaRPr lang="pt-PT" dirty="0" smtClean="0"/>
@@ -4037,7 +4053,7 @@
         <p:spPr>
           <a:xfrm>
             <a:off x="406101" y="581553"/>
-            <a:ext cx="11364685" cy="1938992"/>
+            <a:ext cx="9607475" cy="4401205"/>
           </a:xfrm>
           <a:prstGeom prst="rect">
             <a:avLst/>
@@ -4051,14 +4067,17 @@
           <a:lstStyle/>
           <a:p>
             <a:r>
-              <a:rPr lang="pt-PT" sz="2400" dirty="0" smtClean="0"/>
-              <a:t>WebRTC – File </a:t>
-            </a:r>
-            <a:r>
-              <a:rPr lang="pt-PT" sz="2400" dirty="0" err="1" smtClean="0"/>
+              <a:rPr lang="pt-PT" sz="3200" b="1" dirty="0"/>
+              <a:t>File </a:t>
+            </a:r>
+            <a:r>
+              <a:rPr lang="pt-PT" sz="3200" b="1" dirty="0" err="1" smtClean="0"/>
               <a:t>Transfer</a:t>
             </a:r>
-            <a:endParaRPr lang="pt-PT" sz="2400" dirty="0" smtClean="0"/>
+            <a:endParaRPr lang="pt-PT" sz="3200" b="1" dirty="0" smtClean="0"/>
+          </a:p>
+          <a:p>
+            <a:endParaRPr lang="pt-PT" sz="3200" b="1" dirty="0"/>
           </a:p>
           <a:p>
             <a:pPr marL="342900" indent="-342900">
@@ -4067,7 +4086,11 @@
             </a:pPr>
             <a:r>
               <a:rPr lang="pt-PT" sz="2400" dirty="0" smtClean="0"/>
-              <a:t>Via canais de informação</a:t>
+              <a:t>Via canais de </a:t>
+            </a:r>
+            <a:r>
+              <a:rPr lang="pt-PT" sz="2400" dirty="0" smtClean="0"/>
+              <a:t>informação</a:t>
             </a:r>
           </a:p>
           <a:p>
@@ -4075,10 +4098,7 @@
               <a:buFontTx/>
               <a:buChar char="-"/>
             </a:pPr>
-            <a:r>
-              <a:rPr lang="pt-PT" sz="2400" dirty="0" smtClean="0"/>
-              <a:t>O ficheiro é dividido em pedaços que são enviados pelo canal</a:t>
-            </a:r>
+            <a:endParaRPr lang="pt-PT" sz="2400" dirty="0" smtClean="0"/>
           </a:p>
           <a:p>
             <a:pPr marL="342900" indent="-342900">
@@ -4087,7 +4107,11 @@
             </a:pPr>
             <a:r>
               <a:rPr lang="pt-PT" sz="2400" dirty="0" smtClean="0"/>
-              <a:t>Envio e progresso é monitorizado através de elementos de progresso de HTML5</a:t>
+              <a:t>O ficheiro é dividido em pedaços que são enviados pelo </a:t>
+            </a:r>
+            <a:r>
+              <a:rPr lang="pt-PT" sz="2400" dirty="0" smtClean="0"/>
+              <a:t>canal</a:t>
             </a:r>
           </a:p>
           <a:p>
@@ -4095,142 +4119,38 @@
               <a:buFontTx/>
               <a:buChar char="-"/>
             </a:pPr>
+            <a:endParaRPr lang="pt-PT" sz="2400" dirty="0" smtClean="0"/>
+          </a:p>
+          <a:p>
+            <a:pPr marL="342900" indent="-342900">
+              <a:buFontTx/>
+              <a:buChar char="-"/>
+            </a:pPr>
+            <a:r>
+              <a:rPr lang="pt-PT" sz="2400" dirty="0" smtClean="0"/>
+              <a:t>Envio e progresso é monitorizado através de elementos de progresso de </a:t>
+            </a:r>
+            <a:r>
+              <a:rPr lang="pt-PT" sz="2400" dirty="0" smtClean="0"/>
+              <a:t>HTML5</a:t>
+            </a:r>
+          </a:p>
+          <a:p>
+            <a:pPr marL="342900" indent="-342900">
+              <a:buFontTx/>
+              <a:buChar char="-"/>
+            </a:pPr>
+            <a:endParaRPr lang="pt-PT" sz="2400" dirty="0" smtClean="0"/>
+          </a:p>
+          <a:p>
+            <a:pPr marL="342900" indent="-342900">
+              <a:buFontTx/>
+              <a:buChar char="-"/>
+            </a:pPr>
             <a:r>
               <a:rPr lang="pt-PT" sz="2400" dirty="0" smtClean="0"/>
               <a:t>No destino o ficheiro é montado através da Blob API e fica disponível para download</a:t>
             </a:r>
-          </a:p>
-        </p:txBody>
-      </p:sp>
-    </p:spTree>
-    <p:extLst>
-      <p:ext uri="{BB962C8B-B14F-4D97-AF65-F5344CB8AC3E}">
-        <p14:creationId xmlns:p14="http://schemas.microsoft.com/office/powerpoint/2010/main" val="117996747"/>
-      </p:ext>
-    </p:extLst>
-  </p:cSld>
-  <p:clrMapOvr>
-    <a:masterClrMapping/>
-  </p:clrMapOvr>
-</p:sld>
-</file>
-
-<file path=ppt/slides/slide2.xml><?xml version="1.0" encoding="utf-8"?>
-<p:sld xmlns:a="http://schemas.openxmlformats.org/drawingml/2006/main" xmlns:r="http://schemas.openxmlformats.org/officeDocument/2006/relationships" xmlns:p="http://schemas.openxmlformats.org/presentationml/2006/main">
-  <p:cSld>
-    <p:spTree>
-      <p:nvGrpSpPr>
-        <p:cNvPr id="1" name=""/>
-        <p:cNvGrpSpPr/>
-        <p:nvPr/>
-      </p:nvGrpSpPr>
-      <p:grpSpPr>
-        <a:xfrm>
-          <a:off x="0" y="0"/>
-          <a:ext cx="0" cy="0"/>
-          <a:chOff x="0" y="0"/>
-          <a:chExt cx="0" cy="0"/>
-        </a:xfrm>
-      </p:grpSpPr>
-      <p:sp>
-        <p:nvSpPr>
-          <p:cNvPr id="7" name="TextBox 6"/>
-          <p:cNvSpPr txBox="1"/>
-          <p:nvPr/>
-        </p:nvSpPr>
-        <p:spPr>
-          <a:xfrm>
-            <a:off x="365760" y="1105988"/>
-            <a:ext cx="11364685" cy="3785652"/>
-          </a:xfrm>
-          <a:prstGeom prst="rect">
-            <a:avLst/>
-          </a:prstGeom>
-          <a:noFill/>
-        </p:spPr>
-        <p:txBody>
-          <a:bodyPr wrap="square" rtlCol="0">
-            <a:spAutoFit/>
-          </a:bodyPr>
-          <a:lstStyle/>
-          <a:p>
-            <a:pPr marL="285750" indent="-285750">
-              <a:buFont typeface="Arial" panose="020B0604020202020204" pitchFamily="34" charset="0"/>
-              <a:buChar char="•"/>
-            </a:pPr>
-            <a:r>
-              <a:rPr lang="pt-PT" sz="2400" dirty="0" smtClean="0"/>
-              <a:t>Web Real-Time Communication</a:t>
-            </a:r>
-          </a:p>
-          <a:p>
-            <a:pPr marL="285750" indent="-285750">
-              <a:buFont typeface="Arial" panose="020B0604020202020204" pitchFamily="34" charset="0"/>
-              <a:buChar char="•"/>
-            </a:pPr>
-            <a:endParaRPr lang="pt-PT" sz="2400" dirty="0" smtClean="0"/>
-          </a:p>
-          <a:p>
-            <a:pPr marL="285750" indent="-285750">
-              <a:buFont typeface="Arial" panose="020B0604020202020204" pitchFamily="34" charset="0"/>
-              <a:buChar char="•"/>
-            </a:pPr>
-            <a:r>
-              <a:rPr lang="pt-PT" sz="2400" dirty="0" smtClean="0"/>
-              <a:t>Conjunto de protocolos de comunicação e APIs</a:t>
-            </a:r>
-          </a:p>
-          <a:p>
-            <a:pPr marL="285750" indent="-285750">
-              <a:buFont typeface="Arial" panose="020B0604020202020204" pitchFamily="34" charset="0"/>
-              <a:buChar char="•"/>
-            </a:pPr>
-            <a:endParaRPr lang="pt-PT" sz="2400" dirty="0" smtClean="0"/>
-          </a:p>
-          <a:p>
-            <a:pPr marL="285750" indent="-285750">
-              <a:buFont typeface="Arial" panose="020B0604020202020204" pitchFamily="34" charset="0"/>
-              <a:buChar char="•"/>
-            </a:pPr>
-            <a:r>
-              <a:rPr lang="pt-PT" sz="2400" dirty="0" smtClean="0"/>
-              <a:t>Permitem comunicação em tempo real sobre conexões peer-to-peer</a:t>
-            </a:r>
-          </a:p>
-          <a:p>
-            <a:pPr marL="285750" indent="-285750">
-              <a:buFont typeface="Arial" panose="020B0604020202020204" pitchFamily="34" charset="0"/>
-              <a:buChar char="•"/>
-            </a:pPr>
-            <a:endParaRPr lang="pt-PT" sz="2400" dirty="0" smtClean="0"/>
-          </a:p>
-          <a:p>
-            <a:pPr marL="285750" indent="-285750">
-              <a:buFont typeface="Arial" panose="020B0604020202020204" pitchFamily="34" charset="0"/>
-              <a:buChar char="•"/>
-            </a:pPr>
-            <a:r>
-              <a:rPr lang="pt-PT" sz="2400" dirty="0" smtClean="0"/>
-              <a:t>Permitem que browsers não necessitem de efetuar pedidos de recursos a servidores</a:t>
-            </a:r>
-          </a:p>
-          <a:p>
-            <a:pPr marL="285750" indent="-285750">
-              <a:buFont typeface="Arial" panose="020B0604020202020204" pitchFamily="34" charset="0"/>
-              <a:buChar char="•"/>
-            </a:pPr>
-            <a:endParaRPr lang="pt-PT" sz="2400" dirty="0" smtClean="0"/>
-          </a:p>
-          <a:p>
-            <a:pPr marL="285750" indent="-285750">
-              <a:buFont typeface="Arial" panose="020B0604020202020204" pitchFamily="34" charset="0"/>
-              <a:buChar char="•"/>
-            </a:pPr>
-            <a:r>
-              <a:rPr lang="pt-PT" sz="2400" dirty="0" smtClean="0"/>
-              <a:t>Permitem obter informação em tempo real diretamente de browsers de outros utilizadores</a:t>
-            </a:r>
-            <a:endParaRPr lang="pt-PT" sz="2400" dirty="0"/>
           </a:p>
         </p:txBody>
       </p:sp>
@@ -4267,7 +4187,7 @@
     </p:spTree>
     <p:extLst>
       <p:ext uri="{BB962C8B-B14F-4D97-AF65-F5344CB8AC3E}">
-        <p14:creationId xmlns:p14="http://schemas.microsoft.com/office/powerpoint/2010/main" val="2466235287"/>
+        <p14:creationId xmlns:p14="http://schemas.microsoft.com/office/powerpoint/2010/main" val="117996747"/>
       </p:ext>
     </p:extLst>
   </p:cSld>
@@ -4277,932 +4197,7 @@
 </p:sld>
 </file>
 
-<file path=ppt/slides/slide3.xml><?xml version="1.0" encoding="utf-8"?>
-<p:sld xmlns:a="http://schemas.openxmlformats.org/drawingml/2006/main" xmlns:r="http://schemas.openxmlformats.org/officeDocument/2006/relationships" xmlns:p="http://schemas.openxmlformats.org/presentationml/2006/main">
-  <p:cSld>
-    <p:spTree>
-      <p:nvGrpSpPr>
-        <p:cNvPr id="1" name=""/>
-        <p:cNvGrpSpPr/>
-        <p:nvPr/>
-      </p:nvGrpSpPr>
-      <p:grpSpPr>
-        <a:xfrm>
-          <a:off x="0" y="0"/>
-          <a:ext cx="0" cy="0"/>
-          <a:chOff x="0" y="0"/>
-          <a:chExt cx="0" cy="0"/>
-        </a:xfrm>
-      </p:grpSpPr>
-      <p:sp>
-        <p:nvSpPr>
-          <p:cNvPr id="7" name="TextBox 6"/>
-          <p:cNvSpPr txBox="1"/>
-          <p:nvPr/>
-        </p:nvSpPr>
-        <p:spPr>
-          <a:xfrm>
-            <a:off x="437479" y="541212"/>
-            <a:ext cx="9854004" cy="5201424"/>
-          </a:xfrm>
-          <a:prstGeom prst="rect">
-            <a:avLst/>
-          </a:prstGeom>
-          <a:noFill/>
-        </p:spPr>
-        <p:txBody>
-          <a:bodyPr wrap="square" rtlCol="0">
-            <a:spAutoFit/>
-          </a:bodyPr>
-          <a:lstStyle/>
-          <a:p>
-            <a:r>
-              <a:rPr lang="pt-PT" sz="3200" b="1" dirty="0" smtClean="0"/>
-              <a:t>Visão:</a:t>
-            </a:r>
-          </a:p>
-          <a:p>
-            <a:pPr marL="342900" indent="-342900">
-              <a:buFont typeface="Arial" panose="020B0604020202020204" pitchFamily="34" charset="0"/>
-              <a:buChar char="•"/>
-            </a:pPr>
-            <a:endParaRPr lang="pt-PT" sz="2400" dirty="0" smtClean="0"/>
-          </a:p>
-          <a:p>
-            <a:pPr marL="342900" indent="-342900">
-              <a:buFont typeface="Arial" panose="020B0604020202020204" pitchFamily="34" charset="0"/>
-              <a:buChar char="•"/>
-            </a:pPr>
-            <a:r>
-              <a:rPr lang="pt-PT" sz="2400" dirty="0" smtClean="0"/>
-              <a:t>Telefone, TV e computadores a comunicar numa plataforma comum</a:t>
-            </a:r>
-          </a:p>
-          <a:p>
-            <a:pPr marL="342900" indent="-342900">
-              <a:buFont typeface="Arial" panose="020B0604020202020204" pitchFamily="34" charset="0"/>
-              <a:buChar char="•"/>
-            </a:pPr>
-            <a:endParaRPr lang="pt-PT" sz="2400" dirty="0" smtClean="0"/>
-          </a:p>
-          <a:p>
-            <a:pPr marL="342900" indent="-342900">
-              <a:buFont typeface="Arial" panose="020B0604020202020204" pitchFamily="34" charset="0"/>
-              <a:buChar char="•"/>
-            </a:pPr>
-            <a:r>
-              <a:rPr lang="pt-PT" sz="2400" dirty="0" smtClean="0"/>
-              <a:t>Adicionar chat de vídeo e partilhar dados de forma fácil e rápida numa aplicação web</a:t>
-            </a:r>
-          </a:p>
-          <a:p>
-            <a:pPr marL="342900" indent="-342900">
-              <a:buFont typeface="Arial" panose="020B0604020202020204" pitchFamily="34" charset="0"/>
-              <a:buChar char="•"/>
-            </a:pPr>
-            <a:endParaRPr lang="pt-PT" sz="2400" dirty="0"/>
-          </a:p>
-          <a:p>
-            <a:pPr marL="342900" indent="-342900">
-              <a:buFont typeface="Arial" panose="020B0604020202020204" pitchFamily="34" charset="0"/>
-              <a:buChar char="•"/>
-            </a:pPr>
-            <a:endParaRPr lang="pt-PT" sz="2400" dirty="0"/>
-          </a:p>
-          <a:p>
-            <a:r>
-              <a:rPr lang="pt-PT" sz="3200" b="1" dirty="0" smtClean="0"/>
-              <a:t>Atualidade:</a:t>
-            </a:r>
-          </a:p>
-          <a:p>
-            <a:endParaRPr lang="pt-PT" sz="2400" dirty="0" smtClean="0"/>
-          </a:p>
-          <a:p>
-            <a:pPr marL="342900" indent="-342900">
-              <a:buFont typeface="Arial" panose="020B0604020202020204" pitchFamily="34" charset="0"/>
-              <a:buChar char="•"/>
-            </a:pPr>
-            <a:r>
-              <a:rPr lang="pt-PT" sz="2400" dirty="0" smtClean="0"/>
-              <a:t>Está a ser standardizado pelo W3C e IEFT</a:t>
-            </a:r>
-          </a:p>
-          <a:p>
-            <a:pPr marL="342900" indent="-342900">
-              <a:buFont typeface="Arial" panose="020B0604020202020204" pitchFamily="34" charset="0"/>
-              <a:buChar char="•"/>
-            </a:pPr>
-            <a:endParaRPr lang="pt-PT" sz="2400" dirty="0" smtClean="0"/>
-          </a:p>
-          <a:p>
-            <a:pPr marL="342900" indent="-342900">
-              <a:buFont typeface="Arial" panose="020B0604020202020204" pitchFamily="34" charset="0"/>
-              <a:buChar char="•"/>
-            </a:pPr>
-            <a:r>
-              <a:rPr lang="pt-PT" sz="2400" dirty="0" smtClean="0"/>
-              <a:t>Está disponível nos browsers </a:t>
-            </a:r>
-            <a:r>
-              <a:rPr lang="pt-PT" sz="2400" dirty="0" smtClean="0"/>
-              <a:t>modernos (exceto Safari)</a:t>
-            </a:r>
-            <a:endParaRPr lang="pt-PT" sz="2400" dirty="0"/>
-          </a:p>
-        </p:txBody>
-      </p:sp>
-      <p:pic>
-        <p:nvPicPr>
-          <p:cNvPr id="3" name="Picture 4"/>
-          <p:cNvPicPr>
-            <a:picLocks noChangeAspect="1"/>
-          </p:cNvPicPr>
-          <p:nvPr/>
-        </p:nvPicPr>
-        <p:blipFill>
-          <a:blip r:embed="rId2">
-            <a:extLst>
-              <a:ext uri="{28A0092B-C50C-407E-A947-70E740481C1C}">
-                <a14:useLocalDpi xmlns:a14="http://schemas.microsoft.com/office/drawing/2010/main" val="0"/>
-              </a:ext>
-            </a:extLst>
-          </a:blip>
-          <a:stretch>
-            <a:fillRect/>
-          </a:stretch>
-        </p:blipFill>
-        <p:spPr>
-          <a:xfrm>
-            <a:off x="10156258" y="224964"/>
-            <a:ext cx="1661273" cy="1987013"/>
-          </a:xfrm>
-          <a:prstGeom prst="rect">
-            <a:avLst/>
-          </a:prstGeom>
-        </p:spPr>
-      </p:pic>
-    </p:spTree>
-    <p:extLst>
-      <p:ext uri="{BB962C8B-B14F-4D97-AF65-F5344CB8AC3E}">
-        <p14:creationId xmlns:p14="http://schemas.microsoft.com/office/powerpoint/2010/main" val="3787590712"/>
-      </p:ext>
-    </p:extLst>
-  </p:cSld>
-  <p:clrMapOvr>
-    <a:masterClrMapping/>
-  </p:clrMapOvr>
-</p:sld>
-</file>
-
-<file path=ppt/slides/slide4.xml><?xml version="1.0" encoding="utf-8"?>
-<p:sld xmlns:a="http://schemas.openxmlformats.org/drawingml/2006/main" xmlns:r="http://schemas.openxmlformats.org/officeDocument/2006/relationships" xmlns:p="http://schemas.openxmlformats.org/presentationml/2006/main">
-  <p:cSld>
-    <p:spTree>
-      <p:nvGrpSpPr>
-        <p:cNvPr id="1" name=""/>
-        <p:cNvGrpSpPr/>
-        <p:nvPr/>
-      </p:nvGrpSpPr>
-      <p:grpSpPr>
-        <a:xfrm>
-          <a:off x="0" y="0"/>
-          <a:ext cx="0" cy="0"/>
-          <a:chOff x="0" y="0"/>
-          <a:chExt cx="0" cy="0"/>
-        </a:xfrm>
-      </p:grpSpPr>
-      <p:sp>
-        <p:nvSpPr>
-          <p:cNvPr id="7" name="TextBox 6"/>
-          <p:cNvSpPr txBox="1"/>
-          <p:nvPr/>
-        </p:nvSpPr>
-        <p:spPr>
-          <a:xfrm>
-            <a:off x="406101" y="581553"/>
-            <a:ext cx="11364685" cy="2308324"/>
-          </a:xfrm>
-          <a:prstGeom prst="rect">
-            <a:avLst/>
-          </a:prstGeom>
-          <a:noFill/>
-        </p:spPr>
-        <p:txBody>
-          <a:bodyPr wrap="square" rtlCol="0">
-            <a:spAutoFit/>
-          </a:bodyPr>
-          <a:lstStyle/>
-          <a:p>
-            <a:r>
-              <a:rPr lang="pt-PT" sz="2400" dirty="0" smtClean="0"/>
-              <a:t>É usado em várias aplicações da atualidade:</a:t>
-            </a:r>
-          </a:p>
-          <a:p>
-            <a:endParaRPr lang="pt-PT" sz="2400" dirty="0" smtClean="0"/>
-          </a:p>
-          <a:p>
-            <a:pPr marL="342900" indent="-342900">
-              <a:buFont typeface="Arial" panose="020B0604020202020204" pitchFamily="34" charset="0"/>
-              <a:buChar char="•"/>
-            </a:pPr>
-            <a:r>
-              <a:rPr lang="pt-PT" sz="2400" dirty="0" err="1" smtClean="0"/>
-              <a:t>Whatsapp</a:t>
-            </a:r>
-            <a:endParaRPr lang="pt-PT" sz="2400" dirty="0" smtClean="0"/>
-          </a:p>
-          <a:p>
-            <a:pPr marL="342900" indent="-342900">
-              <a:buFont typeface="Arial" panose="020B0604020202020204" pitchFamily="34" charset="0"/>
-              <a:buChar char="•"/>
-            </a:pPr>
-            <a:r>
-              <a:rPr lang="pt-PT" sz="2400" dirty="0" err="1" smtClean="0"/>
-              <a:t>Facebook</a:t>
-            </a:r>
-            <a:r>
-              <a:rPr lang="pt-PT" sz="2400" dirty="0" smtClean="0"/>
-              <a:t> Messenger</a:t>
-            </a:r>
-          </a:p>
-          <a:p>
-            <a:pPr marL="342900" indent="-342900">
-              <a:buFont typeface="Arial" panose="020B0604020202020204" pitchFamily="34" charset="0"/>
-              <a:buChar char="•"/>
-            </a:pPr>
-            <a:r>
-              <a:rPr lang="pt-PT" sz="2400" dirty="0" err="1" smtClean="0"/>
-              <a:t>Appear</a:t>
-            </a:r>
-            <a:r>
-              <a:rPr lang="pt-PT" sz="2400" dirty="0" smtClean="0"/>
-              <a:t>-in</a:t>
-            </a:r>
-          </a:p>
-          <a:p>
-            <a:pPr marL="342900" indent="-342900">
-              <a:buFont typeface="Arial" panose="020B0604020202020204" pitchFamily="34" charset="0"/>
-              <a:buChar char="•"/>
-            </a:pPr>
-            <a:r>
-              <a:rPr lang="pt-PT" sz="2400" dirty="0" err="1" smtClean="0"/>
-              <a:t>TokBox</a:t>
-            </a:r>
-            <a:endParaRPr lang="pt-PT" sz="2400" dirty="0"/>
-          </a:p>
-        </p:txBody>
-      </p:sp>
-      <p:pic>
-        <p:nvPicPr>
-          <p:cNvPr id="4" name="Picture 4"/>
-          <p:cNvPicPr>
-            <a:picLocks noChangeAspect="1"/>
-          </p:cNvPicPr>
-          <p:nvPr/>
-        </p:nvPicPr>
-        <p:blipFill>
-          <a:blip r:embed="rId2">
-            <a:extLst>
-              <a:ext uri="{28A0092B-C50C-407E-A947-70E740481C1C}">
-                <a14:useLocalDpi xmlns:a14="http://schemas.microsoft.com/office/drawing/2010/main" val="0"/>
-              </a:ext>
-            </a:extLst>
-          </a:blip>
-          <a:stretch>
-            <a:fillRect/>
-          </a:stretch>
-        </p:blipFill>
-        <p:spPr>
-          <a:xfrm>
-            <a:off x="10156258" y="224964"/>
-            <a:ext cx="1661273" cy="1987013"/>
-          </a:xfrm>
-          <a:prstGeom prst="rect">
-            <a:avLst/>
-          </a:prstGeom>
-        </p:spPr>
-      </p:pic>
-    </p:spTree>
-    <p:extLst>
-      <p:ext uri="{BB962C8B-B14F-4D97-AF65-F5344CB8AC3E}">
-        <p14:creationId xmlns:p14="http://schemas.microsoft.com/office/powerpoint/2010/main" val="1112922108"/>
-      </p:ext>
-    </p:extLst>
-  </p:cSld>
-  <p:clrMapOvr>
-    <a:masterClrMapping/>
-  </p:clrMapOvr>
-</p:sld>
-</file>
-
-<file path=ppt/slides/slide5.xml><?xml version="1.0" encoding="utf-8"?>
-<p:sld xmlns:a="http://schemas.openxmlformats.org/drawingml/2006/main" xmlns:r="http://schemas.openxmlformats.org/officeDocument/2006/relationships" xmlns:p="http://schemas.openxmlformats.org/presentationml/2006/main">
-  <p:cSld>
-    <p:spTree>
-      <p:nvGrpSpPr>
-        <p:cNvPr id="1" name=""/>
-        <p:cNvGrpSpPr/>
-        <p:nvPr/>
-      </p:nvGrpSpPr>
-      <p:grpSpPr>
-        <a:xfrm>
-          <a:off x="0" y="0"/>
-          <a:ext cx="0" cy="0"/>
-          <a:chOff x="0" y="0"/>
-          <a:chExt cx="0" cy="0"/>
-        </a:xfrm>
-      </p:grpSpPr>
-      <p:sp>
-        <p:nvSpPr>
-          <p:cNvPr id="7" name="TextBox 6"/>
-          <p:cNvSpPr txBox="1"/>
-          <p:nvPr/>
-        </p:nvSpPr>
-        <p:spPr>
-          <a:xfrm>
-            <a:off x="406101" y="581553"/>
-            <a:ext cx="11364685" cy="1938992"/>
-          </a:xfrm>
-          <a:prstGeom prst="rect">
-            <a:avLst/>
-          </a:prstGeom>
-          <a:noFill/>
-        </p:spPr>
-        <p:txBody>
-          <a:bodyPr wrap="square" rtlCol="0">
-            <a:spAutoFit/>
-          </a:bodyPr>
-          <a:lstStyle/>
-          <a:p>
-            <a:r>
-              <a:rPr lang="pt-PT" sz="2400" dirty="0" smtClean="0"/>
-              <a:t>Três tarefas principais:</a:t>
-            </a:r>
-          </a:p>
-          <a:p>
-            <a:endParaRPr lang="pt-PT" sz="2400" dirty="0" smtClean="0"/>
-          </a:p>
-          <a:p>
-            <a:pPr marL="342900" indent="-342900">
-              <a:buFont typeface="Arial" panose="020B0604020202020204" pitchFamily="34" charset="0"/>
-              <a:buChar char="•"/>
-            </a:pPr>
-            <a:r>
-              <a:rPr lang="pt-PT" sz="2400" dirty="0" smtClean="0"/>
-              <a:t>Adquirir áudio e vídeo</a:t>
-            </a:r>
-          </a:p>
-          <a:p>
-            <a:pPr marL="342900" indent="-342900">
-              <a:buFont typeface="Arial" panose="020B0604020202020204" pitchFamily="34" charset="0"/>
-              <a:buChar char="•"/>
-            </a:pPr>
-            <a:r>
-              <a:rPr lang="pt-PT" sz="2400" dirty="0" smtClean="0"/>
-              <a:t>Comunicar áudio e vídeo</a:t>
-            </a:r>
-          </a:p>
-          <a:p>
-            <a:pPr marL="342900" indent="-342900">
-              <a:buFont typeface="Arial" panose="020B0604020202020204" pitchFamily="34" charset="0"/>
-              <a:buChar char="•"/>
-            </a:pPr>
-            <a:r>
-              <a:rPr lang="pt-PT" sz="2400" dirty="0" smtClean="0"/>
-              <a:t>Comunicar dados arbitrários</a:t>
-            </a:r>
-            <a:endParaRPr lang="pt-PT" sz="2400" dirty="0"/>
-          </a:p>
-        </p:txBody>
-      </p:sp>
-      <p:sp>
-        <p:nvSpPr>
-          <p:cNvPr id="3" name="TextBox 2"/>
-          <p:cNvSpPr txBox="1"/>
-          <p:nvPr/>
-        </p:nvSpPr>
-        <p:spPr>
-          <a:xfrm>
-            <a:off x="406101" y="3154424"/>
-            <a:ext cx="11364685" cy="1938992"/>
-          </a:xfrm>
-          <a:prstGeom prst="rect">
-            <a:avLst/>
-          </a:prstGeom>
-          <a:noFill/>
-        </p:spPr>
-        <p:txBody>
-          <a:bodyPr wrap="square" rtlCol="0">
-            <a:spAutoFit/>
-          </a:bodyPr>
-          <a:lstStyle/>
-          <a:p>
-            <a:r>
-              <a:rPr lang="pt-PT" sz="2400" dirty="0" smtClean="0"/>
-              <a:t>Três APIs javascript principais:</a:t>
-            </a:r>
-          </a:p>
-          <a:p>
-            <a:endParaRPr lang="pt-PT" sz="2400" dirty="0" smtClean="0"/>
-          </a:p>
-          <a:p>
-            <a:pPr marL="342900" indent="-342900">
-              <a:buFont typeface="Arial" panose="020B0604020202020204" pitchFamily="34" charset="0"/>
-              <a:buChar char="•"/>
-            </a:pPr>
-            <a:r>
-              <a:rPr lang="pt-PT" sz="2400" dirty="0" smtClean="0"/>
-              <a:t>MediaStream (ou getUserMedia)</a:t>
-            </a:r>
-          </a:p>
-          <a:p>
-            <a:pPr marL="342900" indent="-342900">
-              <a:buFont typeface="Arial" panose="020B0604020202020204" pitchFamily="34" charset="0"/>
-              <a:buChar char="•"/>
-            </a:pPr>
-            <a:r>
-              <a:rPr lang="pt-PT" sz="2400" dirty="0" smtClean="0"/>
-              <a:t>RTCPeerConnection</a:t>
-            </a:r>
-          </a:p>
-          <a:p>
-            <a:pPr marL="342900" indent="-342900">
-              <a:buFont typeface="Arial" panose="020B0604020202020204" pitchFamily="34" charset="0"/>
-              <a:buChar char="•"/>
-            </a:pPr>
-            <a:r>
-              <a:rPr lang="pt-PT" sz="2400" dirty="0" smtClean="0"/>
-              <a:t>RTCDataChannel</a:t>
-            </a:r>
-            <a:endParaRPr lang="pt-PT" sz="2400" dirty="0"/>
-          </a:p>
-        </p:txBody>
-      </p:sp>
-      <p:pic>
-        <p:nvPicPr>
-          <p:cNvPr id="4" name="Picture 4"/>
-          <p:cNvPicPr>
-            <a:picLocks noChangeAspect="1"/>
-          </p:cNvPicPr>
-          <p:nvPr/>
-        </p:nvPicPr>
-        <p:blipFill>
-          <a:blip r:embed="rId2">
-            <a:extLst>
-              <a:ext uri="{28A0092B-C50C-407E-A947-70E740481C1C}">
-                <a14:useLocalDpi xmlns:a14="http://schemas.microsoft.com/office/drawing/2010/main" val="0"/>
-              </a:ext>
-            </a:extLst>
-          </a:blip>
-          <a:stretch>
-            <a:fillRect/>
-          </a:stretch>
-        </p:blipFill>
-        <p:spPr>
-          <a:xfrm>
-            <a:off x="10156258" y="224964"/>
-            <a:ext cx="1661273" cy="1987013"/>
-          </a:xfrm>
-          <a:prstGeom prst="rect">
-            <a:avLst/>
-          </a:prstGeom>
-        </p:spPr>
-      </p:pic>
-    </p:spTree>
-    <p:extLst>
-      <p:ext uri="{BB962C8B-B14F-4D97-AF65-F5344CB8AC3E}">
-        <p14:creationId xmlns:p14="http://schemas.microsoft.com/office/powerpoint/2010/main" val="1667653310"/>
-      </p:ext>
-    </p:extLst>
-  </p:cSld>
-  <p:clrMapOvr>
-    <a:masterClrMapping/>
-  </p:clrMapOvr>
-</p:sld>
-</file>
-
-<file path=ppt/slides/slide6.xml><?xml version="1.0" encoding="utf-8"?>
-<p:sld xmlns:a="http://schemas.openxmlformats.org/drawingml/2006/main" xmlns:r="http://schemas.openxmlformats.org/officeDocument/2006/relationships" xmlns:p="http://schemas.openxmlformats.org/presentationml/2006/main">
-  <p:cSld>
-    <p:spTree>
-      <p:nvGrpSpPr>
-        <p:cNvPr id="1" name=""/>
-        <p:cNvGrpSpPr/>
-        <p:nvPr/>
-      </p:nvGrpSpPr>
-      <p:grpSpPr>
-        <a:xfrm>
-          <a:off x="0" y="0"/>
-          <a:ext cx="0" cy="0"/>
-          <a:chOff x="0" y="0"/>
-          <a:chExt cx="0" cy="0"/>
-        </a:xfrm>
-      </p:grpSpPr>
-      <p:sp>
-        <p:nvSpPr>
-          <p:cNvPr id="7" name="TextBox 6"/>
-          <p:cNvSpPr txBox="1"/>
-          <p:nvPr/>
-        </p:nvSpPr>
-        <p:spPr>
-          <a:xfrm>
-            <a:off x="406101" y="581553"/>
-            <a:ext cx="9750157" cy="3539430"/>
-          </a:xfrm>
-          <a:prstGeom prst="rect">
-            <a:avLst/>
-          </a:prstGeom>
-          <a:noFill/>
-        </p:spPr>
-        <p:txBody>
-          <a:bodyPr wrap="square" rtlCol="0">
-            <a:spAutoFit/>
-          </a:bodyPr>
-          <a:lstStyle/>
-          <a:p>
-            <a:r>
-              <a:rPr lang="pt-PT" sz="3200" b="1" dirty="0" smtClean="0"/>
-              <a:t>RTCPeerConnection</a:t>
-            </a:r>
-          </a:p>
-          <a:p>
-            <a:pPr marL="342900" indent="-342900">
-              <a:buFont typeface="Arial" panose="020B0604020202020204" pitchFamily="34" charset="0"/>
-              <a:buChar char="•"/>
-            </a:pPr>
-            <a:endParaRPr lang="pt-PT" sz="2400" dirty="0" smtClean="0"/>
-          </a:p>
-          <a:p>
-            <a:pPr marL="342900" indent="-342900">
-              <a:buFont typeface="Arial" panose="020B0604020202020204" pitchFamily="34" charset="0"/>
-              <a:buChar char="•"/>
-            </a:pPr>
-            <a:r>
-              <a:rPr lang="pt-PT" sz="2400" dirty="0" smtClean="0"/>
-              <a:t>Representa a conexão </a:t>
-            </a:r>
-            <a:r>
-              <a:rPr lang="pt-PT" sz="2400" dirty="0" err="1" smtClean="0"/>
-              <a:t>WebRTC</a:t>
-            </a:r>
-            <a:r>
-              <a:rPr lang="pt-PT" sz="2400" dirty="0" smtClean="0"/>
-              <a:t> entre o computador local e o </a:t>
-            </a:r>
-            <a:r>
-              <a:rPr lang="pt-PT" sz="2400" dirty="0" err="1" smtClean="0"/>
-              <a:t>peer</a:t>
-            </a:r>
-            <a:r>
-              <a:rPr lang="pt-PT" sz="2400" dirty="0" smtClean="0"/>
-              <a:t> remoto</a:t>
-            </a:r>
-          </a:p>
-          <a:p>
-            <a:pPr marL="342900" indent="-342900">
-              <a:buFont typeface="Arial" panose="020B0604020202020204" pitchFamily="34" charset="0"/>
-              <a:buChar char="•"/>
-            </a:pPr>
-            <a:endParaRPr lang="pt-PT" sz="2400" dirty="0" smtClean="0"/>
-          </a:p>
-          <a:p>
-            <a:pPr marL="342900" indent="-342900">
-              <a:buFont typeface="Arial" panose="020B0604020202020204" pitchFamily="34" charset="0"/>
-              <a:buChar char="•"/>
-            </a:pPr>
-            <a:r>
-              <a:rPr lang="pt-PT" sz="2400" dirty="0" smtClean="0"/>
-              <a:t>Fornece métodos para:</a:t>
-            </a:r>
-          </a:p>
-          <a:p>
-            <a:pPr marL="800100" lvl="1" indent="-342900">
-              <a:buFont typeface="Arial" panose="020B0604020202020204" pitchFamily="34" charset="0"/>
-              <a:buChar char="•"/>
-            </a:pPr>
-            <a:r>
-              <a:rPr lang="pt-PT" sz="2400" dirty="0" smtClean="0"/>
-              <a:t>Conectar ao </a:t>
-            </a:r>
-            <a:r>
-              <a:rPr lang="pt-PT" sz="2400" dirty="0" err="1" smtClean="0"/>
-              <a:t>peer</a:t>
-            </a:r>
-            <a:endParaRPr lang="pt-PT" sz="2400" dirty="0"/>
-          </a:p>
-          <a:p>
-            <a:pPr marL="800100" lvl="1" indent="-342900">
-              <a:buFont typeface="Arial" panose="020B0604020202020204" pitchFamily="34" charset="0"/>
-              <a:buChar char="•"/>
-            </a:pPr>
-            <a:r>
-              <a:rPr lang="pt-PT" sz="2400" dirty="0" smtClean="0"/>
-              <a:t>Manter conexão</a:t>
-            </a:r>
-          </a:p>
-          <a:p>
-            <a:pPr marL="800100" lvl="1" indent="-342900">
-              <a:buFont typeface="Arial" panose="020B0604020202020204" pitchFamily="34" charset="0"/>
-              <a:buChar char="•"/>
-            </a:pPr>
-            <a:r>
-              <a:rPr lang="pt-PT" sz="2400" dirty="0" smtClean="0"/>
-              <a:t>Monitorizar conexão</a:t>
-            </a:r>
-          </a:p>
-          <a:p>
-            <a:pPr marL="800100" lvl="1" indent="-342900">
-              <a:buFont typeface="Arial" panose="020B0604020202020204" pitchFamily="34" charset="0"/>
-              <a:buChar char="•"/>
-            </a:pPr>
-            <a:r>
-              <a:rPr lang="pt-PT" sz="2400" dirty="0" smtClean="0"/>
-              <a:t>Fechar conexão</a:t>
-            </a:r>
-            <a:endParaRPr lang="pt-PT" sz="2400" dirty="0"/>
-          </a:p>
-        </p:txBody>
-      </p:sp>
-      <p:pic>
-        <p:nvPicPr>
-          <p:cNvPr id="3" name="Picture 4"/>
-          <p:cNvPicPr>
-            <a:picLocks noChangeAspect="1"/>
-          </p:cNvPicPr>
-          <p:nvPr/>
-        </p:nvPicPr>
-        <p:blipFill>
-          <a:blip r:embed="rId2">
-            <a:extLst>
-              <a:ext uri="{28A0092B-C50C-407E-A947-70E740481C1C}">
-                <a14:useLocalDpi xmlns:a14="http://schemas.microsoft.com/office/drawing/2010/main" val="0"/>
-              </a:ext>
-            </a:extLst>
-          </a:blip>
-          <a:stretch>
-            <a:fillRect/>
-          </a:stretch>
-        </p:blipFill>
-        <p:spPr>
-          <a:xfrm>
-            <a:off x="10156258" y="224964"/>
-            <a:ext cx="1661273" cy="1987013"/>
-          </a:xfrm>
-          <a:prstGeom prst="rect">
-            <a:avLst/>
-          </a:prstGeom>
-        </p:spPr>
-      </p:pic>
-    </p:spTree>
-    <p:extLst>
-      <p:ext uri="{BB962C8B-B14F-4D97-AF65-F5344CB8AC3E}">
-        <p14:creationId xmlns:p14="http://schemas.microsoft.com/office/powerpoint/2010/main" val="3636171252"/>
-      </p:ext>
-    </p:extLst>
-  </p:cSld>
-  <p:clrMapOvr>
-    <a:masterClrMapping/>
-  </p:clrMapOvr>
-</p:sld>
-</file>
-
-<file path=ppt/slides/slide7.xml><?xml version="1.0" encoding="utf-8"?>
-<p:sld xmlns:a="http://schemas.openxmlformats.org/drawingml/2006/main" xmlns:r="http://schemas.openxmlformats.org/officeDocument/2006/relationships" xmlns:p="http://schemas.openxmlformats.org/presentationml/2006/main">
-  <p:cSld>
-    <p:spTree>
-      <p:nvGrpSpPr>
-        <p:cNvPr id="1" name=""/>
-        <p:cNvGrpSpPr/>
-        <p:nvPr/>
-      </p:nvGrpSpPr>
-      <p:grpSpPr>
-        <a:xfrm>
-          <a:off x="0" y="0"/>
-          <a:ext cx="0" cy="0"/>
-          <a:chOff x="0" y="0"/>
-          <a:chExt cx="0" cy="0"/>
-        </a:xfrm>
-      </p:grpSpPr>
-      <p:sp>
-        <p:nvSpPr>
-          <p:cNvPr id="7" name="TextBox 6"/>
-          <p:cNvSpPr txBox="1"/>
-          <p:nvPr/>
-        </p:nvSpPr>
-        <p:spPr>
-          <a:xfrm>
-            <a:off x="406101" y="581553"/>
-            <a:ext cx="9750157" cy="6124754"/>
-          </a:xfrm>
-          <a:prstGeom prst="rect">
-            <a:avLst/>
-          </a:prstGeom>
-          <a:noFill/>
-        </p:spPr>
-        <p:txBody>
-          <a:bodyPr wrap="square" rtlCol="0">
-            <a:spAutoFit/>
-          </a:bodyPr>
-          <a:lstStyle/>
-          <a:p>
-            <a:r>
-              <a:rPr lang="pt-PT" sz="3200" b="1" dirty="0" err="1" smtClean="0"/>
-              <a:t>RTCDataChannel</a:t>
-            </a:r>
-            <a:endParaRPr lang="pt-PT" sz="3200" b="1" dirty="0" smtClean="0"/>
-          </a:p>
-          <a:p>
-            <a:pPr marL="342900" indent="-342900">
-              <a:buFont typeface="Arial" panose="020B0604020202020204" pitchFamily="34" charset="0"/>
-              <a:buChar char="•"/>
-            </a:pPr>
-            <a:endParaRPr lang="pt-PT" sz="2400" dirty="0" smtClean="0"/>
-          </a:p>
-          <a:p>
-            <a:pPr marL="342900" indent="-342900">
-              <a:buFont typeface="Arial" panose="020B0604020202020204" pitchFamily="34" charset="0"/>
-              <a:buChar char="•"/>
-            </a:pPr>
-            <a:r>
-              <a:rPr lang="pt-PT" sz="2400" dirty="0" smtClean="0"/>
-              <a:t>Representa o canal de rede</a:t>
-            </a:r>
-          </a:p>
-          <a:p>
-            <a:pPr marL="342900" indent="-342900">
-              <a:buFont typeface="Arial" panose="020B0604020202020204" pitchFamily="34" charset="0"/>
-              <a:buChar char="•"/>
-            </a:pPr>
-            <a:endParaRPr lang="pt-PT" sz="2400" dirty="0" smtClean="0"/>
-          </a:p>
-          <a:p>
-            <a:pPr marL="342900" indent="-342900">
-              <a:buFont typeface="Arial" panose="020B0604020202020204" pitchFamily="34" charset="0"/>
-              <a:buChar char="•"/>
-            </a:pPr>
-            <a:r>
-              <a:rPr lang="pt-PT" sz="2400" dirty="0" smtClean="0"/>
-              <a:t>Pode ser utilizado para transferência de dados </a:t>
-            </a:r>
-            <a:r>
-              <a:rPr lang="pt-PT" sz="2400" dirty="0" err="1" smtClean="0"/>
-              <a:t>peer</a:t>
-            </a:r>
-            <a:r>
-              <a:rPr lang="pt-PT" sz="2400" dirty="0" smtClean="0"/>
-              <a:t>-to-</a:t>
-            </a:r>
-            <a:r>
-              <a:rPr lang="pt-PT" sz="2400" dirty="0" err="1" smtClean="0"/>
-              <a:t>peer</a:t>
-            </a:r>
-            <a:r>
-              <a:rPr lang="pt-PT" sz="2400" dirty="0" smtClean="0"/>
-              <a:t> de forma bidirecional</a:t>
-            </a:r>
-          </a:p>
-          <a:p>
-            <a:pPr marL="342900" indent="-342900">
-              <a:buFont typeface="Arial" panose="020B0604020202020204" pitchFamily="34" charset="0"/>
-              <a:buChar char="•"/>
-            </a:pPr>
-            <a:endParaRPr lang="pt-PT" sz="2400" dirty="0" smtClean="0"/>
-          </a:p>
-          <a:p>
-            <a:pPr marL="342900" indent="-342900">
-              <a:buFont typeface="Arial" panose="020B0604020202020204" pitchFamily="34" charset="0"/>
-              <a:buChar char="•"/>
-            </a:pPr>
-            <a:r>
-              <a:rPr lang="pt-PT" sz="2400" dirty="0" smtClean="0"/>
-              <a:t>Cada canal está associado a uma </a:t>
-            </a:r>
-            <a:r>
-              <a:rPr lang="pt-PT" sz="2400" dirty="0" err="1" smtClean="0"/>
-              <a:t>RTCPeerConnection</a:t>
-            </a:r>
-            <a:endParaRPr lang="pt-PT" sz="2400" dirty="0" smtClean="0"/>
-          </a:p>
-          <a:p>
-            <a:pPr marL="342900" indent="-342900">
-              <a:buFont typeface="Arial" panose="020B0604020202020204" pitchFamily="34" charset="0"/>
-              <a:buChar char="•"/>
-            </a:pPr>
-            <a:endParaRPr lang="pt-PT" sz="2400" dirty="0"/>
-          </a:p>
-          <a:p>
-            <a:pPr marL="342900" indent="-342900">
-              <a:buFont typeface="Arial" panose="020B0604020202020204" pitchFamily="34" charset="0"/>
-              <a:buChar char="•"/>
-            </a:pPr>
-            <a:r>
-              <a:rPr lang="pt-PT" sz="2400" dirty="0" smtClean="0"/>
-              <a:t>Casos de Uso:</a:t>
-            </a:r>
-          </a:p>
-          <a:p>
-            <a:pPr marL="800100" lvl="1" indent="-342900">
-              <a:buFont typeface="Arial" panose="020B0604020202020204" pitchFamily="34" charset="0"/>
-              <a:buChar char="•"/>
-            </a:pPr>
-            <a:r>
-              <a:rPr lang="pt-PT" sz="2400" dirty="0" err="1" smtClean="0"/>
-              <a:t>Gaming</a:t>
-            </a:r>
-            <a:endParaRPr lang="pt-PT" sz="2400" dirty="0" smtClean="0"/>
-          </a:p>
-          <a:p>
-            <a:pPr marL="800100" lvl="1" indent="-342900">
-              <a:buFont typeface="Arial" panose="020B0604020202020204" pitchFamily="34" charset="0"/>
-              <a:buChar char="•"/>
-            </a:pPr>
-            <a:r>
-              <a:rPr lang="pt-PT" sz="2400" dirty="0" smtClean="0"/>
-              <a:t>Aplicações desktop remotas</a:t>
-            </a:r>
-          </a:p>
-          <a:p>
-            <a:pPr marL="800100" lvl="1" indent="-342900">
-              <a:buFont typeface="Arial" panose="020B0604020202020204" pitchFamily="34" charset="0"/>
-              <a:buChar char="•"/>
-            </a:pPr>
-            <a:r>
-              <a:rPr lang="pt-PT" sz="2400" dirty="0" smtClean="0"/>
-              <a:t>Chat de texto em tempo real</a:t>
-            </a:r>
-          </a:p>
-          <a:p>
-            <a:pPr marL="800100" lvl="1" indent="-342900">
-              <a:buFont typeface="Arial" panose="020B0604020202020204" pitchFamily="34" charset="0"/>
-              <a:buChar char="•"/>
-            </a:pPr>
-            <a:r>
-              <a:rPr lang="pt-PT" sz="2400" dirty="0" smtClean="0"/>
-              <a:t>Transferência de ficheiros</a:t>
-            </a:r>
-          </a:p>
-          <a:p>
-            <a:pPr marL="800100" lvl="1" indent="-342900">
-              <a:buFont typeface="Arial" panose="020B0604020202020204" pitchFamily="34" charset="0"/>
-              <a:buChar char="•"/>
-            </a:pPr>
-            <a:endParaRPr lang="pt-PT" sz="2400" dirty="0" smtClean="0"/>
-          </a:p>
-          <a:p>
-            <a:pPr marL="342900" indent="-342900">
-              <a:buFont typeface="Arial" panose="020B0604020202020204" pitchFamily="34" charset="0"/>
-              <a:buChar char="•"/>
-            </a:pPr>
-            <a:endParaRPr lang="pt-PT" sz="2400" dirty="0" smtClean="0"/>
-          </a:p>
-        </p:txBody>
-      </p:sp>
-      <p:pic>
-        <p:nvPicPr>
-          <p:cNvPr id="3" name="Picture 4"/>
-          <p:cNvPicPr>
-            <a:picLocks noChangeAspect="1"/>
-          </p:cNvPicPr>
-          <p:nvPr/>
-        </p:nvPicPr>
-        <p:blipFill>
-          <a:blip r:embed="rId2">
-            <a:extLst>
-              <a:ext uri="{28A0092B-C50C-407E-A947-70E740481C1C}">
-                <a14:useLocalDpi xmlns:a14="http://schemas.microsoft.com/office/drawing/2010/main" val="0"/>
-              </a:ext>
-            </a:extLst>
-          </a:blip>
-          <a:stretch>
-            <a:fillRect/>
-          </a:stretch>
-        </p:blipFill>
-        <p:spPr>
-          <a:xfrm>
-            <a:off x="10156258" y="224964"/>
-            <a:ext cx="1661273" cy="1987013"/>
-          </a:xfrm>
-          <a:prstGeom prst="rect">
-            <a:avLst/>
-          </a:prstGeom>
-        </p:spPr>
-      </p:pic>
-    </p:spTree>
-    <p:extLst>
-      <p:ext uri="{BB962C8B-B14F-4D97-AF65-F5344CB8AC3E}">
-        <p14:creationId xmlns:p14="http://schemas.microsoft.com/office/powerpoint/2010/main" val="4704748"/>
-      </p:ext>
-    </p:extLst>
-  </p:cSld>
-  <p:clrMapOvr>
-    <a:masterClrMapping/>
-  </p:clrMapOvr>
-</p:sld>
-</file>
-
-<file path=ppt/slides/slide8.xml><?xml version="1.0" encoding="utf-8"?>
+<file path=ppt/slides/slide11.xml><?xml version="1.0" encoding="utf-8"?>
 <p:sld xmlns:a="http://schemas.openxmlformats.org/drawingml/2006/main" xmlns:r="http://schemas.openxmlformats.org/officeDocument/2006/relationships" xmlns:p="http://schemas.openxmlformats.org/presentationml/2006/main">
   <p:cSld>
     <p:spTree>
@@ -5262,6 +4257,1503 @@
 </p:sld>
 </file>
 
+<file path=ppt/slides/slide12.xml><?xml version="1.0" encoding="utf-8"?>
+<p:sld xmlns:a="http://schemas.openxmlformats.org/drawingml/2006/main" xmlns:r="http://schemas.openxmlformats.org/officeDocument/2006/relationships" xmlns:p="http://schemas.openxmlformats.org/presentationml/2006/main">
+  <p:cSld>
+    <p:spTree>
+      <p:nvGrpSpPr>
+        <p:cNvPr id="1" name=""/>
+        <p:cNvGrpSpPr/>
+        <p:nvPr/>
+      </p:nvGrpSpPr>
+      <p:grpSpPr>
+        <a:xfrm>
+          <a:off x="0" y="0"/>
+          <a:ext cx="0" cy="0"/>
+          <a:chOff x="0" y="0"/>
+          <a:chExt cx="0" cy="0"/>
+        </a:xfrm>
+      </p:grpSpPr>
+      <p:sp>
+        <p:nvSpPr>
+          <p:cNvPr id="7" name="TextBox 6"/>
+          <p:cNvSpPr txBox="1"/>
+          <p:nvPr/>
+        </p:nvSpPr>
+        <p:spPr>
+          <a:xfrm>
+            <a:off x="406101" y="581553"/>
+            <a:ext cx="11364685" cy="2123658"/>
+          </a:xfrm>
+          <a:prstGeom prst="rect">
+            <a:avLst/>
+          </a:prstGeom>
+          <a:noFill/>
+        </p:spPr>
+        <p:txBody>
+          <a:bodyPr wrap="square" rtlCol="0">
+            <a:spAutoFit/>
+          </a:bodyPr>
+          <a:lstStyle/>
+          <a:p>
+            <a:r>
+              <a:rPr lang="pt-PT" sz="3200" b="1" dirty="0" smtClean="0"/>
+              <a:t>Adapter.js (adaptador </a:t>
+            </a:r>
+            <a:r>
+              <a:rPr lang="pt-PT" sz="3200" b="1" dirty="0" err="1" smtClean="0"/>
+              <a:t>javascript</a:t>
+            </a:r>
+            <a:r>
+              <a:rPr lang="pt-PT" sz="3200" b="1" dirty="0" smtClean="0"/>
+              <a:t>)</a:t>
+            </a:r>
+          </a:p>
+          <a:p>
+            <a:pPr marL="342900" indent="-342900">
+              <a:buFont typeface="Arial" panose="020B0604020202020204" pitchFamily="34" charset="0"/>
+              <a:buChar char="•"/>
+            </a:pPr>
+            <a:endParaRPr lang="pt-PT" sz="2400" dirty="0" smtClean="0"/>
+          </a:p>
+          <a:p>
+            <a:pPr marL="342900" indent="-342900">
+              <a:buFont typeface="Arial" panose="020B0604020202020204" pitchFamily="34" charset="0"/>
+              <a:buChar char="•"/>
+            </a:pPr>
+            <a:r>
+              <a:rPr lang="pt-PT" sz="2400" dirty="0" smtClean="0"/>
+              <a:t>Permite usar o mesmo código em todos os browsers</a:t>
+            </a:r>
+          </a:p>
+          <a:p>
+            <a:pPr marL="342900" indent="-342900">
+              <a:buFont typeface="Arial" panose="020B0604020202020204" pitchFamily="34" charset="0"/>
+              <a:buChar char="•"/>
+            </a:pPr>
+            <a:r>
+              <a:rPr lang="pt-PT" sz="2400" dirty="0" smtClean="0"/>
+              <a:t>Remove prefixos personalizados dos browsers</a:t>
+            </a:r>
+          </a:p>
+          <a:p>
+            <a:pPr marL="342900" indent="-342900">
+              <a:buFont typeface="Arial" panose="020B0604020202020204" pitchFamily="34" charset="0"/>
+              <a:buChar char="•"/>
+            </a:pPr>
+            <a:r>
+              <a:rPr lang="pt-PT" sz="2400" dirty="0" smtClean="0"/>
+              <a:t>Abstrai diferenças</a:t>
+            </a:r>
+          </a:p>
+        </p:txBody>
+      </p:sp>
+      <p:sp>
+        <p:nvSpPr>
+          <p:cNvPr id="3" name="TextBox 6"/>
+          <p:cNvSpPr txBox="1"/>
+          <p:nvPr/>
+        </p:nvSpPr>
+        <p:spPr>
+          <a:xfrm>
+            <a:off x="406100" y="3028918"/>
+            <a:ext cx="11364685" cy="2062103"/>
+          </a:xfrm>
+          <a:prstGeom prst="rect">
+            <a:avLst/>
+          </a:prstGeom>
+          <a:noFill/>
+        </p:spPr>
+        <p:txBody>
+          <a:bodyPr wrap="square" rtlCol="0">
+            <a:spAutoFit/>
+          </a:bodyPr>
+          <a:lstStyle/>
+          <a:p>
+            <a:r>
+              <a:rPr lang="pt-PT" sz="3200" b="1" dirty="0" err="1" smtClean="0"/>
+              <a:t>Frameworks</a:t>
+            </a:r>
+            <a:r>
+              <a:rPr lang="pt-PT" sz="3200" b="1" dirty="0" smtClean="0"/>
+              <a:t> </a:t>
+            </a:r>
+            <a:r>
+              <a:rPr lang="pt-PT" sz="3200" b="1" dirty="0" err="1" smtClean="0"/>
+              <a:t>Javascript</a:t>
+            </a:r>
+            <a:r>
+              <a:rPr lang="pt-PT" sz="3200" b="1" dirty="0" smtClean="0"/>
+              <a:t> (</a:t>
+            </a:r>
+            <a:r>
+              <a:rPr lang="pt-PT" sz="3200" b="1" dirty="0" err="1" smtClean="0"/>
+              <a:t>peer</a:t>
+            </a:r>
+            <a:r>
+              <a:rPr lang="pt-PT" sz="3200" b="1" dirty="0" smtClean="0"/>
+              <a:t>-to-</a:t>
+            </a:r>
+            <a:r>
+              <a:rPr lang="pt-PT" sz="3200" b="1" dirty="0" err="1" smtClean="0"/>
+              <a:t>peer</a:t>
+            </a:r>
+            <a:r>
+              <a:rPr lang="pt-PT" sz="3200" b="1" dirty="0" smtClean="0"/>
+              <a:t>)</a:t>
+            </a:r>
+          </a:p>
+          <a:p>
+            <a:pPr marL="342900" indent="-342900">
+              <a:buFont typeface="Arial" panose="020B0604020202020204" pitchFamily="34" charset="0"/>
+              <a:buChar char="•"/>
+            </a:pPr>
+            <a:endParaRPr lang="pt-PT" sz="2400" dirty="0" smtClean="0"/>
+          </a:p>
+          <a:p>
+            <a:pPr marL="342900" indent="-342900">
+              <a:buFont typeface="Arial" panose="020B0604020202020204" pitchFamily="34" charset="0"/>
+              <a:buChar char="•"/>
+            </a:pPr>
+            <a:r>
+              <a:rPr lang="pt-PT" sz="2400" dirty="0" err="1"/>
+              <a:t>PeerJS</a:t>
+            </a:r>
+            <a:r>
+              <a:rPr lang="pt-PT" sz="2400" dirty="0"/>
+              <a:t> (http://peerjs.com/)</a:t>
+            </a:r>
+          </a:p>
+          <a:p>
+            <a:pPr marL="342900" indent="-342900">
+              <a:buFont typeface="Arial" panose="020B0604020202020204" pitchFamily="34" charset="0"/>
+              <a:buChar char="•"/>
+            </a:pPr>
+            <a:r>
+              <a:rPr lang="pt-PT" sz="2400" dirty="0" err="1" smtClean="0"/>
+              <a:t>EasyRTC</a:t>
+            </a:r>
+            <a:r>
+              <a:rPr lang="pt-PT" sz="2400" dirty="0" smtClean="0"/>
+              <a:t> </a:t>
+            </a:r>
+            <a:r>
+              <a:rPr lang="pt-PT" sz="2400" dirty="0"/>
+              <a:t>(</a:t>
+            </a:r>
+            <a:r>
+              <a:rPr lang="pt-PT" sz="2400" dirty="0" smtClean="0"/>
+              <a:t>http://easyRTC.com)</a:t>
+            </a:r>
+          </a:p>
+          <a:p>
+            <a:pPr marL="342900" indent="-342900">
+              <a:buFont typeface="Arial" panose="020B0604020202020204" pitchFamily="34" charset="0"/>
+              <a:buChar char="•"/>
+            </a:pPr>
+            <a:r>
+              <a:rPr lang="pt-PT" sz="2400" dirty="0" err="1" smtClean="0"/>
+              <a:t>SimpleWebRTC</a:t>
+            </a:r>
+            <a:r>
+              <a:rPr lang="pt-PT" sz="2400" dirty="0"/>
+              <a:t> (https://simplewebrtc.com</a:t>
+            </a:r>
+            <a:r>
+              <a:rPr lang="pt-PT" sz="2400" dirty="0" smtClean="0"/>
+              <a:t>/)</a:t>
+            </a:r>
+            <a:endParaRPr lang="pt-PT" sz="2400" dirty="0"/>
+          </a:p>
+        </p:txBody>
+      </p:sp>
+    </p:spTree>
+    <p:extLst>
+      <p:ext uri="{BB962C8B-B14F-4D97-AF65-F5344CB8AC3E}">
+        <p14:creationId xmlns:p14="http://schemas.microsoft.com/office/powerpoint/2010/main" val="646556806"/>
+      </p:ext>
+    </p:extLst>
+  </p:cSld>
+  <p:clrMapOvr>
+    <a:masterClrMapping/>
+  </p:clrMapOvr>
+</p:sld>
+</file>
+
+<file path=ppt/slides/slide2.xml><?xml version="1.0" encoding="utf-8"?>
+<p:sld xmlns:a="http://schemas.openxmlformats.org/drawingml/2006/main" xmlns:r="http://schemas.openxmlformats.org/officeDocument/2006/relationships" xmlns:p="http://schemas.openxmlformats.org/presentationml/2006/main">
+  <p:cSld>
+    <p:spTree>
+      <p:nvGrpSpPr>
+        <p:cNvPr id="1" name=""/>
+        <p:cNvGrpSpPr/>
+        <p:nvPr/>
+      </p:nvGrpSpPr>
+      <p:grpSpPr>
+        <a:xfrm>
+          <a:off x="0" y="0"/>
+          <a:ext cx="0" cy="0"/>
+          <a:chOff x="0" y="0"/>
+          <a:chExt cx="0" cy="0"/>
+        </a:xfrm>
+      </p:grpSpPr>
+      <p:sp>
+        <p:nvSpPr>
+          <p:cNvPr id="7" name="TextBox 6"/>
+          <p:cNvSpPr txBox="1"/>
+          <p:nvPr/>
+        </p:nvSpPr>
+        <p:spPr>
+          <a:xfrm>
+            <a:off x="365760" y="1105988"/>
+            <a:ext cx="11364685" cy="3785652"/>
+          </a:xfrm>
+          <a:prstGeom prst="rect">
+            <a:avLst/>
+          </a:prstGeom>
+          <a:noFill/>
+        </p:spPr>
+        <p:txBody>
+          <a:bodyPr wrap="square" rtlCol="0">
+            <a:spAutoFit/>
+          </a:bodyPr>
+          <a:lstStyle/>
+          <a:p>
+            <a:pPr marL="285750" indent="-285750">
+              <a:buFont typeface="Arial" panose="020B0604020202020204" pitchFamily="34" charset="0"/>
+              <a:buChar char="•"/>
+            </a:pPr>
+            <a:r>
+              <a:rPr lang="pt-PT" sz="2400" dirty="0" smtClean="0"/>
+              <a:t>Web Real-Time Communication</a:t>
+            </a:r>
+          </a:p>
+          <a:p>
+            <a:pPr marL="285750" indent="-285750">
+              <a:buFont typeface="Arial" panose="020B0604020202020204" pitchFamily="34" charset="0"/>
+              <a:buChar char="•"/>
+            </a:pPr>
+            <a:endParaRPr lang="pt-PT" sz="2400" dirty="0" smtClean="0"/>
+          </a:p>
+          <a:p>
+            <a:pPr marL="285750" indent="-285750">
+              <a:buFont typeface="Arial" panose="020B0604020202020204" pitchFamily="34" charset="0"/>
+              <a:buChar char="•"/>
+            </a:pPr>
+            <a:r>
+              <a:rPr lang="pt-PT" sz="2400" dirty="0" smtClean="0"/>
+              <a:t>Conjunto de protocolos de comunicação e APIs</a:t>
+            </a:r>
+          </a:p>
+          <a:p>
+            <a:pPr marL="285750" indent="-285750">
+              <a:buFont typeface="Arial" panose="020B0604020202020204" pitchFamily="34" charset="0"/>
+              <a:buChar char="•"/>
+            </a:pPr>
+            <a:endParaRPr lang="pt-PT" sz="2400" dirty="0" smtClean="0"/>
+          </a:p>
+          <a:p>
+            <a:pPr marL="285750" indent="-285750">
+              <a:buFont typeface="Arial" panose="020B0604020202020204" pitchFamily="34" charset="0"/>
+              <a:buChar char="•"/>
+            </a:pPr>
+            <a:r>
+              <a:rPr lang="pt-PT" sz="2400" dirty="0" smtClean="0"/>
+              <a:t>Permitem comunicação em tempo real sobre conexões peer-to-peer</a:t>
+            </a:r>
+          </a:p>
+          <a:p>
+            <a:pPr marL="285750" indent="-285750">
+              <a:buFont typeface="Arial" panose="020B0604020202020204" pitchFamily="34" charset="0"/>
+              <a:buChar char="•"/>
+            </a:pPr>
+            <a:endParaRPr lang="pt-PT" sz="2400" dirty="0" smtClean="0"/>
+          </a:p>
+          <a:p>
+            <a:pPr marL="285750" indent="-285750">
+              <a:buFont typeface="Arial" panose="020B0604020202020204" pitchFamily="34" charset="0"/>
+              <a:buChar char="•"/>
+            </a:pPr>
+            <a:r>
+              <a:rPr lang="pt-PT" sz="2400" dirty="0" smtClean="0"/>
+              <a:t>Permitem que browsers não necessitem de efetuar pedidos de recursos a servidores</a:t>
+            </a:r>
+          </a:p>
+          <a:p>
+            <a:pPr marL="285750" indent="-285750">
+              <a:buFont typeface="Arial" panose="020B0604020202020204" pitchFamily="34" charset="0"/>
+              <a:buChar char="•"/>
+            </a:pPr>
+            <a:endParaRPr lang="pt-PT" sz="2400" dirty="0" smtClean="0"/>
+          </a:p>
+          <a:p>
+            <a:pPr marL="285750" indent="-285750">
+              <a:buFont typeface="Arial" panose="020B0604020202020204" pitchFamily="34" charset="0"/>
+              <a:buChar char="•"/>
+            </a:pPr>
+            <a:r>
+              <a:rPr lang="pt-PT" sz="2400" dirty="0" smtClean="0"/>
+              <a:t>Permitem obter informação em tempo real diretamente de browsers de outros utilizadores</a:t>
+            </a:r>
+            <a:endParaRPr lang="pt-PT" sz="2400" dirty="0"/>
+          </a:p>
+        </p:txBody>
+      </p:sp>
+      <p:pic>
+        <p:nvPicPr>
+          <p:cNvPr id="3" name="Picture 4"/>
+          <p:cNvPicPr>
+            <a:picLocks noChangeAspect="1"/>
+          </p:cNvPicPr>
+          <p:nvPr/>
+        </p:nvPicPr>
+        <p:blipFill>
+          <a:blip r:embed="rId2">
+            <a:extLst>
+              <a:ext uri="{28A0092B-C50C-407E-A947-70E740481C1C}">
+                <a14:useLocalDpi xmlns:a14="http://schemas.microsoft.com/office/drawing/2010/main" val="0"/>
+              </a:ext>
+            </a:extLst>
+          </a:blip>
+          <a:stretch>
+            <a:fillRect/>
+          </a:stretch>
+        </p:blipFill>
+        <p:spPr>
+          <a:xfrm>
+            <a:off x="10156258" y="224964"/>
+            <a:ext cx="1661273" cy="1987013"/>
+          </a:xfrm>
+          <a:prstGeom prst="rect">
+            <a:avLst/>
+          </a:prstGeom>
+        </p:spPr>
+      </p:pic>
+    </p:spTree>
+    <p:extLst>
+      <p:ext uri="{BB962C8B-B14F-4D97-AF65-F5344CB8AC3E}">
+        <p14:creationId xmlns:p14="http://schemas.microsoft.com/office/powerpoint/2010/main" val="2466235287"/>
+      </p:ext>
+    </p:extLst>
+  </p:cSld>
+  <p:clrMapOvr>
+    <a:masterClrMapping/>
+  </p:clrMapOvr>
+</p:sld>
+</file>
+
+<file path=ppt/slides/slide3.xml><?xml version="1.0" encoding="utf-8"?>
+<p:sld xmlns:a="http://schemas.openxmlformats.org/drawingml/2006/main" xmlns:r="http://schemas.openxmlformats.org/officeDocument/2006/relationships" xmlns:p="http://schemas.openxmlformats.org/presentationml/2006/main">
+  <p:cSld>
+    <p:spTree>
+      <p:nvGrpSpPr>
+        <p:cNvPr id="1" name=""/>
+        <p:cNvGrpSpPr/>
+        <p:nvPr/>
+      </p:nvGrpSpPr>
+      <p:grpSpPr>
+        <a:xfrm>
+          <a:off x="0" y="0"/>
+          <a:ext cx="0" cy="0"/>
+          <a:chOff x="0" y="0"/>
+          <a:chExt cx="0" cy="0"/>
+        </a:xfrm>
+      </p:grpSpPr>
+      <p:sp>
+        <p:nvSpPr>
+          <p:cNvPr id="7" name="TextBox 6"/>
+          <p:cNvSpPr txBox="1"/>
+          <p:nvPr/>
+        </p:nvSpPr>
+        <p:spPr>
+          <a:xfrm>
+            <a:off x="437479" y="541212"/>
+            <a:ext cx="9854004" cy="5201424"/>
+          </a:xfrm>
+          <a:prstGeom prst="rect">
+            <a:avLst/>
+          </a:prstGeom>
+          <a:noFill/>
+        </p:spPr>
+        <p:txBody>
+          <a:bodyPr wrap="square" rtlCol="0">
+            <a:spAutoFit/>
+          </a:bodyPr>
+          <a:lstStyle/>
+          <a:p>
+            <a:r>
+              <a:rPr lang="pt-PT" sz="3200" b="1" dirty="0" smtClean="0"/>
+              <a:t>Visão:</a:t>
+            </a:r>
+          </a:p>
+          <a:p>
+            <a:pPr marL="342900" indent="-342900">
+              <a:buFont typeface="Arial" panose="020B0604020202020204" pitchFamily="34" charset="0"/>
+              <a:buChar char="•"/>
+            </a:pPr>
+            <a:endParaRPr lang="pt-PT" sz="2400" dirty="0" smtClean="0"/>
+          </a:p>
+          <a:p>
+            <a:pPr marL="342900" indent="-342900">
+              <a:buFont typeface="Arial" panose="020B0604020202020204" pitchFamily="34" charset="0"/>
+              <a:buChar char="•"/>
+            </a:pPr>
+            <a:r>
+              <a:rPr lang="pt-PT" sz="2400" dirty="0" smtClean="0"/>
+              <a:t>Telefone, TV e computadores a comunicar numa plataforma comum</a:t>
+            </a:r>
+          </a:p>
+          <a:p>
+            <a:pPr marL="342900" indent="-342900">
+              <a:buFont typeface="Arial" panose="020B0604020202020204" pitchFamily="34" charset="0"/>
+              <a:buChar char="•"/>
+            </a:pPr>
+            <a:endParaRPr lang="pt-PT" sz="2400" dirty="0" smtClean="0"/>
+          </a:p>
+          <a:p>
+            <a:pPr marL="342900" indent="-342900">
+              <a:buFont typeface="Arial" panose="020B0604020202020204" pitchFamily="34" charset="0"/>
+              <a:buChar char="•"/>
+            </a:pPr>
+            <a:r>
+              <a:rPr lang="pt-PT" sz="2400" dirty="0" smtClean="0"/>
+              <a:t>Adicionar chat de vídeo e partilhar dados de forma fácil e rápida numa aplicação web</a:t>
+            </a:r>
+          </a:p>
+          <a:p>
+            <a:pPr marL="342900" indent="-342900">
+              <a:buFont typeface="Arial" panose="020B0604020202020204" pitchFamily="34" charset="0"/>
+              <a:buChar char="•"/>
+            </a:pPr>
+            <a:endParaRPr lang="pt-PT" sz="2400" dirty="0"/>
+          </a:p>
+          <a:p>
+            <a:pPr marL="342900" indent="-342900">
+              <a:buFont typeface="Arial" panose="020B0604020202020204" pitchFamily="34" charset="0"/>
+              <a:buChar char="•"/>
+            </a:pPr>
+            <a:endParaRPr lang="pt-PT" sz="2400" dirty="0"/>
+          </a:p>
+          <a:p>
+            <a:r>
+              <a:rPr lang="pt-PT" sz="3200" b="1" dirty="0" smtClean="0"/>
+              <a:t>Atualidade:</a:t>
+            </a:r>
+          </a:p>
+          <a:p>
+            <a:endParaRPr lang="pt-PT" sz="2400" dirty="0" smtClean="0"/>
+          </a:p>
+          <a:p>
+            <a:pPr marL="342900" indent="-342900">
+              <a:buFont typeface="Arial" panose="020B0604020202020204" pitchFamily="34" charset="0"/>
+              <a:buChar char="•"/>
+            </a:pPr>
+            <a:r>
+              <a:rPr lang="pt-PT" sz="2400" dirty="0" smtClean="0"/>
+              <a:t>Está a ser standardizado pelo W3C e IEFT</a:t>
+            </a:r>
+          </a:p>
+          <a:p>
+            <a:pPr marL="342900" indent="-342900">
+              <a:buFont typeface="Arial" panose="020B0604020202020204" pitchFamily="34" charset="0"/>
+              <a:buChar char="•"/>
+            </a:pPr>
+            <a:endParaRPr lang="pt-PT" sz="2400" dirty="0" smtClean="0"/>
+          </a:p>
+          <a:p>
+            <a:pPr marL="342900" indent="-342900">
+              <a:buFont typeface="Arial" panose="020B0604020202020204" pitchFamily="34" charset="0"/>
+              <a:buChar char="•"/>
+            </a:pPr>
+            <a:r>
+              <a:rPr lang="pt-PT" sz="2400" dirty="0" smtClean="0"/>
+              <a:t>Está disponível nos browsers modernos (exceto Safari)</a:t>
+            </a:r>
+            <a:endParaRPr lang="pt-PT" sz="2400" dirty="0"/>
+          </a:p>
+        </p:txBody>
+      </p:sp>
+      <p:pic>
+        <p:nvPicPr>
+          <p:cNvPr id="3" name="Picture 4"/>
+          <p:cNvPicPr>
+            <a:picLocks noChangeAspect="1"/>
+          </p:cNvPicPr>
+          <p:nvPr/>
+        </p:nvPicPr>
+        <p:blipFill>
+          <a:blip r:embed="rId2">
+            <a:extLst>
+              <a:ext uri="{28A0092B-C50C-407E-A947-70E740481C1C}">
+                <a14:useLocalDpi xmlns:a14="http://schemas.microsoft.com/office/drawing/2010/main" val="0"/>
+              </a:ext>
+            </a:extLst>
+          </a:blip>
+          <a:stretch>
+            <a:fillRect/>
+          </a:stretch>
+        </p:blipFill>
+        <p:spPr>
+          <a:xfrm>
+            <a:off x="10156258" y="224964"/>
+            <a:ext cx="1661273" cy="1987013"/>
+          </a:xfrm>
+          <a:prstGeom prst="rect">
+            <a:avLst/>
+          </a:prstGeom>
+        </p:spPr>
+      </p:pic>
+    </p:spTree>
+    <p:extLst>
+      <p:ext uri="{BB962C8B-B14F-4D97-AF65-F5344CB8AC3E}">
+        <p14:creationId xmlns:p14="http://schemas.microsoft.com/office/powerpoint/2010/main" val="3787590712"/>
+      </p:ext>
+    </p:extLst>
+  </p:cSld>
+  <p:clrMapOvr>
+    <a:masterClrMapping/>
+  </p:clrMapOvr>
+</p:sld>
+</file>
+
+<file path=ppt/slides/slide4.xml><?xml version="1.0" encoding="utf-8"?>
+<p:sld xmlns:a="http://schemas.openxmlformats.org/drawingml/2006/main" xmlns:r="http://schemas.openxmlformats.org/officeDocument/2006/relationships" xmlns:p="http://schemas.openxmlformats.org/presentationml/2006/main">
+  <p:cSld>
+    <p:spTree>
+      <p:nvGrpSpPr>
+        <p:cNvPr id="1" name=""/>
+        <p:cNvGrpSpPr/>
+        <p:nvPr/>
+      </p:nvGrpSpPr>
+      <p:grpSpPr>
+        <a:xfrm>
+          <a:off x="0" y="0"/>
+          <a:ext cx="0" cy="0"/>
+          <a:chOff x="0" y="0"/>
+          <a:chExt cx="0" cy="0"/>
+        </a:xfrm>
+      </p:grpSpPr>
+      <p:sp>
+        <p:nvSpPr>
+          <p:cNvPr id="7" name="TextBox 6"/>
+          <p:cNvSpPr txBox="1"/>
+          <p:nvPr/>
+        </p:nvSpPr>
+        <p:spPr>
+          <a:xfrm>
+            <a:off x="437479" y="541212"/>
+            <a:ext cx="9854004" cy="4647426"/>
+          </a:xfrm>
+          <a:prstGeom prst="rect">
+            <a:avLst/>
+          </a:prstGeom>
+          <a:noFill/>
+        </p:spPr>
+        <p:txBody>
+          <a:bodyPr wrap="square" rtlCol="0">
+            <a:spAutoFit/>
+          </a:bodyPr>
+          <a:lstStyle/>
+          <a:p>
+            <a:r>
+              <a:rPr lang="pt-PT" sz="3200" b="1" dirty="0" smtClean="0"/>
+              <a:t>Necessidade:</a:t>
+            </a:r>
+            <a:endParaRPr lang="pt-PT" sz="3200" b="1" dirty="0" smtClean="0"/>
+          </a:p>
+          <a:p>
+            <a:pPr marL="342900" indent="-342900">
+              <a:buFont typeface="Arial" panose="020B0604020202020204" pitchFamily="34" charset="0"/>
+              <a:buChar char="•"/>
+            </a:pPr>
+            <a:endParaRPr lang="pt-PT" sz="2400" dirty="0" smtClean="0"/>
+          </a:p>
+          <a:p>
+            <a:pPr marL="342900" indent="-342900">
+              <a:buFont typeface="Arial" panose="020B0604020202020204" pitchFamily="34" charset="0"/>
+              <a:buChar char="•"/>
+            </a:pPr>
+            <a:r>
+              <a:rPr lang="pt-PT" sz="2400" dirty="0" smtClean="0"/>
+              <a:t>Muitos serviços web j</a:t>
+            </a:r>
+            <a:r>
+              <a:rPr lang="pt-PT" sz="2400" dirty="0" smtClean="0"/>
+              <a:t>á usam RTC, mas….</a:t>
+            </a:r>
+          </a:p>
+          <a:p>
+            <a:pPr marL="800100" lvl="1" indent="-342900">
+              <a:buFont typeface="Arial" panose="020B0604020202020204" pitchFamily="34" charset="0"/>
+              <a:buChar char="•"/>
+            </a:pPr>
+            <a:r>
+              <a:rPr lang="pt-PT" sz="2400" dirty="0" smtClean="0"/>
+              <a:t>Necessário fazer download, usar </a:t>
+            </a:r>
+            <a:r>
+              <a:rPr lang="pt-PT" sz="2400" dirty="0" err="1" smtClean="0"/>
+              <a:t>apps</a:t>
+            </a:r>
+            <a:r>
+              <a:rPr lang="pt-PT" sz="2400" dirty="0" smtClean="0"/>
+              <a:t> nativas ou </a:t>
+            </a:r>
+            <a:r>
+              <a:rPr lang="pt-PT" sz="2400" dirty="0" err="1" smtClean="0"/>
+              <a:t>plugins</a:t>
+            </a:r>
+            <a:endParaRPr lang="pt-PT" sz="2400" dirty="0" smtClean="0"/>
+          </a:p>
+          <a:p>
+            <a:pPr marL="800100" lvl="1" indent="-342900">
+              <a:buFont typeface="Arial" panose="020B0604020202020204" pitchFamily="34" charset="0"/>
+              <a:buChar char="•"/>
+            </a:pPr>
+            <a:r>
+              <a:rPr lang="pt-PT" sz="2400" dirty="0" smtClean="0"/>
+              <a:t>Processo download, instalação e atualização de </a:t>
+            </a:r>
+            <a:r>
+              <a:rPr lang="pt-PT" sz="2400" dirty="0" err="1" smtClean="0"/>
+              <a:t>plugins</a:t>
+            </a:r>
+            <a:r>
+              <a:rPr lang="pt-PT" sz="2400" dirty="0" smtClean="0"/>
+              <a:t> ou </a:t>
+            </a:r>
+            <a:r>
+              <a:rPr lang="pt-PT" sz="2400" dirty="0" err="1" smtClean="0"/>
+              <a:t>apps</a:t>
+            </a:r>
+            <a:r>
+              <a:rPr lang="pt-PT" sz="2400" dirty="0" smtClean="0"/>
+              <a:t> pode ser complexo e propenso a erros</a:t>
+            </a:r>
+          </a:p>
+          <a:p>
+            <a:pPr marL="800100" lvl="1" indent="-342900">
+              <a:buFont typeface="Arial" panose="020B0604020202020204" pitchFamily="34" charset="0"/>
+              <a:buChar char="•"/>
+            </a:pPr>
+            <a:r>
+              <a:rPr lang="pt-PT" sz="2400" dirty="0" smtClean="0"/>
+              <a:t>Passos como </a:t>
+            </a:r>
+            <a:r>
+              <a:rPr lang="pt-PT" sz="2400" dirty="0" err="1" smtClean="0"/>
+              <a:t>deploy</a:t>
+            </a:r>
+            <a:r>
+              <a:rPr lang="pt-PT" sz="2400" dirty="0" smtClean="0"/>
+              <a:t>, </a:t>
+            </a:r>
+            <a:r>
+              <a:rPr lang="pt-PT" sz="2400" dirty="0" err="1" smtClean="0"/>
+              <a:t>debug</a:t>
+            </a:r>
+            <a:r>
+              <a:rPr lang="pt-PT" sz="2400" dirty="0" smtClean="0"/>
+              <a:t>, teste, manutenção de </a:t>
+            </a:r>
+            <a:r>
+              <a:rPr lang="pt-PT" sz="2400" dirty="0" err="1" smtClean="0"/>
+              <a:t>plugins</a:t>
+            </a:r>
+            <a:r>
+              <a:rPr lang="pt-PT" sz="2400" dirty="0" smtClean="0"/>
+              <a:t> pode ser difícil</a:t>
+            </a:r>
+          </a:p>
+          <a:p>
+            <a:pPr marL="800100" lvl="1" indent="-342900">
+              <a:buFont typeface="Arial" panose="020B0604020202020204" pitchFamily="34" charset="0"/>
+              <a:buChar char="•"/>
+            </a:pPr>
+            <a:r>
+              <a:rPr lang="pt-PT" sz="2400" dirty="0" smtClean="0"/>
+              <a:t>Integração destes com outras tecnologias pode ser complexa</a:t>
+            </a:r>
+            <a:endParaRPr lang="pt-PT" sz="2400" dirty="0" smtClean="0"/>
+          </a:p>
+          <a:p>
+            <a:pPr marL="342900" indent="-342900">
+              <a:buFont typeface="Arial" panose="020B0604020202020204" pitchFamily="34" charset="0"/>
+              <a:buChar char="•"/>
+            </a:pPr>
+            <a:endParaRPr lang="pt-PT" sz="2400" dirty="0" smtClean="0"/>
+          </a:p>
+          <a:p>
+            <a:pPr marL="342900" indent="-342900">
+              <a:buFont typeface="Arial" panose="020B0604020202020204" pitchFamily="34" charset="0"/>
+              <a:buChar char="•"/>
+            </a:pPr>
+            <a:endParaRPr lang="pt-PT" sz="2400" dirty="0"/>
+          </a:p>
+          <a:p>
+            <a:pPr marL="342900" indent="-342900">
+              <a:buFont typeface="Arial" panose="020B0604020202020204" pitchFamily="34" charset="0"/>
+              <a:buChar char="•"/>
+            </a:pPr>
+            <a:endParaRPr lang="pt-PT" sz="2400" dirty="0"/>
+          </a:p>
+        </p:txBody>
+      </p:sp>
+      <p:pic>
+        <p:nvPicPr>
+          <p:cNvPr id="3" name="Picture 4"/>
+          <p:cNvPicPr>
+            <a:picLocks noChangeAspect="1"/>
+          </p:cNvPicPr>
+          <p:nvPr/>
+        </p:nvPicPr>
+        <p:blipFill>
+          <a:blip r:embed="rId2">
+            <a:extLst>
+              <a:ext uri="{28A0092B-C50C-407E-A947-70E740481C1C}">
+                <a14:useLocalDpi xmlns:a14="http://schemas.microsoft.com/office/drawing/2010/main" val="0"/>
+              </a:ext>
+            </a:extLst>
+          </a:blip>
+          <a:stretch>
+            <a:fillRect/>
+          </a:stretch>
+        </p:blipFill>
+        <p:spPr>
+          <a:xfrm>
+            <a:off x="10156258" y="224964"/>
+            <a:ext cx="1661273" cy="1987013"/>
+          </a:xfrm>
+          <a:prstGeom prst="rect">
+            <a:avLst/>
+          </a:prstGeom>
+        </p:spPr>
+      </p:pic>
+    </p:spTree>
+    <p:extLst>
+      <p:ext uri="{BB962C8B-B14F-4D97-AF65-F5344CB8AC3E}">
+        <p14:creationId xmlns:p14="http://schemas.microsoft.com/office/powerpoint/2010/main" val="3776072934"/>
+      </p:ext>
+    </p:extLst>
+  </p:cSld>
+  <p:clrMapOvr>
+    <a:masterClrMapping/>
+  </p:clrMapOvr>
+</p:sld>
+</file>
+
+<file path=ppt/slides/slide5.xml><?xml version="1.0" encoding="utf-8"?>
+<p:sld xmlns:a="http://schemas.openxmlformats.org/drawingml/2006/main" xmlns:r="http://schemas.openxmlformats.org/officeDocument/2006/relationships" xmlns:p="http://schemas.openxmlformats.org/presentationml/2006/main">
+  <p:cSld>
+    <p:spTree>
+      <p:nvGrpSpPr>
+        <p:cNvPr id="1" name=""/>
+        <p:cNvGrpSpPr/>
+        <p:nvPr/>
+      </p:nvGrpSpPr>
+      <p:grpSpPr>
+        <a:xfrm>
+          <a:off x="0" y="0"/>
+          <a:ext cx="0" cy="0"/>
+          <a:chOff x="0" y="0"/>
+          <a:chExt cx="0" cy="0"/>
+        </a:xfrm>
+      </p:grpSpPr>
+      <p:sp>
+        <p:nvSpPr>
+          <p:cNvPr id="7" name="TextBox 6"/>
+          <p:cNvSpPr txBox="1"/>
+          <p:nvPr/>
+        </p:nvSpPr>
+        <p:spPr>
+          <a:xfrm>
+            <a:off x="437479" y="541212"/>
+            <a:ext cx="9854004" cy="4647426"/>
+          </a:xfrm>
+          <a:prstGeom prst="rect">
+            <a:avLst/>
+          </a:prstGeom>
+          <a:noFill/>
+        </p:spPr>
+        <p:txBody>
+          <a:bodyPr wrap="square" rtlCol="0">
+            <a:spAutoFit/>
+          </a:bodyPr>
+          <a:lstStyle/>
+          <a:p>
+            <a:r>
+              <a:rPr lang="pt-PT" sz="3200" b="1" dirty="0" smtClean="0"/>
+              <a:t>Vantagens</a:t>
+            </a:r>
+            <a:r>
+              <a:rPr lang="pt-PT" sz="3200" b="1" dirty="0" smtClean="0"/>
+              <a:t>:</a:t>
+            </a:r>
+            <a:endParaRPr lang="pt-PT" sz="3200" b="1" dirty="0" smtClean="0"/>
+          </a:p>
+          <a:p>
+            <a:pPr marL="342900" indent="-342900">
+              <a:buFont typeface="Arial" panose="020B0604020202020204" pitchFamily="34" charset="0"/>
+              <a:buChar char="•"/>
+            </a:pPr>
+            <a:endParaRPr lang="pt-PT" sz="2400" dirty="0" smtClean="0"/>
+          </a:p>
+          <a:p>
+            <a:pPr marL="342900" indent="-342900">
+              <a:buFont typeface="Arial" panose="020B0604020202020204" pitchFamily="34" charset="0"/>
+              <a:buChar char="•"/>
+            </a:pPr>
+            <a:r>
+              <a:rPr lang="pt-PT" sz="2400" dirty="0" smtClean="0"/>
+              <a:t>Open-</a:t>
+            </a:r>
+            <a:r>
+              <a:rPr lang="pt-PT" sz="2400" dirty="0" err="1" smtClean="0"/>
+              <a:t>source</a:t>
+            </a:r>
+            <a:endParaRPr lang="pt-PT" sz="2400" dirty="0" smtClean="0"/>
+          </a:p>
+          <a:p>
+            <a:pPr marL="342900" indent="-342900">
+              <a:buFont typeface="Arial" panose="020B0604020202020204" pitchFamily="34" charset="0"/>
+              <a:buChar char="•"/>
+            </a:pPr>
+            <a:r>
+              <a:rPr lang="pt-PT" sz="2400" dirty="0" smtClean="0"/>
+              <a:t>Grátis</a:t>
+            </a:r>
+          </a:p>
+          <a:p>
+            <a:pPr marL="342900" indent="-342900">
+              <a:buFont typeface="Arial" panose="020B0604020202020204" pitchFamily="34" charset="0"/>
+              <a:buChar char="•"/>
+            </a:pPr>
+            <a:r>
+              <a:rPr lang="pt-PT" sz="2400" dirty="0" err="1" smtClean="0"/>
+              <a:t>Standardizado</a:t>
+            </a:r>
+            <a:endParaRPr lang="pt-PT" sz="2400" dirty="0" smtClean="0"/>
+          </a:p>
+          <a:p>
+            <a:pPr marL="342900" indent="-342900">
+              <a:buFont typeface="Arial" panose="020B0604020202020204" pitchFamily="34" charset="0"/>
+              <a:buChar char="•"/>
+            </a:pPr>
+            <a:r>
+              <a:rPr lang="pt-PT" sz="2400" dirty="0" smtClean="0"/>
+              <a:t>Embutido nos browsers (sem necessidade de instalações)</a:t>
+            </a:r>
+          </a:p>
+          <a:p>
+            <a:pPr marL="342900" indent="-342900">
+              <a:buFont typeface="Arial" panose="020B0604020202020204" pitchFamily="34" charset="0"/>
+              <a:buChar char="•"/>
+            </a:pPr>
+            <a:r>
+              <a:rPr lang="pt-PT" sz="2400" dirty="0" smtClean="0"/>
+              <a:t>Mais eficiente</a:t>
+            </a:r>
+          </a:p>
+          <a:p>
+            <a:pPr marL="342900" indent="-342900">
+              <a:buFont typeface="Arial" panose="020B0604020202020204" pitchFamily="34" charset="0"/>
+              <a:buChar char="•"/>
+            </a:pPr>
+            <a:r>
+              <a:rPr lang="pt-PT" sz="2400" dirty="0" smtClean="0"/>
+              <a:t>Menos exposto a complexidades extra</a:t>
+            </a:r>
+          </a:p>
+          <a:p>
+            <a:pPr marL="342900" indent="-342900">
+              <a:buFont typeface="Arial" panose="020B0604020202020204" pitchFamily="34" charset="0"/>
+              <a:buChar char="•"/>
+            </a:pPr>
+            <a:r>
+              <a:rPr lang="pt-PT" sz="2400" dirty="0" smtClean="0"/>
+              <a:t>Menos propenso a erros</a:t>
+            </a:r>
+          </a:p>
+          <a:p>
+            <a:pPr marL="342900" indent="-342900">
+              <a:buFont typeface="Arial" panose="020B0604020202020204" pitchFamily="34" charset="0"/>
+              <a:buChar char="•"/>
+            </a:pPr>
+            <a:endParaRPr lang="pt-PT" sz="2400" dirty="0" smtClean="0"/>
+          </a:p>
+          <a:p>
+            <a:pPr marL="342900" indent="-342900">
+              <a:buFont typeface="Arial" panose="020B0604020202020204" pitchFamily="34" charset="0"/>
+              <a:buChar char="•"/>
+            </a:pPr>
+            <a:endParaRPr lang="pt-PT" sz="2400" dirty="0"/>
+          </a:p>
+          <a:p>
+            <a:pPr marL="342900" indent="-342900">
+              <a:buFont typeface="Arial" panose="020B0604020202020204" pitchFamily="34" charset="0"/>
+              <a:buChar char="•"/>
+            </a:pPr>
+            <a:endParaRPr lang="pt-PT" sz="2400" dirty="0"/>
+          </a:p>
+        </p:txBody>
+      </p:sp>
+      <p:pic>
+        <p:nvPicPr>
+          <p:cNvPr id="3" name="Picture 4"/>
+          <p:cNvPicPr>
+            <a:picLocks noChangeAspect="1"/>
+          </p:cNvPicPr>
+          <p:nvPr/>
+        </p:nvPicPr>
+        <p:blipFill>
+          <a:blip r:embed="rId2">
+            <a:extLst>
+              <a:ext uri="{28A0092B-C50C-407E-A947-70E740481C1C}">
+                <a14:useLocalDpi xmlns:a14="http://schemas.microsoft.com/office/drawing/2010/main" val="0"/>
+              </a:ext>
+            </a:extLst>
+          </a:blip>
+          <a:stretch>
+            <a:fillRect/>
+          </a:stretch>
+        </p:blipFill>
+        <p:spPr>
+          <a:xfrm>
+            <a:off x="10156258" y="224964"/>
+            <a:ext cx="1661273" cy="1987013"/>
+          </a:xfrm>
+          <a:prstGeom prst="rect">
+            <a:avLst/>
+          </a:prstGeom>
+        </p:spPr>
+      </p:pic>
+    </p:spTree>
+    <p:extLst>
+      <p:ext uri="{BB962C8B-B14F-4D97-AF65-F5344CB8AC3E}">
+        <p14:creationId xmlns:p14="http://schemas.microsoft.com/office/powerpoint/2010/main" val="3483042733"/>
+      </p:ext>
+    </p:extLst>
+  </p:cSld>
+  <p:clrMapOvr>
+    <a:masterClrMapping/>
+  </p:clrMapOvr>
+</p:sld>
+</file>
+
+<file path=ppt/slides/slide6.xml><?xml version="1.0" encoding="utf-8"?>
+<p:sld xmlns:a="http://schemas.openxmlformats.org/drawingml/2006/main" xmlns:r="http://schemas.openxmlformats.org/officeDocument/2006/relationships" xmlns:p="http://schemas.openxmlformats.org/presentationml/2006/main">
+  <p:cSld>
+    <p:spTree>
+      <p:nvGrpSpPr>
+        <p:cNvPr id="1" name=""/>
+        <p:cNvGrpSpPr/>
+        <p:nvPr/>
+      </p:nvGrpSpPr>
+      <p:grpSpPr>
+        <a:xfrm>
+          <a:off x="0" y="0"/>
+          <a:ext cx="0" cy="0"/>
+          <a:chOff x="0" y="0"/>
+          <a:chExt cx="0" cy="0"/>
+        </a:xfrm>
+      </p:grpSpPr>
+      <p:sp>
+        <p:nvSpPr>
+          <p:cNvPr id="7" name="TextBox 6"/>
+          <p:cNvSpPr txBox="1"/>
+          <p:nvPr/>
+        </p:nvSpPr>
+        <p:spPr>
+          <a:xfrm>
+            <a:off x="406101" y="581553"/>
+            <a:ext cx="11364685" cy="2308324"/>
+          </a:xfrm>
+          <a:prstGeom prst="rect">
+            <a:avLst/>
+          </a:prstGeom>
+          <a:noFill/>
+        </p:spPr>
+        <p:txBody>
+          <a:bodyPr wrap="square" rtlCol="0">
+            <a:spAutoFit/>
+          </a:bodyPr>
+          <a:lstStyle/>
+          <a:p>
+            <a:r>
+              <a:rPr lang="pt-PT" sz="2400" dirty="0" smtClean="0"/>
+              <a:t>Algumas aplicações da atualidade já adotaram/estão a adotar:</a:t>
+            </a:r>
+            <a:endParaRPr lang="pt-PT" sz="2400" dirty="0" smtClean="0"/>
+          </a:p>
+          <a:p>
+            <a:endParaRPr lang="pt-PT" sz="2400" dirty="0" smtClean="0"/>
+          </a:p>
+          <a:p>
+            <a:pPr marL="342900" indent="-342900">
+              <a:buFont typeface="Arial" panose="020B0604020202020204" pitchFamily="34" charset="0"/>
+              <a:buChar char="•"/>
+            </a:pPr>
+            <a:r>
+              <a:rPr lang="pt-PT" sz="2400" dirty="0" err="1" smtClean="0"/>
+              <a:t>Whatsapp</a:t>
+            </a:r>
+            <a:endParaRPr lang="pt-PT" sz="2400" dirty="0" smtClean="0"/>
+          </a:p>
+          <a:p>
+            <a:pPr marL="342900" indent="-342900">
+              <a:buFont typeface="Arial" panose="020B0604020202020204" pitchFamily="34" charset="0"/>
+              <a:buChar char="•"/>
+            </a:pPr>
+            <a:r>
+              <a:rPr lang="pt-PT" sz="2400" dirty="0" err="1" smtClean="0"/>
+              <a:t>Facebook</a:t>
+            </a:r>
+            <a:r>
+              <a:rPr lang="pt-PT" sz="2400" dirty="0" smtClean="0"/>
+              <a:t> Messenger</a:t>
+            </a:r>
+          </a:p>
+          <a:p>
+            <a:pPr marL="342900" indent="-342900">
+              <a:buFont typeface="Arial" panose="020B0604020202020204" pitchFamily="34" charset="0"/>
+              <a:buChar char="•"/>
+            </a:pPr>
+            <a:r>
+              <a:rPr lang="pt-PT" sz="2400" dirty="0" err="1" smtClean="0"/>
+              <a:t>Appear</a:t>
+            </a:r>
+            <a:r>
+              <a:rPr lang="pt-PT" sz="2400" dirty="0" smtClean="0"/>
+              <a:t>-in</a:t>
+            </a:r>
+          </a:p>
+          <a:p>
+            <a:pPr marL="342900" indent="-342900">
+              <a:buFont typeface="Arial" panose="020B0604020202020204" pitchFamily="34" charset="0"/>
+              <a:buChar char="•"/>
+            </a:pPr>
+            <a:r>
+              <a:rPr lang="pt-PT" sz="2400" dirty="0" err="1" smtClean="0"/>
+              <a:t>TokBox</a:t>
+            </a:r>
+            <a:endParaRPr lang="pt-PT" sz="2400" dirty="0"/>
+          </a:p>
+        </p:txBody>
+      </p:sp>
+      <p:pic>
+        <p:nvPicPr>
+          <p:cNvPr id="4" name="Picture 4"/>
+          <p:cNvPicPr>
+            <a:picLocks noChangeAspect="1"/>
+          </p:cNvPicPr>
+          <p:nvPr/>
+        </p:nvPicPr>
+        <p:blipFill>
+          <a:blip r:embed="rId2">
+            <a:extLst>
+              <a:ext uri="{28A0092B-C50C-407E-A947-70E740481C1C}">
+                <a14:useLocalDpi xmlns:a14="http://schemas.microsoft.com/office/drawing/2010/main" val="0"/>
+              </a:ext>
+            </a:extLst>
+          </a:blip>
+          <a:stretch>
+            <a:fillRect/>
+          </a:stretch>
+        </p:blipFill>
+        <p:spPr>
+          <a:xfrm>
+            <a:off x="10156258" y="224964"/>
+            <a:ext cx="1661273" cy="1987013"/>
+          </a:xfrm>
+          <a:prstGeom prst="rect">
+            <a:avLst/>
+          </a:prstGeom>
+        </p:spPr>
+      </p:pic>
+    </p:spTree>
+    <p:extLst>
+      <p:ext uri="{BB962C8B-B14F-4D97-AF65-F5344CB8AC3E}">
+        <p14:creationId xmlns:p14="http://schemas.microsoft.com/office/powerpoint/2010/main" val="1112922108"/>
+      </p:ext>
+    </p:extLst>
+  </p:cSld>
+  <p:clrMapOvr>
+    <a:masterClrMapping/>
+  </p:clrMapOvr>
+</p:sld>
+</file>
+
+<file path=ppt/slides/slide7.xml><?xml version="1.0" encoding="utf-8"?>
+<p:sld xmlns:a="http://schemas.openxmlformats.org/drawingml/2006/main" xmlns:r="http://schemas.openxmlformats.org/officeDocument/2006/relationships" xmlns:p="http://schemas.openxmlformats.org/presentationml/2006/main">
+  <p:cSld>
+    <p:spTree>
+      <p:nvGrpSpPr>
+        <p:cNvPr id="1" name=""/>
+        <p:cNvGrpSpPr/>
+        <p:nvPr/>
+      </p:nvGrpSpPr>
+      <p:grpSpPr>
+        <a:xfrm>
+          <a:off x="0" y="0"/>
+          <a:ext cx="0" cy="0"/>
+          <a:chOff x="0" y="0"/>
+          <a:chExt cx="0" cy="0"/>
+        </a:xfrm>
+      </p:grpSpPr>
+      <p:sp>
+        <p:nvSpPr>
+          <p:cNvPr id="7" name="TextBox 6"/>
+          <p:cNvSpPr txBox="1"/>
+          <p:nvPr/>
+        </p:nvSpPr>
+        <p:spPr>
+          <a:xfrm>
+            <a:off x="406101" y="581553"/>
+            <a:ext cx="11364685" cy="1938992"/>
+          </a:xfrm>
+          <a:prstGeom prst="rect">
+            <a:avLst/>
+          </a:prstGeom>
+          <a:noFill/>
+        </p:spPr>
+        <p:txBody>
+          <a:bodyPr wrap="square" rtlCol="0">
+            <a:spAutoFit/>
+          </a:bodyPr>
+          <a:lstStyle/>
+          <a:p>
+            <a:r>
+              <a:rPr lang="pt-PT" sz="2400" dirty="0" smtClean="0"/>
+              <a:t>Três tarefas principais:</a:t>
+            </a:r>
+          </a:p>
+          <a:p>
+            <a:endParaRPr lang="pt-PT" sz="2400" dirty="0" smtClean="0"/>
+          </a:p>
+          <a:p>
+            <a:pPr marL="342900" indent="-342900">
+              <a:buFont typeface="Arial" panose="020B0604020202020204" pitchFamily="34" charset="0"/>
+              <a:buChar char="•"/>
+            </a:pPr>
+            <a:r>
+              <a:rPr lang="pt-PT" sz="2400" dirty="0" smtClean="0"/>
+              <a:t>Adquirir áudio e vídeo</a:t>
+            </a:r>
+          </a:p>
+          <a:p>
+            <a:pPr marL="342900" indent="-342900">
+              <a:buFont typeface="Arial" panose="020B0604020202020204" pitchFamily="34" charset="0"/>
+              <a:buChar char="•"/>
+            </a:pPr>
+            <a:r>
+              <a:rPr lang="pt-PT" sz="2400" dirty="0" smtClean="0"/>
+              <a:t>Comunicar áudio e vídeo</a:t>
+            </a:r>
+          </a:p>
+          <a:p>
+            <a:pPr marL="342900" indent="-342900">
+              <a:buFont typeface="Arial" panose="020B0604020202020204" pitchFamily="34" charset="0"/>
+              <a:buChar char="•"/>
+            </a:pPr>
+            <a:r>
+              <a:rPr lang="pt-PT" sz="2400" dirty="0" smtClean="0"/>
+              <a:t>Comunicar dados arbitrários</a:t>
+            </a:r>
+            <a:endParaRPr lang="pt-PT" sz="2400" dirty="0"/>
+          </a:p>
+        </p:txBody>
+      </p:sp>
+      <p:sp>
+        <p:nvSpPr>
+          <p:cNvPr id="3" name="TextBox 2"/>
+          <p:cNvSpPr txBox="1"/>
+          <p:nvPr/>
+        </p:nvSpPr>
+        <p:spPr>
+          <a:xfrm>
+            <a:off x="406101" y="3154424"/>
+            <a:ext cx="11364685" cy="1938992"/>
+          </a:xfrm>
+          <a:prstGeom prst="rect">
+            <a:avLst/>
+          </a:prstGeom>
+          <a:noFill/>
+        </p:spPr>
+        <p:txBody>
+          <a:bodyPr wrap="square" rtlCol="0">
+            <a:spAutoFit/>
+          </a:bodyPr>
+          <a:lstStyle/>
+          <a:p>
+            <a:r>
+              <a:rPr lang="pt-PT" sz="2400" dirty="0" smtClean="0"/>
+              <a:t>Três APIs javascript principais:</a:t>
+            </a:r>
+          </a:p>
+          <a:p>
+            <a:endParaRPr lang="pt-PT" sz="2400" dirty="0" smtClean="0"/>
+          </a:p>
+          <a:p>
+            <a:pPr marL="342900" indent="-342900">
+              <a:buFont typeface="Arial" panose="020B0604020202020204" pitchFamily="34" charset="0"/>
+              <a:buChar char="•"/>
+            </a:pPr>
+            <a:r>
+              <a:rPr lang="pt-PT" sz="2400" dirty="0" smtClean="0"/>
+              <a:t>MediaStream (ou getUserMedia)</a:t>
+            </a:r>
+          </a:p>
+          <a:p>
+            <a:pPr marL="342900" indent="-342900">
+              <a:buFont typeface="Arial" panose="020B0604020202020204" pitchFamily="34" charset="0"/>
+              <a:buChar char="•"/>
+            </a:pPr>
+            <a:r>
+              <a:rPr lang="pt-PT" sz="2400" dirty="0" smtClean="0"/>
+              <a:t>RTCPeerConnection</a:t>
+            </a:r>
+          </a:p>
+          <a:p>
+            <a:pPr marL="342900" indent="-342900">
+              <a:buFont typeface="Arial" panose="020B0604020202020204" pitchFamily="34" charset="0"/>
+              <a:buChar char="•"/>
+            </a:pPr>
+            <a:r>
+              <a:rPr lang="pt-PT" sz="2400" dirty="0" smtClean="0"/>
+              <a:t>RTCDataChannel</a:t>
+            </a:r>
+            <a:endParaRPr lang="pt-PT" sz="2400" dirty="0"/>
+          </a:p>
+        </p:txBody>
+      </p:sp>
+      <p:pic>
+        <p:nvPicPr>
+          <p:cNvPr id="4" name="Picture 4"/>
+          <p:cNvPicPr>
+            <a:picLocks noChangeAspect="1"/>
+          </p:cNvPicPr>
+          <p:nvPr/>
+        </p:nvPicPr>
+        <p:blipFill>
+          <a:blip r:embed="rId2">
+            <a:extLst>
+              <a:ext uri="{28A0092B-C50C-407E-A947-70E740481C1C}">
+                <a14:useLocalDpi xmlns:a14="http://schemas.microsoft.com/office/drawing/2010/main" val="0"/>
+              </a:ext>
+            </a:extLst>
+          </a:blip>
+          <a:stretch>
+            <a:fillRect/>
+          </a:stretch>
+        </p:blipFill>
+        <p:spPr>
+          <a:xfrm>
+            <a:off x="10156258" y="224964"/>
+            <a:ext cx="1661273" cy="1987013"/>
+          </a:xfrm>
+          <a:prstGeom prst="rect">
+            <a:avLst/>
+          </a:prstGeom>
+        </p:spPr>
+      </p:pic>
+    </p:spTree>
+    <p:extLst>
+      <p:ext uri="{BB962C8B-B14F-4D97-AF65-F5344CB8AC3E}">
+        <p14:creationId xmlns:p14="http://schemas.microsoft.com/office/powerpoint/2010/main" val="1667653310"/>
+      </p:ext>
+    </p:extLst>
+  </p:cSld>
+  <p:clrMapOvr>
+    <a:masterClrMapping/>
+  </p:clrMapOvr>
+</p:sld>
+</file>
+
+<file path=ppt/slides/slide8.xml><?xml version="1.0" encoding="utf-8"?>
+<p:sld xmlns:a="http://schemas.openxmlformats.org/drawingml/2006/main" xmlns:r="http://schemas.openxmlformats.org/officeDocument/2006/relationships" xmlns:p="http://schemas.openxmlformats.org/presentationml/2006/main">
+  <p:cSld>
+    <p:spTree>
+      <p:nvGrpSpPr>
+        <p:cNvPr id="1" name=""/>
+        <p:cNvGrpSpPr/>
+        <p:nvPr/>
+      </p:nvGrpSpPr>
+      <p:grpSpPr>
+        <a:xfrm>
+          <a:off x="0" y="0"/>
+          <a:ext cx="0" cy="0"/>
+          <a:chOff x="0" y="0"/>
+          <a:chExt cx="0" cy="0"/>
+        </a:xfrm>
+      </p:grpSpPr>
+      <p:sp>
+        <p:nvSpPr>
+          <p:cNvPr id="7" name="TextBox 6"/>
+          <p:cNvSpPr txBox="1"/>
+          <p:nvPr/>
+        </p:nvSpPr>
+        <p:spPr>
+          <a:xfrm>
+            <a:off x="406101" y="581553"/>
+            <a:ext cx="9750157" cy="3539430"/>
+          </a:xfrm>
+          <a:prstGeom prst="rect">
+            <a:avLst/>
+          </a:prstGeom>
+          <a:noFill/>
+        </p:spPr>
+        <p:txBody>
+          <a:bodyPr wrap="square" rtlCol="0">
+            <a:spAutoFit/>
+          </a:bodyPr>
+          <a:lstStyle/>
+          <a:p>
+            <a:r>
+              <a:rPr lang="pt-PT" sz="3200" b="1" dirty="0" smtClean="0"/>
+              <a:t>RTCPeerConnection</a:t>
+            </a:r>
+          </a:p>
+          <a:p>
+            <a:pPr marL="342900" indent="-342900">
+              <a:buFont typeface="Arial" panose="020B0604020202020204" pitchFamily="34" charset="0"/>
+              <a:buChar char="•"/>
+            </a:pPr>
+            <a:endParaRPr lang="pt-PT" sz="2400" dirty="0" smtClean="0"/>
+          </a:p>
+          <a:p>
+            <a:pPr marL="342900" indent="-342900">
+              <a:buFont typeface="Arial" panose="020B0604020202020204" pitchFamily="34" charset="0"/>
+              <a:buChar char="•"/>
+            </a:pPr>
+            <a:r>
+              <a:rPr lang="pt-PT" sz="2400" dirty="0" smtClean="0"/>
+              <a:t>Representa a conexão </a:t>
+            </a:r>
+            <a:r>
+              <a:rPr lang="pt-PT" sz="2400" dirty="0" err="1" smtClean="0"/>
+              <a:t>WebRTC</a:t>
+            </a:r>
+            <a:r>
+              <a:rPr lang="pt-PT" sz="2400" dirty="0" smtClean="0"/>
+              <a:t> entre o computador local e o </a:t>
+            </a:r>
+            <a:r>
+              <a:rPr lang="pt-PT" sz="2400" dirty="0" err="1" smtClean="0"/>
+              <a:t>peer</a:t>
+            </a:r>
+            <a:r>
+              <a:rPr lang="pt-PT" sz="2400" dirty="0" smtClean="0"/>
+              <a:t> remoto</a:t>
+            </a:r>
+          </a:p>
+          <a:p>
+            <a:pPr marL="342900" indent="-342900">
+              <a:buFont typeface="Arial" panose="020B0604020202020204" pitchFamily="34" charset="0"/>
+              <a:buChar char="•"/>
+            </a:pPr>
+            <a:endParaRPr lang="pt-PT" sz="2400" dirty="0" smtClean="0"/>
+          </a:p>
+          <a:p>
+            <a:pPr marL="342900" indent="-342900">
+              <a:buFont typeface="Arial" panose="020B0604020202020204" pitchFamily="34" charset="0"/>
+              <a:buChar char="•"/>
+            </a:pPr>
+            <a:r>
+              <a:rPr lang="pt-PT" sz="2400" dirty="0" smtClean="0"/>
+              <a:t>Fornece métodos para:</a:t>
+            </a:r>
+          </a:p>
+          <a:p>
+            <a:pPr marL="800100" lvl="1" indent="-342900">
+              <a:buFont typeface="Arial" panose="020B0604020202020204" pitchFamily="34" charset="0"/>
+              <a:buChar char="•"/>
+            </a:pPr>
+            <a:r>
+              <a:rPr lang="pt-PT" sz="2400" dirty="0" smtClean="0"/>
+              <a:t>Conectar ao </a:t>
+            </a:r>
+            <a:r>
+              <a:rPr lang="pt-PT" sz="2400" dirty="0" err="1" smtClean="0"/>
+              <a:t>peer</a:t>
+            </a:r>
+            <a:endParaRPr lang="pt-PT" sz="2400" dirty="0"/>
+          </a:p>
+          <a:p>
+            <a:pPr marL="800100" lvl="1" indent="-342900">
+              <a:buFont typeface="Arial" panose="020B0604020202020204" pitchFamily="34" charset="0"/>
+              <a:buChar char="•"/>
+            </a:pPr>
+            <a:r>
+              <a:rPr lang="pt-PT" sz="2400" dirty="0" smtClean="0"/>
+              <a:t>Manter conexão</a:t>
+            </a:r>
+          </a:p>
+          <a:p>
+            <a:pPr marL="800100" lvl="1" indent="-342900">
+              <a:buFont typeface="Arial" panose="020B0604020202020204" pitchFamily="34" charset="0"/>
+              <a:buChar char="•"/>
+            </a:pPr>
+            <a:r>
+              <a:rPr lang="pt-PT" sz="2400" dirty="0" smtClean="0"/>
+              <a:t>Monitorizar conexão</a:t>
+            </a:r>
+          </a:p>
+          <a:p>
+            <a:pPr marL="800100" lvl="1" indent="-342900">
+              <a:buFont typeface="Arial" panose="020B0604020202020204" pitchFamily="34" charset="0"/>
+              <a:buChar char="•"/>
+            </a:pPr>
+            <a:r>
+              <a:rPr lang="pt-PT" sz="2400" dirty="0" smtClean="0"/>
+              <a:t>Fechar conexão</a:t>
+            </a:r>
+            <a:endParaRPr lang="pt-PT" sz="2400" dirty="0"/>
+          </a:p>
+        </p:txBody>
+      </p:sp>
+      <p:pic>
+        <p:nvPicPr>
+          <p:cNvPr id="3" name="Picture 4"/>
+          <p:cNvPicPr>
+            <a:picLocks noChangeAspect="1"/>
+          </p:cNvPicPr>
+          <p:nvPr/>
+        </p:nvPicPr>
+        <p:blipFill>
+          <a:blip r:embed="rId2">
+            <a:extLst>
+              <a:ext uri="{28A0092B-C50C-407E-A947-70E740481C1C}">
+                <a14:useLocalDpi xmlns:a14="http://schemas.microsoft.com/office/drawing/2010/main" val="0"/>
+              </a:ext>
+            </a:extLst>
+          </a:blip>
+          <a:stretch>
+            <a:fillRect/>
+          </a:stretch>
+        </p:blipFill>
+        <p:spPr>
+          <a:xfrm>
+            <a:off x="10156258" y="224964"/>
+            <a:ext cx="1661273" cy="1987013"/>
+          </a:xfrm>
+          <a:prstGeom prst="rect">
+            <a:avLst/>
+          </a:prstGeom>
+        </p:spPr>
+      </p:pic>
+    </p:spTree>
+    <p:extLst>
+      <p:ext uri="{BB962C8B-B14F-4D97-AF65-F5344CB8AC3E}">
+        <p14:creationId xmlns:p14="http://schemas.microsoft.com/office/powerpoint/2010/main" val="3636171252"/>
+      </p:ext>
+    </p:extLst>
+  </p:cSld>
+  <p:clrMapOvr>
+    <a:masterClrMapping/>
+  </p:clrMapOvr>
+</p:sld>
+</file>
+
 <file path=ppt/slides/slide9.xml><?xml version="1.0" encoding="utf-8"?>
 <p:sld xmlns:a="http://schemas.openxmlformats.org/drawingml/2006/main" xmlns:r="http://schemas.openxmlformats.org/officeDocument/2006/relationships" xmlns:p="http://schemas.openxmlformats.org/presentationml/2006/main">
   <p:cSld>
@@ -5288,7 +5780,7 @@
         <p:spPr>
           <a:xfrm>
             <a:off x="406101" y="581553"/>
-            <a:ext cx="11364685" cy="2123658"/>
+            <a:ext cx="9750157" cy="6124754"/>
           </a:xfrm>
           <a:prstGeom prst="rect">
             <a:avLst/>
@@ -5302,17 +5794,10 @@
           <a:lstStyle/>
           <a:p>
             <a:r>
-              <a:rPr lang="pt-PT" sz="3200" b="1" dirty="0" smtClean="0"/>
-              <a:t>Adapter.js (adaptador </a:t>
-            </a:r>
-            <a:r>
               <a:rPr lang="pt-PT" sz="3200" b="1" dirty="0" err="1" smtClean="0"/>
-              <a:t>javascript</a:t>
-            </a:r>
-            <a:r>
-              <a:rPr lang="pt-PT" sz="3200" b="1" dirty="0" smtClean="0"/>
-              <a:t>)</a:t>
-            </a:r>
+              <a:t>RTCDataChannel</a:t>
+            </a:r>
+            <a:endParaRPr lang="pt-PT" sz="3200" b="1" dirty="0" smtClean="0"/>
           </a:p>
           <a:p>
             <a:pPr marL="342900" indent="-342900">
@@ -5328,7 +5813,7 @@
             </a:pPr>
             <a:r>
               <a:rPr lang="pt-PT" sz="2400" dirty="0" smtClean="0"/>
-              <a:t>Permite usar o mesmo código em todos os browsers</a:t>
+              <a:t>Representa o canal de rede</a:t>
             </a:r>
           </a:p>
           <a:p>
@@ -5336,10 +5821,7 @@
               <a:buFont typeface="Arial" panose="020B0604020202020204" pitchFamily="34" charset="0"/>
               <a:buChar char="•"/>
             </a:pPr>
-            <a:r>
-              <a:rPr lang="pt-PT" sz="2400" dirty="0" smtClean="0"/>
-              <a:t>Remove prefixos personalizados dos browsers</a:t>
-            </a:r>
+            <a:endParaRPr lang="pt-PT" sz="2400" dirty="0" smtClean="0"/>
           </a:p>
           <a:p>
             <a:pPr marL="342900" indent="-342900">
@@ -5348,107 +5830,155 @@
             </a:pPr>
             <a:r>
               <a:rPr lang="pt-PT" sz="2400" dirty="0" smtClean="0"/>
-              <a:t>Abstrai diferenças</a:t>
-            </a:r>
-          </a:p>
-        </p:txBody>
-      </p:sp>
-      <p:sp>
-        <p:nvSpPr>
-          <p:cNvPr id="3" name="TextBox 6"/>
-          <p:cNvSpPr txBox="1"/>
+              <a:t>Pode ser utilizado para transferência de dados </a:t>
+            </a:r>
+            <a:r>
+              <a:rPr lang="pt-PT" sz="2400" dirty="0" err="1" smtClean="0"/>
+              <a:t>peer</a:t>
+            </a:r>
+            <a:r>
+              <a:rPr lang="pt-PT" sz="2400" dirty="0" smtClean="0"/>
+              <a:t>-to-</a:t>
+            </a:r>
+            <a:r>
+              <a:rPr lang="pt-PT" sz="2400" dirty="0" err="1" smtClean="0"/>
+              <a:t>peer</a:t>
+            </a:r>
+            <a:r>
+              <a:rPr lang="pt-PT" sz="2400" dirty="0" smtClean="0"/>
+              <a:t> de forma bidirecional</a:t>
+            </a:r>
+          </a:p>
+          <a:p>
+            <a:pPr marL="342900" indent="-342900">
+              <a:buFont typeface="Arial" panose="020B0604020202020204" pitchFamily="34" charset="0"/>
+              <a:buChar char="•"/>
+            </a:pPr>
+            <a:endParaRPr lang="pt-PT" sz="2400" dirty="0" smtClean="0"/>
+          </a:p>
+          <a:p>
+            <a:pPr marL="342900" indent="-342900">
+              <a:buFont typeface="Arial" panose="020B0604020202020204" pitchFamily="34" charset="0"/>
+              <a:buChar char="•"/>
+            </a:pPr>
+            <a:r>
+              <a:rPr lang="pt-PT" sz="2400" dirty="0" smtClean="0"/>
+              <a:t>Cada canal está associado a uma </a:t>
+            </a:r>
+            <a:r>
+              <a:rPr lang="pt-PT" sz="2400" dirty="0" err="1" smtClean="0"/>
+              <a:t>RTCPeerConnection</a:t>
+            </a:r>
+            <a:endParaRPr lang="pt-PT" sz="2400" dirty="0" smtClean="0"/>
+          </a:p>
+          <a:p>
+            <a:pPr marL="342900" indent="-342900">
+              <a:buFont typeface="Arial" panose="020B0604020202020204" pitchFamily="34" charset="0"/>
+              <a:buChar char="•"/>
+            </a:pPr>
+            <a:endParaRPr lang="pt-PT" sz="2400" dirty="0"/>
+          </a:p>
+          <a:p>
+            <a:pPr marL="342900" indent="-342900">
+              <a:buFont typeface="Arial" panose="020B0604020202020204" pitchFamily="34" charset="0"/>
+              <a:buChar char="•"/>
+            </a:pPr>
+            <a:r>
+              <a:rPr lang="pt-PT" sz="2400" dirty="0" smtClean="0"/>
+              <a:t>Casos de Uso:</a:t>
+            </a:r>
+          </a:p>
+          <a:p>
+            <a:pPr marL="800100" lvl="1" indent="-342900">
+              <a:buFont typeface="Arial" panose="020B0604020202020204" pitchFamily="34" charset="0"/>
+              <a:buChar char="•"/>
+            </a:pPr>
+            <a:r>
+              <a:rPr lang="pt-PT" sz="2400" dirty="0" err="1" smtClean="0"/>
+              <a:t>Gaming</a:t>
+            </a:r>
+            <a:endParaRPr lang="pt-PT" sz="2400" dirty="0" smtClean="0"/>
+          </a:p>
+          <a:p>
+            <a:pPr marL="800100" lvl="1" indent="-342900">
+              <a:buFont typeface="Arial" panose="020B0604020202020204" pitchFamily="34" charset="0"/>
+              <a:buChar char="•"/>
+            </a:pPr>
+            <a:r>
+              <a:rPr lang="pt-PT" sz="2400" dirty="0" smtClean="0"/>
+              <a:t>Aplicações desktop remotas</a:t>
+            </a:r>
+          </a:p>
+          <a:p>
+            <a:pPr marL="800100" lvl="1" indent="-342900">
+              <a:buFont typeface="Arial" panose="020B0604020202020204" pitchFamily="34" charset="0"/>
+              <a:buChar char="•"/>
+            </a:pPr>
+            <a:r>
+              <a:rPr lang="pt-PT" sz="2400" dirty="0" smtClean="0"/>
+              <a:t>Chat de texto em tempo real</a:t>
+            </a:r>
+          </a:p>
+          <a:p>
+            <a:pPr marL="800100" lvl="1" indent="-342900">
+              <a:buFont typeface="Arial" panose="020B0604020202020204" pitchFamily="34" charset="0"/>
+              <a:buChar char="•"/>
+            </a:pPr>
+            <a:r>
+              <a:rPr lang="pt-PT" sz="2400" dirty="0" smtClean="0"/>
+              <a:t>Transferência de ficheiros</a:t>
+            </a:r>
+          </a:p>
+          <a:p>
+            <a:pPr marL="800100" lvl="1" indent="-342900">
+              <a:buFont typeface="Arial" panose="020B0604020202020204" pitchFamily="34" charset="0"/>
+              <a:buChar char="•"/>
+            </a:pPr>
+            <a:endParaRPr lang="pt-PT" sz="2400" dirty="0" smtClean="0"/>
+          </a:p>
+          <a:p>
+            <a:pPr marL="342900" indent="-342900">
+              <a:buFont typeface="Arial" panose="020B0604020202020204" pitchFamily="34" charset="0"/>
+              <a:buChar char="•"/>
+            </a:pPr>
+            <a:endParaRPr lang="pt-PT" sz="2400" dirty="0" smtClean="0"/>
+          </a:p>
+        </p:txBody>
+      </p:sp>
+      <p:pic>
+        <p:nvPicPr>
+          <p:cNvPr id="3" name="Picture 4"/>
+          <p:cNvPicPr>
+            <a:picLocks noChangeAspect="1"/>
+          </p:cNvPicPr>
           <p:nvPr/>
-        </p:nvSpPr>
-        <p:spPr>
-          <a:xfrm>
-            <a:off x="406100" y="3028918"/>
-            <a:ext cx="11364685" cy="1692771"/>
+        </p:nvPicPr>
+        <p:blipFill>
+          <a:blip r:embed="rId2">
+            <a:extLst>
+              <a:ext uri="{28A0092B-C50C-407E-A947-70E740481C1C}">
+                <a14:useLocalDpi xmlns:a14="http://schemas.microsoft.com/office/drawing/2010/main" val="0"/>
+              </a:ext>
+            </a:extLst>
+          </a:blip>
+          <a:stretch>
+            <a:fillRect/>
+          </a:stretch>
+        </p:blipFill>
+        <p:spPr>
+          <a:xfrm>
+            <a:off x="10156258" y="224964"/>
+            <a:ext cx="1661273" cy="1987013"/>
           </a:xfrm>
           <a:prstGeom prst="rect">
             <a:avLst/>
           </a:prstGeom>
-          <a:noFill/>
-        </p:spPr>
-        <p:txBody>
-          <a:bodyPr wrap="square" rtlCol="0">
-            <a:spAutoFit/>
-          </a:bodyPr>
-          <a:lstStyle/>
-          <a:p>
-            <a:r>
-              <a:rPr lang="pt-PT" sz="3200" b="1" dirty="0" err="1" smtClean="0"/>
-              <a:t>Frameworks</a:t>
-            </a:r>
-            <a:r>
-              <a:rPr lang="pt-PT" sz="3200" b="1" dirty="0" smtClean="0"/>
-              <a:t> </a:t>
-            </a:r>
-            <a:r>
-              <a:rPr lang="pt-PT" sz="3200" b="1" dirty="0" err="1" smtClean="0"/>
-              <a:t>Javascript</a:t>
-            </a:r>
-            <a:r>
-              <a:rPr lang="pt-PT" sz="3200" b="1" dirty="0" smtClean="0"/>
-              <a:t> (</a:t>
-            </a:r>
-            <a:r>
-              <a:rPr lang="pt-PT" sz="3200" b="1" dirty="0" err="1" smtClean="0"/>
-              <a:t>peer</a:t>
-            </a:r>
-            <a:r>
-              <a:rPr lang="pt-PT" sz="3200" b="1" dirty="0" smtClean="0"/>
-              <a:t>-to-</a:t>
-            </a:r>
-            <a:r>
-              <a:rPr lang="pt-PT" sz="3200" b="1" dirty="0" err="1" smtClean="0"/>
-              <a:t>peer</a:t>
-            </a:r>
-            <a:r>
-              <a:rPr lang="pt-PT" sz="3200" b="1" dirty="0" smtClean="0"/>
-              <a:t>)</a:t>
-            </a:r>
-          </a:p>
-          <a:p>
-            <a:pPr marL="342900" indent="-342900">
-              <a:buFont typeface="Arial" panose="020B0604020202020204" pitchFamily="34" charset="0"/>
-              <a:buChar char="•"/>
-            </a:pPr>
-            <a:endParaRPr lang="pt-PT" sz="2400" dirty="0" smtClean="0"/>
-          </a:p>
-          <a:p>
-            <a:pPr marL="342900" indent="-342900">
-              <a:buFont typeface="Arial" panose="020B0604020202020204" pitchFamily="34" charset="0"/>
-              <a:buChar char="•"/>
-            </a:pPr>
-            <a:r>
-              <a:rPr lang="pt-PT" sz="2400" dirty="0" err="1"/>
-              <a:t>PeerJS</a:t>
-            </a:r>
-            <a:r>
-              <a:rPr lang="pt-PT" sz="2400" dirty="0"/>
-              <a:t> (http://peerjs.com/)</a:t>
-            </a:r>
-          </a:p>
-          <a:p>
-            <a:pPr marL="342900" indent="-342900">
-              <a:buFont typeface="Arial" panose="020B0604020202020204" pitchFamily="34" charset="0"/>
-              <a:buChar char="•"/>
-            </a:pPr>
-            <a:r>
-              <a:rPr lang="pt-PT" sz="2400" dirty="0" err="1"/>
-              <a:t>Sharefest</a:t>
-            </a:r>
-            <a:r>
-              <a:rPr lang="pt-PT" sz="2400" dirty="0"/>
-              <a:t> (https://github.com/peer5/sharefest)</a:t>
-            </a:r>
-          </a:p>
-        </p:txBody>
-      </p:sp>
+        </p:spPr>
+      </p:pic>
     </p:spTree>
     <p:extLst>
       <p:ext uri="{BB962C8B-B14F-4D97-AF65-F5344CB8AC3E}">
-        <p14:creationId xmlns:p14="http://schemas.microsoft.com/office/powerpoint/2010/main" val="646556806"/>
+        <p14:creationId xmlns:p14="http://schemas.microsoft.com/office/powerpoint/2010/main" val="4704748"/>
       </p:ext>
     </p:extLst>
   </p:cSld>
